--- a/Paperworks/Курсовой проект на тему «Онлайн фильмотека».pptx
+++ b/Paperworks/Курсовой проект на тему «Онлайн фильмотека».pptx
@@ -9,6 +9,18 @@
     <p:sldId id="258" r:id="rId3"/>
     <p:sldId id="259" r:id="rId4"/>
     <p:sldId id="257" r:id="rId5"/>
+    <p:sldId id="260" r:id="rId6"/>
+    <p:sldId id="261" r:id="rId7"/>
+    <p:sldId id="264" r:id="rId8"/>
+    <p:sldId id="265" r:id="rId9"/>
+    <p:sldId id="266" r:id="rId10"/>
+    <p:sldId id="263" r:id="rId11"/>
+    <p:sldId id="267" r:id="rId12"/>
+    <p:sldId id="268" r:id="rId13"/>
+    <p:sldId id="269" r:id="rId14"/>
+    <p:sldId id="270" r:id="rId15"/>
+    <p:sldId id="272" r:id="rId16"/>
+    <p:sldId id="271" r:id="rId17"/>
   </p:sldIdLst>
   <p:sldSz cx="12192000" cy="6858000"/>
   <p:notesSz cx="6858000" cy="9144000"/>
@@ -113,6 +125,476 @@
     </p:ext>
   </p:extLst>
 </p:presentation>
+</file>
+
+<file path=ppt/changesInfos/changesInfo1.xml><?xml version="1.0" encoding="utf-8"?>
+<pc:chgInfo xmlns:a="http://schemas.openxmlformats.org/drawingml/2006/main" xmlns:r="http://schemas.openxmlformats.org/officeDocument/2006/relationships" xmlns:ac="http://schemas.microsoft.com/office/drawing/2013/main/command" xmlns:pc="http://schemas.microsoft.com/office/powerpoint/2013/main/command">
+  <pc:docChgLst>
+    <pc:chgData name="Роман парфёнов" userId="33aa29ea104ad6ac" providerId="LiveId" clId="{A7B47643-3F65-4193-B313-65BE2C17C174}"/>
+    <pc:docChg chg="undo custSel addSld delSld modSld">
+      <pc:chgData name="Роман парфёнов" userId="33aa29ea104ad6ac" providerId="LiveId" clId="{A7B47643-3F65-4193-B313-65BE2C17C174}" dt="2025-12-10T20:03:36.555" v="708" actId="1076"/>
+      <pc:docMkLst>
+        <pc:docMk/>
+      </pc:docMkLst>
+      <pc:sldChg chg="modSp mod">
+        <pc:chgData name="Роман парфёнов" userId="33aa29ea104ad6ac" providerId="LiveId" clId="{A7B47643-3F65-4193-B313-65BE2C17C174}" dt="2025-12-10T19:28:21.010" v="529" actId="207"/>
+        <pc:sldMkLst>
+          <pc:docMk/>
+          <pc:sldMk cId="3973017539" sldId="257"/>
+        </pc:sldMkLst>
+        <pc:spChg chg="mod">
+          <ac:chgData name="Роман парфёнов" userId="33aa29ea104ad6ac" providerId="LiveId" clId="{A7B47643-3F65-4193-B313-65BE2C17C174}" dt="2025-12-10T18:52:29.663" v="33" actId="20577"/>
+          <ac:spMkLst>
+            <pc:docMk/>
+            <pc:sldMk cId="3973017539" sldId="257"/>
+            <ac:spMk id="2" creationId="{DA09E3CE-4300-10C1-366C-3EE89031042F}"/>
+          </ac:spMkLst>
+        </pc:spChg>
+        <pc:spChg chg="mod">
+          <ac:chgData name="Роман парфёнов" userId="33aa29ea104ad6ac" providerId="LiveId" clId="{A7B47643-3F65-4193-B313-65BE2C17C174}" dt="2025-12-10T19:28:21.010" v="529" actId="207"/>
+          <ac:spMkLst>
+            <pc:docMk/>
+            <pc:sldMk cId="3973017539" sldId="257"/>
+            <ac:spMk id="3" creationId="{2590B987-4504-ACFA-7DDD-4164806F4D00}"/>
+          </ac:spMkLst>
+        </pc:spChg>
+      </pc:sldChg>
+      <pc:sldChg chg="modSp mod">
+        <pc:chgData name="Роман парфёнов" userId="33aa29ea104ad6ac" providerId="LiveId" clId="{A7B47643-3F65-4193-B313-65BE2C17C174}" dt="2025-12-10T19:28:16.506" v="527" actId="207"/>
+        <pc:sldMkLst>
+          <pc:docMk/>
+          <pc:sldMk cId="1397866517" sldId="258"/>
+        </pc:sldMkLst>
+        <pc:spChg chg="mod">
+          <ac:chgData name="Роман парфёнов" userId="33aa29ea104ad6ac" providerId="LiveId" clId="{A7B47643-3F65-4193-B313-65BE2C17C174}" dt="2025-12-10T18:57:02.171" v="115" actId="207"/>
+          <ac:spMkLst>
+            <pc:docMk/>
+            <pc:sldMk cId="1397866517" sldId="258"/>
+            <ac:spMk id="2" creationId="{30999A51-7C31-5C3C-E0CC-B9565A182E90}"/>
+          </ac:spMkLst>
+        </pc:spChg>
+        <pc:spChg chg="mod">
+          <ac:chgData name="Роман парфёнов" userId="33aa29ea104ad6ac" providerId="LiveId" clId="{A7B47643-3F65-4193-B313-65BE2C17C174}" dt="2025-12-10T19:28:16.506" v="527" actId="207"/>
+          <ac:spMkLst>
+            <pc:docMk/>
+            <pc:sldMk cId="1397866517" sldId="258"/>
+            <ac:spMk id="3" creationId="{ECEC192B-1058-9A1B-47FD-5FCEE913B2B2}"/>
+          </ac:spMkLst>
+        </pc:spChg>
+        <pc:picChg chg="mod">
+          <ac:chgData name="Роман парфёнов" userId="33aa29ea104ad6ac" providerId="LiveId" clId="{A7B47643-3F65-4193-B313-65BE2C17C174}" dt="2025-12-10T18:54:01.466" v="71" actId="1076"/>
+          <ac:picMkLst>
+            <pc:docMk/>
+            <pc:sldMk cId="1397866517" sldId="258"/>
+            <ac:picMk id="1040" creationId="{C21F6E58-DD38-643A-A7B4-6AD16CC75860}"/>
+          </ac:picMkLst>
+        </pc:picChg>
+      </pc:sldChg>
+      <pc:sldChg chg="modSp mod">
+        <pc:chgData name="Роман парфёнов" userId="33aa29ea104ad6ac" providerId="LiveId" clId="{A7B47643-3F65-4193-B313-65BE2C17C174}" dt="2025-12-10T19:28:18.871" v="528" actId="207"/>
+        <pc:sldMkLst>
+          <pc:docMk/>
+          <pc:sldMk cId="1667216827" sldId="259"/>
+        </pc:sldMkLst>
+        <pc:spChg chg="mod">
+          <ac:chgData name="Роман парфёнов" userId="33aa29ea104ad6ac" providerId="LiveId" clId="{A7B47643-3F65-4193-B313-65BE2C17C174}" dt="2025-12-10T18:56:59.309" v="114" actId="207"/>
+          <ac:spMkLst>
+            <pc:docMk/>
+            <pc:sldMk cId="1667216827" sldId="259"/>
+            <ac:spMk id="2" creationId="{6FF6AE38-01A5-C07E-6DA7-8B4BD1026699}"/>
+          </ac:spMkLst>
+        </pc:spChg>
+        <pc:spChg chg="mod">
+          <ac:chgData name="Роман парфёнов" userId="33aa29ea104ad6ac" providerId="LiveId" clId="{A7B47643-3F65-4193-B313-65BE2C17C174}" dt="2025-12-10T19:28:18.871" v="528" actId="207"/>
+          <ac:spMkLst>
+            <pc:docMk/>
+            <pc:sldMk cId="1667216827" sldId="259"/>
+            <ac:spMk id="3" creationId="{8400E0A1-6E58-E8A3-91F2-7409E49C517F}"/>
+          </ac:spMkLst>
+        </pc:spChg>
+      </pc:sldChg>
+      <pc:sldChg chg="modSp new mod">
+        <pc:chgData name="Роман парфёнов" userId="33aa29ea104ad6ac" providerId="LiveId" clId="{A7B47643-3F65-4193-B313-65BE2C17C174}" dt="2025-12-10T19:28:24.659" v="531" actId="207"/>
+        <pc:sldMkLst>
+          <pc:docMk/>
+          <pc:sldMk cId="3657524212" sldId="260"/>
+        </pc:sldMkLst>
+        <pc:spChg chg="mod">
+          <ac:chgData name="Роман парфёнов" userId="33aa29ea104ad6ac" providerId="LiveId" clId="{A7B47643-3F65-4193-B313-65BE2C17C174}" dt="2025-12-10T18:56:55.680" v="113" actId="207"/>
+          <ac:spMkLst>
+            <pc:docMk/>
+            <pc:sldMk cId="3657524212" sldId="260"/>
+            <ac:spMk id="2" creationId="{5AB34648-177C-737D-C344-A229D1A5627E}"/>
+          </ac:spMkLst>
+        </pc:spChg>
+        <pc:spChg chg="mod">
+          <ac:chgData name="Роман парфёнов" userId="33aa29ea104ad6ac" providerId="LiveId" clId="{A7B47643-3F65-4193-B313-65BE2C17C174}" dt="2025-12-10T19:28:24.659" v="531" actId="207"/>
+          <ac:spMkLst>
+            <pc:docMk/>
+            <pc:sldMk cId="3657524212" sldId="260"/>
+            <ac:spMk id="3" creationId="{58A77DF9-66E2-A25A-5D91-FFF124E6A246}"/>
+          </ac:spMkLst>
+        </pc:spChg>
+      </pc:sldChg>
+      <pc:sldChg chg="addSp delSp modSp new mod">
+        <pc:chgData name="Роман парфёнов" userId="33aa29ea104ad6ac" providerId="LiveId" clId="{A7B47643-3F65-4193-B313-65BE2C17C174}" dt="2025-12-10T19:03:39.726" v="234" actId="1076"/>
+        <pc:sldMkLst>
+          <pc:docMk/>
+          <pc:sldMk cId="2762229476" sldId="261"/>
+        </pc:sldMkLst>
+        <pc:spChg chg="mod ord">
+          <ac:chgData name="Роман парфёнов" userId="33aa29ea104ad6ac" providerId="LiveId" clId="{A7B47643-3F65-4193-B313-65BE2C17C174}" dt="2025-12-10T19:03:37.682" v="233" actId="1076"/>
+          <ac:spMkLst>
+            <pc:docMk/>
+            <pc:sldMk cId="2762229476" sldId="261"/>
+            <ac:spMk id="2" creationId="{D69C3837-BB98-082C-2239-FA4F28359375}"/>
+          </ac:spMkLst>
+        </pc:spChg>
+        <pc:spChg chg="del">
+          <ac:chgData name="Роман парфёнов" userId="33aa29ea104ad6ac" providerId="LiveId" clId="{A7B47643-3F65-4193-B313-65BE2C17C174}" dt="2025-12-10T19:01:30.992" v="200"/>
+          <ac:spMkLst>
+            <pc:docMk/>
+            <pc:sldMk cId="2762229476" sldId="261"/>
+            <ac:spMk id="3" creationId="{2E37BA58-4B92-3184-A652-0D14583ADC24}"/>
+          </ac:spMkLst>
+        </pc:spChg>
+        <pc:picChg chg="add mod">
+          <ac:chgData name="Роман парфёнов" userId="33aa29ea104ad6ac" providerId="LiveId" clId="{A7B47643-3F65-4193-B313-65BE2C17C174}" dt="2025-12-10T19:03:39.726" v="234" actId="1076"/>
+          <ac:picMkLst>
+            <pc:docMk/>
+            <pc:sldMk cId="2762229476" sldId="261"/>
+            <ac:picMk id="4" creationId="{5FE49D19-F46D-A91D-733B-C0CCF10FBA26}"/>
+          </ac:picMkLst>
+        </pc:picChg>
+      </pc:sldChg>
+      <pc:sldChg chg="addSp delSp modSp new del mod">
+        <pc:chgData name="Роман парфёнов" userId="33aa29ea104ad6ac" providerId="LiveId" clId="{A7B47643-3F65-4193-B313-65BE2C17C174}" dt="2025-12-10T19:02:47.679" v="222" actId="47"/>
+        <pc:sldMkLst>
+          <pc:docMk/>
+          <pc:sldMk cId="3292103499" sldId="262"/>
+        </pc:sldMkLst>
+        <pc:spChg chg="del">
+          <ac:chgData name="Роман парфёнов" userId="33aa29ea104ad6ac" providerId="LiveId" clId="{A7B47643-3F65-4193-B313-65BE2C17C174}" dt="2025-12-10T19:02:43.107" v="220" actId="478"/>
+          <ac:spMkLst>
+            <pc:docMk/>
+            <pc:sldMk cId="3292103499" sldId="262"/>
+            <ac:spMk id="2" creationId="{6DA134E4-859B-2D3C-C937-54A640E38DD0}"/>
+          </ac:spMkLst>
+        </pc:spChg>
+        <pc:spChg chg="del">
+          <ac:chgData name="Роман парфёнов" userId="33aa29ea104ad6ac" providerId="LiveId" clId="{A7B47643-3F65-4193-B313-65BE2C17C174}" dt="2025-12-10T19:02:41.105" v="219" actId="478"/>
+          <ac:spMkLst>
+            <pc:docMk/>
+            <pc:sldMk cId="3292103499" sldId="262"/>
+            <ac:spMk id="3" creationId="{E425E217-3119-C7D4-F53E-10B355B4AA1D}"/>
+          </ac:spMkLst>
+        </pc:spChg>
+        <pc:picChg chg="add mod">
+          <ac:chgData name="Роман парфёнов" userId="33aa29ea104ad6ac" providerId="LiveId" clId="{A7B47643-3F65-4193-B313-65BE2C17C174}" dt="2025-12-10T19:02:37.847" v="218" actId="1076"/>
+          <ac:picMkLst>
+            <pc:docMk/>
+            <pc:sldMk cId="3292103499" sldId="262"/>
+            <ac:picMk id="4" creationId="{007ECFE0-0EA5-D89F-42A3-57A8B585FCB3}"/>
+          </ac:picMkLst>
+        </pc:picChg>
+      </pc:sldChg>
+      <pc:sldChg chg="addSp delSp modSp add mod">
+        <pc:chgData name="Роман парфёнов" userId="33aa29ea104ad6ac" providerId="LiveId" clId="{A7B47643-3F65-4193-B313-65BE2C17C174}" dt="2025-12-10T19:04:06.390" v="247" actId="1076"/>
+        <pc:sldMkLst>
+          <pc:docMk/>
+          <pc:sldMk cId="405385535" sldId="263"/>
+        </pc:sldMkLst>
+        <pc:spChg chg="mod ord">
+          <ac:chgData name="Роман парфёнов" userId="33aa29ea104ad6ac" providerId="LiveId" clId="{A7B47643-3F65-4193-B313-65BE2C17C174}" dt="2025-12-10T19:03:55.765" v="244" actId="1076"/>
+          <ac:spMkLst>
+            <pc:docMk/>
+            <pc:sldMk cId="405385535" sldId="263"/>
+            <ac:spMk id="2" creationId="{D69C3837-BB98-082C-2239-FA4F28359375}"/>
+          </ac:spMkLst>
+        </pc:spChg>
+        <pc:spChg chg="add del mod">
+          <ac:chgData name="Роман парфёнов" userId="33aa29ea104ad6ac" providerId="LiveId" clId="{A7B47643-3F65-4193-B313-65BE2C17C174}" dt="2025-12-10T19:02:52.425" v="225" actId="478"/>
+          <ac:spMkLst>
+            <pc:docMk/>
+            <pc:sldMk cId="405385535" sldId="263"/>
+            <ac:spMk id="5" creationId="{42F19879-A4E4-A09A-1AA8-73C53277B4D1}"/>
+          </ac:spMkLst>
+        </pc:spChg>
+        <pc:picChg chg="del">
+          <ac:chgData name="Роман парфёнов" userId="33aa29ea104ad6ac" providerId="LiveId" clId="{A7B47643-3F65-4193-B313-65BE2C17C174}" dt="2025-12-10T19:02:49.889" v="223" actId="478"/>
+          <ac:picMkLst>
+            <pc:docMk/>
+            <pc:sldMk cId="405385535" sldId="263"/>
+            <ac:picMk id="4" creationId="{5FE49D19-F46D-A91D-733B-C0CCF10FBA26}"/>
+          </ac:picMkLst>
+        </pc:picChg>
+        <pc:picChg chg="add mod">
+          <ac:chgData name="Роман парфёнов" userId="33aa29ea104ad6ac" providerId="LiveId" clId="{A7B47643-3F65-4193-B313-65BE2C17C174}" dt="2025-12-10T19:04:06.390" v="247" actId="1076"/>
+          <ac:picMkLst>
+            <pc:docMk/>
+            <pc:sldMk cId="405385535" sldId="263"/>
+            <ac:picMk id="6" creationId="{CA6B9769-4E74-4426-8B93-EDD8632E8341}"/>
+          </ac:picMkLst>
+        </pc:picChg>
+      </pc:sldChg>
+      <pc:sldChg chg="addSp delSp modSp new mod">
+        <pc:chgData name="Роман парфёнов" userId="33aa29ea104ad6ac" providerId="LiveId" clId="{A7B47643-3F65-4193-B313-65BE2C17C174}" dt="2025-12-10T19:12:00.606" v="296" actId="27636"/>
+        <pc:sldMkLst>
+          <pc:docMk/>
+          <pc:sldMk cId="1047039426" sldId="264"/>
+        </pc:sldMkLst>
+        <pc:spChg chg="mod">
+          <ac:chgData name="Роман парфёнов" userId="33aa29ea104ad6ac" providerId="LiveId" clId="{A7B47643-3F65-4193-B313-65BE2C17C174}" dt="2025-12-10T19:10:01.752" v="267" actId="1076"/>
+          <ac:spMkLst>
+            <pc:docMk/>
+            <pc:sldMk cId="1047039426" sldId="264"/>
+            <ac:spMk id="2" creationId="{9A400AA4-4261-C314-D9C4-CD7707BBFE09}"/>
+          </ac:spMkLst>
+        </pc:spChg>
+        <pc:spChg chg="mod">
+          <ac:chgData name="Роман парфёнов" userId="33aa29ea104ad6ac" providerId="LiveId" clId="{A7B47643-3F65-4193-B313-65BE2C17C174}" dt="2025-12-10T19:12:00.606" v="296" actId="27636"/>
+          <ac:spMkLst>
+            <pc:docMk/>
+            <pc:sldMk cId="1047039426" sldId="264"/>
+            <ac:spMk id="3" creationId="{29A3033B-B8FE-2087-20C5-61880F0C2607}"/>
+          </ac:spMkLst>
+        </pc:spChg>
+        <pc:spChg chg="add del mod">
+          <ac:chgData name="Роман парфёнов" userId="33aa29ea104ad6ac" providerId="LiveId" clId="{A7B47643-3F65-4193-B313-65BE2C17C174}" dt="2025-12-10T19:10:51.552" v="283" actId="22"/>
+          <ac:spMkLst>
+            <pc:docMk/>
+            <pc:sldMk cId="1047039426" sldId="264"/>
+            <ac:spMk id="5" creationId="{F03F86C7-7443-C814-2C06-74668DD36D44}"/>
+          </ac:spMkLst>
+        </pc:spChg>
+      </pc:sldChg>
+      <pc:sldChg chg="modSp add mod">
+        <pc:chgData name="Роман парфёнов" userId="33aa29ea104ad6ac" providerId="LiveId" clId="{A7B47643-3F65-4193-B313-65BE2C17C174}" dt="2025-12-10T19:11:53.293" v="294" actId="27636"/>
+        <pc:sldMkLst>
+          <pc:docMk/>
+          <pc:sldMk cId="3689457701" sldId="265"/>
+        </pc:sldMkLst>
+        <pc:spChg chg="mod">
+          <ac:chgData name="Роман парфёнов" userId="33aa29ea104ad6ac" providerId="LiveId" clId="{A7B47643-3F65-4193-B313-65BE2C17C174}" dt="2025-12-10T19:11:53.293" v="294" actId="27636"/>
+          <ac:spMkLst>
+            <pc:docMk/>
+            <pc:sldMk cId="3689457701" sldId="265"/>
+            <ac:spMk id="3" creationId="{29A3033B-B8FE-2087-20C5-61880F0C2607}"/>
+          </ac:spMkLst>
+        </pc:spChg>
+      </pc:sldChg>
+      <pc:sldChg chg="modSp new mod">
+        <pc:chgData name="Роман парфёнов" userId="33aa29ea104ad6ac" providerId="LiveId" clId="{A7B47643-3F65-4193-B313-65BE2C17C174}" dt="2025-12-10T19:21:11.313" v="526" actId="1076"/>
+        <pc:sldMkLst>
+          <pc:docMk/>
+          <pc:sldMk cId="110393487" sldId="266"/>
+        </pc:sldMkLst>
+        <pc:spChg chg="mod">
+          <ac:chgData name="Роман парфёнов" userId="33aa29ea104ad6ac" providerId="LiveId" clId="{A7B47643-3F65-4193-B313-65BE2C17C174}" dt="2025-12-10T19:17:34.750" v="334" actId="207"/>
+          <ac:spMkLst>
+            <pc:docMk/>
+            <pc:sldMk cId="110393487" sldId="266"/>
+            <ac:spMk id="2" creationId="{77B677D9-E719-7022-AD01-8270834BC297}"/>
+          </ac:spMkLst>
+        </pc:spChg>
+        <pc:spChg chg="mod">
+          <ac:chgData name="Роман парфёнов" userId="33aa29ea104ad6ac" providerId="LiveId" clId="{A7B47643-3F65-4193-B313-65BE2C17C174}" dt="2025-12-10T19:21:11.313" v="526" actId="1076"/>
+          <ac:spMkLst>
+            <pc:docMk/>
+            <pc:sldMk cId="110393487" sldId="266"/>
+            <ac:spMk id="3" creationId="{59075BDB-2CC9-1A38-7F2F-47E142F5926A}"/>
+          </ac:spMkLst>
+        </pc:spChg>
+      </pc:sldChg>
+      <pc:sldChg chg="addSp delSp modSp add mod">
+        <pc:chgData name="Роман парфёнов" userId="33aa29ea104ad6ac" providerId="LiveId" clId="{A7B47643-3F65-4193-B313-65BE2C17C174}" dt="2025-12-10T19:30:46.816" v="568" actId="1076"/>
+        <pc:sldMkLst>
+          <pc:docMk/>
+          <pc:sldMk cId="3474026261" sldId="267"/>
+        </pc:sldMkLst>
+        <pc:spChg chg="mod">
+          <ac:chgData name="Роман парфёнов" userId="33aa29ea104ad6ac" providerId="LiveId" clId="{A7B47643-3F65-4193-B313-65BE2C17C174}" dt="2025-12-10T19:30:29.059" v="562" actId="20577"/>
+          <ac:spMkLst>
+            <pc:docMk/>
+            <pc:sldMk cId="3474026261" sldId="267"/>
+            <ac:spMk id="2" creationId="{D69C3837-BB98-082C-2239-FA4F28359375}"/>
+          </ac:spMkLst>
+        </pc:spChg>
+        <pc:picChg chg="add mod">
+          <ac:chgData name="Роман парфёнов" userId="33aa29ea104ad6ac" providerId="LiveId" clId="{A7B47643-3F65-4193-B313-65BE2C17C174}" dt="2025-12-10T19:30:46.816" v="568" actId="1076"/>
+          <ac:picMkLst>
+            <pc:docMk/>
+            <pc:sldMk cId="3474026261" sldId="267"/>
+            <ac:picMk id="3" creationId="{44619B36-28FC-78B0-4B98-BFCB6E4E35A3}"/>
+          </ac:picMkLst>
+        </pc:picChg>
+        <pc:picChg chg="del">
+          <ac:chgData name="Роман парфёнов" userId="33aa29ea104ad6ac" providerId="LiveId" clId="{A7B47643-3F65-4193-B313-65BE2C17C174}" dt="2025-12-10T19:30:12.838" v="533" actId="478"/>
+          <ac:picMkLst>
+            <pc:docMk/>
+            <pc:sldMk cId="3474026261" sldId="267"/>
+            <ac:picMk id="6" creationId="{CA6B9769-4E74-4426-8B93-EDD8632E8341}"/>
+          </ac:picMkLst>
+        </pc:picChg>
+      </pc:sldChg>
+      <pc:sldChg chg="addSp delSp modSp new mod">
+        <pc:chgData name="Роман парфёнов" userId="33aa29ea104ad6ac" providerId="LiveId" clId="{A7B47643-3F65-4193-B313-65BE2C17C174}" dt="2025-12-10T19:48:57.176" v="628" actId="1076"/>
+        <pc:sldMkLst>
+          <pc:docMk/>
+          <pc:sldMk cId="3706594923" sldId="268"/>
+        </pc:sldMkLst>
+        <pc:spChg chg="mod">
+          <ac:chgData name="Роман парфёнов" userId="33aa29ea104ad6ac" providerId="LiveId" clId="{A7B47643-3F65-4193-B313-65BE2C17C174}" dt="2025-12-10T19:35:11.295" v="614" actId="20577"/>
+          <ac:spMkLst>
+            <pc:docMk/>
+            <pc:sldMk cId="3706594923" sldId="268"/>
+            <ac:spMk id="2" creationId="{F21F22BC-1801-6C8C-64A0-D338B33FEB00}"/>
+          </ac:spMkLst>
+        </pc:spChg>
+        <pc:spChg chg="del mod">
+          <ac:chgData name="Роман парфёнов" userId="33aa29ea104ad6ac" providerId="LiveId" clId="{A7B47643-3F65-4193-B313-65BE2C17C174}" dt="2025-12-10T19:47:16.957" v="618" actId="478"/>
+          <ac:spMkLst>
+            <pc:docMk/>
+            <pc:sldMk cId="3706594923" sldId="268"/>
+            <ac:spMk id="3" creationId="{5DACE7BF-295F-11EA-7493-197060525C9A}"/>
+          </ac:spMkLst>
+        </pc:spChg>
+        <pc:spChg chg="add mod">
+          <ac:chgData name="Роман парфёнов" userId="33aa29ea104ad6ac" providerId="LiveId" clId="{A7B47643-3F65-4193-B313-65BE2C17C174}" dt="2025-12-10T19:48:57.176" v="628" actId="1076"/>
+          <ac:spMkLst>
+            <pc:docMk/>
+            <pc:sldMk cId="3706594923" sldId="268"/>
+            <ac:spMk id="7" creationId="{858E8CF2-ABFE-A977-4CC8-7DEA3F28FBF9}"/>
+          </ac:spMkLst>
+        </pc:spChg>
+        <pc:picChg chg="add del mod">
+          <ac:chgData name="Роман парфёнов" userId="33aa29ea104ad6ac" providerId="LiveId" clId="{A7B47643-3F65-4193-B313-65BE2C17C174}" dt="2025-12-10T19:48:37.325" v="622" actId="478"/>
+          <ac:picMkLst>
+            <pc:docMk/>
+            <pc:sldMk cId="3706594923" sldId="268"/>
+            <ac:picMk id="5" creationId="{AD3C6828-E138-0C5D-45EF-6BF975B7D148}"/>
+          </ac:picMkLst>
+        </pc:picChg>
+      </pc:sldChg>
+      <pc:sldChg chg="modSp add mod">
+        <pc:chgData name="Роман парфёнов" userId="33aa29ea104ad6ac" providerId="LiveId" clId="{A7B47643-3F65-4193-B313-65BE2C17C174}" dt="2025-12-10T19:47:32.531" v="621" actId="1076"/>
+        <pc:sldMkLst>
+          <pc:docMk/>
+          <pc:sldMk cId="1146421030" sldId="269"/>
+        </pc:sldMkLst>
+        <pc:picChg chg="mod">
+          <ac:chgData name="Роман парфёнов" userId="33aa29ea104ad6ac" providerId="LiveId" clId="{A7B47643-3F65-4193-B313-65BE2C17C174}" dt="2025-12-10T19:47:32.531" v="621" actId="1076"/>
+          <ac:picMkLst>
+            <pc:docMk/>
+            <pc:sldMk cId="1146421030" sldId="269"/>
+            <ac:picMk id="5" creationId="{AD3C6828-E138-0C5D-45EF-6BF975B7D148}"/>
+          </ac:picMkLst>
+        </pc:picChg>
+      </pc:sldChg>
+      <pc:sldChg chg="addSp delSp modSp add mod">
+        <pc:chgData name="Роман парфёнов" userId="33aa29ea104ad6ac" providerId="LiveId" clId="{A7B47643-3F65-4193-B313-65BE2C17C174}" dt="2025-12-10T19:51:17.846" v="660" actId="1076"/>
+        <pc:sldMkLst>
+          <pc:docMk/>
+          <pc:sldMk cId="846681004" sldId="270"/>
+        </pc:sldMkLst>
+        <pc:spChg chg="mod">
+          <ac:chgData name="Роман парфёнов" userId="33aa29ea104ad6ac" providerId="LiveId" clId="{A7B47643-3F65-4193-B313-65BE2C17C174}" dt="2025-12-10T19:49:28.688" v="645" actId="20577"/>
+          <ac:spMkLst>
+            <pc:docMk/>
+            <pc:sldMk cId="846681004" sldId="270"/>
+            <ac:spMk id="2" creationId="{F21F22BC-1801-6C8C-64A0-D338B33FEB00}"/>
+          </ac:spMkLst>
+        </pc:spChg>
+        <pc:picChg chg="add del mod">
+          <ac:chgData name="Роман парфёнов" userId="33aa29ea104ad6ac" providerId="LiveId" clId="{A7B47643-3F65-4193-B313-65BE2C17C174}" dt="2025-12-10T19:50:49.134" v="652" actId="22"/>
+          <ac:picMkLst>
+            <pc:docMk/>
+            <pc:sldMk cId="846681004" sldId="270"/>
+            <ac:picMk id="4" creationId="{6FF1DA61-C4D7-0595-572A-718D54C4C9C4}"/>
+          </ac:picMkLst>
+        </pc:picChg>
+        <pc:picChg chg="del">
+          <ac:chgData name="Роман парфёнов" userId="33aa29ea104ad6ac" providerId="LiveId" clId="{A7B47643-3F65-4193-B313-65BE2C17C174}" dt="2025-12-10T19:50:43.806" v="646" actId="478"/>
+          <ac:picMkLst>
+            <pc:docMk/>
+            <pc:sldMk cId="846681004" sldId="270"/>
+            <ac:picMk id="5" creationId="{AD3C6828-E138-0C5D-45EF-6BF975B7D148}"/>
+          </ac:picMkLst>
+        </pc:picChg>
+        <pc:picChg chg="add del mod">
+          <ac:chgData name="Роман парфёнов" userId="33aa29ea104ad6ac" providerId="LiveId" clId="{A7B47643-3F65-4193-B313-65BE2C17C174}" dt="2025-12-10T19:51:02.960" v="655" actId="478"/>
+          <ac:picMkLst>
+            <pc:docMk/>
+            <pc:sldMk cId="846681004" sldId="270"/>
+            <ac:picMk id="7" creationId="{0E027BE4-B423-5B43-972E-E3A3CB9C3F41}"/>
+          </ac:picMkLst>
+        </pc:picChg>
+        <pc:picChg chg="add mod">
+          <ac:chgData name="Роман парфёнов" userId="33aa29ea104ad6ac" providerId="LiveId" clId="{A7B47643-3F65-4193-B313-65BE2C17C174}" dt="2025-12-10T19:51:17.846" v="660" actId="1076"/>
+          <ac:picMkLst>
+            <pc:docMk/>
+            <pc:sldMk cId="846681004" sldId="270"/>
+            <ac:picMk id="9" creationId="{9A7F12CF-EFD2-C7E8-569D-A555DB0906AF}"/>
+          </ac:picMkLst>
+        </pc:picChg>
+      </pc:sldChg>
+      <pc:sldChg chg="delSp modSp new mod">
+        <pc:chgData name="Роман парфёнов" userId="33aa29ea104ad6ac" providerId="LiveId" clId="{A7B47643-3F65-4193-B313-65BE2C17C174}" dt="2025-12-10T19:51:49.487" v="702" actId="1076"/>
+        <pc:sldMkLst>
+          <pc:docMk/>
+          <pc:sldMk cId="2489407923" sldId="271"/>
+        </pc:sldMkLst>
+        <pc:spChg chg="mod">
+          <ac:chgData name="Роман парфёнов" userId="33aa29ea104ad6ac" providerId="LiveId" clId="{A7B47643-3F65-4193-B313-65BE2C17C174}" dt="2025-12-10T19:51:49.487" v="702" actId="1076"/>
+          <ac:spMkLst>
+            <pc:docMk/>
+            <pc:sldMk cId="2489407923" sldId="271"/>
+            <ac:spMk id="2" creationId="{CF670CCB-A083-2843-258F-796911FA9882}"/>
+          </ac:spMkLst>
+        </pc:spChg>
+        <pc:spChg chg="del">
+          <ac:chgData name="Роман парфёнов" userId="33aa29ea104ad6ac" providerId="LiveId" clId="{A7B47643-3F65-4193-B313-65BE2C17C174}" dt="2025-12-10T19:51:40.146" v="698" actId="478"/>
+          <ac:spMkLst>
+            <pc:docMk/>
+            <pc:sldMk cId="2489407923" sldId="271"/>
+            <ac:spMk id="3" creationId="{0A849386-19C7-EF45-B18E-0FC6E0A34122}"/>
+          </ac:spMkLst>
+        </pc:spChg>
+      </pc:sldChg>
+      <pc:sldChg chg="addSp delSp modSp add mod">
+        <pc:chgData name="Роман парфёнов" userId="33aa29ea104ad6ac" providerId="LiveId" clId="{A7B47643-3F65-4193-B313-65BE2C17C174}" dt="2025-12-10T20:03:36.555" v="708" actId="1076"/>
+        <pc:sldMkLst>
+          <pc:docMk/>
+          <pc:sldMk cId="1204708329" sldId="272"/>
+        </pc:sldMkLst>
+        <pc:picChg chg="add del">
+          <ac:chgData name="Роман парфёнов" userId="33aa29ea104ad6ac" providerId="LiveId" clId="{A7B47643-3F65-4193-B313-65BE2C17C174}" dt="2025-12-10T20:03:21.371" v="706" actId="478"/>
+          <ac:picMkLst>
+            <pc:docMk/>
+            <pc:sldMk cId="1204708329" sldId="272"/>
+            <ac:picMk id="4" creationId="{8E532FC6-CC28-7C2A-1078-974D524E40A4}"/>
+          </ac:picMkLst>
+        </pc:picChg>
+        <pc:picChg chg="add mod">
+          <ac:chgData name="Роман парфёнов" userId="33aa29ea104ad6ac" providerId="LiveId" clId="{A7B47643-3F65-4193-B313-65BE2C17C174}" dt="2025-12-10T20:03:36.555" v="708" actId="1076"/>
+          <ac:picMkLst>
+            <pc:docMk/>
+            <pc:sldMk cId="1204708329" sldId="272"/>
+            <ac:picMk id="6" creationId="{2DF39061-3231-834E-355E-6490E10F273E}"/>
+          </ac:picMkLst>
+        </pc:picChg>
+        <pc:picChg chg="del">
+          <ac:chgData name="Роман парфёнов" userId="33aa29ea104ad6ac" providerId="LiveId" clId="{A7B47643-3F65-4193-B313-65BE2C17C174}" dt="2025-12-10T20:03:16.992" v="704" actId="478"/>
+          <ac:picMkLst>
+            <pc:docMk/>
+            <pc:sldMk cId="1204708329" sldId="272"/>
+            <ac:picMk id="9" creationId="{9A7F12CF-EFD2-C7E8-569D-A555DB0906AF}"/>
+          </ac:picMkLst>
+        </pc:picChg>
+      </pc:sldChg>
+    </pc:docChg>
+  </pc:docChgLst>
+</pc:chgInfo>
 </file>
 
 <file path=ppt/slideLayouts/slideLayout1.xml><?xml version="1.0" encoding="utf-8"?>
@@ -5860,6 +6342,981 @@
 </p:sld>
 </file>
 
+<file path=ppt/slides/slide10.xml><?xml version="1.0" encoding="utf-8"?>
+<p:sld xmlns:a="http://schemas.openxmlformats.org/drawingml/2006/main" xmlns:r="http://schemas.openxmlformats.org/officeDocument/2006/relationships" xmlns:p="http://schemas.openxmlformats.org/presentationml/2006/main">
+  <p:cSld>
+    <p:spTree>
+      <p:nvGrpSpPr>
+        <p:cNvPr id="1" name=""/>
+        <p:cNvGrpSpPr/>
+        <p:nvPr/>
+      </p:nvGrpSpPr>
+      <p:grpSpPr>
+        <a:xfrm>
+          <a:off x="0" y="0"/>
+          <a:ext cx="0" cy="0"/>
+          <a:chOff x="0" y="0"/>
+          <a:chExt cx="0" cy="0"/>
+        </a:xfrm>
+      </p:grpSpPr>
+      <p:pic>
+        <p:nvPicPr>
+          <p:cNvPr id="6" name="Рисунок 5">
+            <a:extLst>
+              <a:ext uri="{FF2B5EF4-FFF2-40B4-BE49-F238E27FC236}">
+                <a16:creationId xmlns:a16="http://schemas.microsoft.com/office/drawing/2014/main" id="{CA6B9769-4E74-4426-8B93-EDD8632E8341}"/>
+              </a:ext>
+            </a:extLst>
+          </p:cNvPr>
+          <p:cNvPicPr>
+            <a:picLocks noChangeAspect="1"/>
+          </p:cNvPicPr>
+          <p:nvPr/>
+        </p:nvPicPr>
+        <p:blipFill>
+          <a:blip r:embed="rId2"/>
+          <a:stretch>
+            <a:fillRect/>
+          </a:stretch>
+        </p:blipFill>
+        <p:spPr>
+          <a:xfrm>
+            <a:off x="1262957" y="0"/>
+            <a:ext cx="10185477" cy="6858000"/>
+          </a:xfrm>
+          <a:prstGeom prst="rect">
+            <a:avLst/>
+          </a:prstGeom>
+        </p:spPr>
+      </p:pic>
+      <p:sp>
+        <p:nvSpPr>
+          <p:cNvPr id="2" name="Заголовок 1">
+            <a:extLst>
+              <a:ext uri="{FF2B5EF4-FFF2-40B4-BE49-F238E27FC236}">
+                <a16:creationId xmlns:a16="http://schemas.microsoft.com/office/drawing/2014/main" id="{D69C3837-BB98-082C-2239-FA4F28359375}"/>
+              </a:ext>
+            </a:extLst>
+          </p:cNvPr>
+          <p:cNvSpPr>
+            <a:spLocks noGrp="1"/>
+          </p:cNvSpPr>
+          <p:nvPr>
+            <p:ph type="title"/>
+          </p:nvPr>
+        </p:nvSpPr>
+        <p:spPr>
+          <a:xfrm>
+            <a:off x="489566" y="201315"/>
+            <a:ext cx="8596668" cy="1320800"/>
+          </a:xfrm>
+        </p:spPr>
+        <p:txBody>
+          <a:bodyPr/>
+          <a:lstStyle/>
+          <a:p>
+            <a:r>
+              <a:rPr lang="ru-RU" dirty="0">
+                <a:solidFill>
+                  <a:schemeClr val="tx1"/>
+                </a:solidFill>
+              </a:rPr>
+              <a:t>Диаграмма </a:t>
+            </a:r>
+            <a:br>
+              <a:rPr lang="ru-RU" dirty="0">
+                <a:solidFill>
+                  <a:schemeClr val="tx1"/>
+                </a:solidFill>
+              </a:rPr>
+            </a:br>
+            <a:r>
+              <a:rPr lang="ru-RU" dirty="0">
+                <a:solidFill>
+                  <a:schemeClr val="tx1"/>
+                </a:solidFill>
+              </a:rPr>
+              <a:t>Состояний </a:t>
+            </a:r>
+          </a:p>
+        </p:txBody>
+      </p:sp>
+    </p:spTree>
+    <p:extLst>
+      <p:ext uri="{BB962C8B-B14F-4D97-AF65-F5344CB8AC3E}">
+        <p14:creationId xmlns:p14="http://schemas.microsoft.com/office/powerpoint/2010/main" val="405385535"/>
+      </p:ext>
+    </p:extLst>
+  </p:cSld>
+  <p:clrMapOvr>
+    <a:masterClrMapping/>
+  </p:clrMapOvr>
+</p:sld>
+</file>
+
+<file path=ppt/slides/slide11.xml><?xml version="1.0" encoding="utf-8"?>
+<p:sld xmlns:a="http://schemas.openxmlformats.org/drawingml/2006/main" xmlns:r="http://schemas.openxmlformats.org/officeDocument/2006/relationships" xmlns:p="http://schemas.openxmlformats.org/presentationml/2006/main">
+  <p:cSld>
+    <p:spTree>
+      <p:nvGrpSpPr>
+        <p:cNvPr id="1" name=""/>
+        <p:cNvGrpSpPr/>
+        <p:nvPr/>
+      </p:nvGrpSpPr>
+      <p:grpSpPr>
+        <a:xfrm>
+          <a:off x="0" y="0"/>
+          <a:ext cx="0" cy="0"/>
+          <a:chOff x="0" y="0"/>
+          <a:chExt cx="0" cy="0"/>
+        </a:xfrm>
+      </p:grpSpPr>
+      <p:sp>
+        <p:nvSpPr>
+          <p:cNvPr id="2" name="Заголовок 1">
+            <a:extLst>
+              <a:ext uri="{FF2B5EF4-FFF2-40B4-BE49-F238E27FC236}">
+                <a16:creationId xmlns:a16="http://schemas.microsoft.com/office/drawing/2014/main" id="{D69C3837-BB98-082C-2239-FA4F28359375}"/>
+              </a:ext>
+            </a:extLst>
+          </p:cNvPr>
+          <p:cNvSpPr>
+            <a:spLocks noGrp="1"/>
+          </p:cNvSpPr>
+          <p:nvPr>
+            <p:ph type="title"/>
+          </p:nvPr>
+        </p:nvSpPr>
+        <p:spPr>
+          <a:xfrm>
+            <a:off x="489566" y="201315"/>
+            <a:ext cx="8596668" cy="1320800"/>
+          </a:xfrm>
+        </p:spPr>
+        <p:txBody>
+          <a:bodyPr/>
+          <a:lstStyle/>
+          <a:p>
+            <a:r>
+              <a:rPr lang="en-US" dirty="0">
+                <a:solidFill>
+                  <a:schemeClr val="tx1"/>
+                </a:solidFill>
+              </a:rPr>
+              <a:t>ER </a:t>
+            </a:r>
+            <a:r>
+              <a:rPr lang="ru-RU" dirty="0">
+                <a:solidFill>
+                  <a:schemeClr val="tx1"/>
+                </a:solidFill>
+              </a:rPr>
+              <a:t>Диаграмма</a:t>
+            </a:r>
+            <a:br>
+              <a:rPr lang="ru-RU" dirty="0">
+                <a:solidFill>
+                  <a:schemeClr val="tx1"/>
+                </a:solidFill>
+              </a:rPr>
+            </a:br>
+            <a:r>
+              <a:rPr lang="ru-RU" dirty="0">
+                <a:solidFill>
+                  <a:schemeClr val="tx1"/>
+                </a:solidFill>
+              </a:rPr>
+              <a:t>Базы данных</a:t>
+            </a:r>
+          </a:p>
+        </p:txBody>
+      </p:sp>
+      <p:pic>
+        <p:nvPicPr>
+          <p:cNvPr id="3" name="Рисунок 2">
+            <a:extLst>
+              <a:ext uri="{FF2B5EF4-FFF2-40B4-BE49-F238E27FC236}">
+                <a16:creationId xmlns:a16="http://schemas.microsoft.com/office/drawing/2014/main" id="{44619B36-28FC-78B0-4B98-BFCB6E4E35A3}"/>
+              </a:ext>
+            </a:extLst>
+          </p:cNvPr>
+          <p:cNvPicPr>
+            <a:picLocks noChangeAspect="1"/>
+          </p:cNvPicPr>
+          <p:nvPr/>
+        </p:nvPicPr>
+        <p:blipFill>
+          <a:blip r:embed="rId2"/>
+          <a:stretch>
+            <a:fillRect/>
+          </a:stretch>
+        </p:blipFill>
+        <p:spPr>
+          <a:xfrm>
+            <a:off x="3785615" y="6613"/>
+            <a:ext cx="6899847" cy="6844773"/>
+          </a:xfrm>
+          <a:prstGeom prst="rect">
+            <a:avLst/>
+          </a:prstGeom>
+        </p:spPr>
+      </p:pic>
+    </p:spTree>
+    <p:extLst>
+      <p:ext uri="{BB962C8B-B14F-4D97-AF65-F5344CB8AC3E}">
+        <p14:creationId xmlns:p14="http://schemas.microsoft.com/office/powerpoint/2010/main" val="3474026261"/>
+      </p:ext>
+    </p:extLst>
+  </p:cSld>
+  <p:clrMapOvr>
+    <a:masterClrMapping/>
+  </p:clrMapOvr>
+</p:sld>
+</file>
+
+<file path=ppt/slides/slide12.xml><?xml version="1.0" encoding="utf-8"?>
+<p:sld xmlns:a="http://schemas.openxmlformats.org/drawingml/2006/main" xmlns:r="http://schemas.openxmlformats.org/officeDocument/2006/relationships" xmlns:p="http://schemas.openxmlformats.org/presentationml/2006/main">
+  <p:cSld>
+    <p:spTree>
+      <p:nvGrpSpPr>
+        <p:cNvPr id="1" name=""/>
+        <p:cNvGrpSpPr/>
+        <p:nvPr/>
+      </p:nvGrpSpPr>
+      <p:grpSpPr>
+        <a:xfrm>
+          <a:off x="0" y="0"/>
+          <a:ext cx="0" cy="0"/>
+          <a:chOff x="0" y="0"/>
+          <a:chExt cx="0" cy="0"/>
+        </a:xfrm>
+      </p:grpSpPr>
+      <p:sp>
+        <p:nvSpPr>
+          <p:cNvPr id="2" name="Заголовок 1">
+            <a:extLst>
+              <a:ext uri="{FF2B5EF4-FFF2-40B4-BE49-F238E27FC236}">
+                <a16:creationId xmlns:a16="http://schemas.microsoft.com/office/drawing/2014/main" id="{F21F22BC-1801-6C8C-64A0-D338B33FEB00}"/>
+              </a:ext>
+            </a:extLst>
+          </p:cNvPr>
+          <p:cNvSpPr>
+            <a:spLocks noGrp="1"/>
+          </p:cNvSpPr>
+          <p:nvPr>
+            <p:ph type="title"/>
+          </p:nvPr>
+        </p:nvSpPr>
+        <p:spPr/>
+        <p:txBody>
+          <a:bodyPr/>
+          <a:lstStyle/>
+          <a:p>
+            <a:r>
+              <a:rPr lang="ru-RU" dirty="0">
+                <a:solidFill>
+                  <a:schemeClr val="tx1"/>
+                </a:solidFill>
+              </a:rPr>
+              <a:t>Нефункциональное тестирование</a:t>
+            </a:r>
+            <a:br>
+              <a:rPr lang="ru-RU" dirty="0">
+                <a:solidFill>
+                  <a:schemeClr val="tx1"/>
+                </a:solidFill>
+              </a:rPr>
+            </a:br>
+            <a:r>
+              <a:rPr lang="ru-RU" dirty="0">
+                <a:solidFill>
+                  <a:schemeClr val="tx1"/>
+                </a:solidFill>
+              </a:rPr>
+              <a:t>(</a:t>
+            </a:r>
+            <a:r>
+              <a:rPr lang="en-US" dirty="0" err="1">
+                <a:solidFill>
+                  <a:schemeClr val="tx1"/>
+                </a:solidFill>
+              </a:rPr>
+              <a:t>Xunit</a:t>
+            </a:r>
+            <a:r>
+              <a:rPr lang="en-US" dirty="0">
+                <a:solidFill>
+                  <a:schemeClr val="tx1"/>
+                </a:solidFill>
+              </a:rPr>
+              <a:t>)</a:t>
+            </a:r>
+            <a:endParaRPr lang="ru-RU" dirty="0">
+              <a:solidFill>
+                <a:schemeClr val="tx1"/>
+              </a:solidFill>
+            </a:endParaRPr>
+          </a:p>
+        </p:txBody>
+      </p:sp>
+      <p:sp>
+        <p:nvSpPr>
+          <p:cNvPr id="7" name="TextBox 6">
+            <a:extLst>
+              <a:ext uri="{FF2B5EF4-FFF2-40B4-BE49-F238E27FC236}">
+                <a16:creationId xmlns:a16="http://schemas.microsoft.com/office/drawing/2014/main" id="{858E8CF2-ABFE-A977-4CC8-7DEA3F28FBF9}"/>
+              </a:ext>
+            </a:extLst>
+          </p:cNvPr>
+          <p:cNvSpPr txBox="1"/>
+          <p:nvPr/>
+        </p:nvSpPr>
+        <p:spPr>
+          <a:xfrm>
+            <a:off x="677334" y="1830533"/>
+            <a:ext cx="9865698" cy="5027467"/>
+          </a:xfrm>
+          <a:prstGeom prst="rect">
+            <a:avLst/>
+          </a:prstGeom>
+          <a:noFill/>
+        </p:spPr>
+        <p:txBody>
+          <a:bodyPr wrap="square">
+            <a:spAutoFit/>
+          </a:bodyPr>
+          <a:lstStyle/>
+          <a:p>
+            <a:pPr algn="l">
+              <a:lnSpc>
+                <a:spcPct val="150000"/>
+              </a:lnSpc>
+              <a:buFont typeface="+mj-lt"/>
+              <a:buAutoNum type="arabicPeriod"/>
+            </a:pPr>
+            <a:r>
+              <a:rPr lang="en-US" b="1" i="0" dirty="0" err="1">
+                <a:effectLst/>
+                <a:latin typeface="Trebuchet MS (Основной текст)"/>
+              </a:rPr>
+              <a:t>RateMovie_ShouldReject_WhenMovieNotWatched</a:t>
+            </a:r>
+            <a:r>
+              <a:rPr lang="en-US" b="0" i="0" dirty="0">
+                <a:effectLst/>
+                <a:latin typeface="Trebuchet MS (Основной текст)"/>
+              </a:rPr>
+              <a:t> — </a:t>
+            </a:r>
+            <a:r>
+              <a:rPr lang="ru-RU" b="0" i="0" dirty="0">
+                <a:effectLst/>
+                <a:latin typeface="Trebuchet MS (Основной текст)"/>
+              </a:rPr>
+              <a:t>отклонение оценки фильма, который не просмотрен</a:t>
+            </a:r>
+          </a:p>
+          <a:p>
+            <a:pPr algn="l">
+              <a:lnSpc>
+                <a:spcPct val="150000"/>
+              </a:lnSpc>
+              <a:buFont typeface="+mj-lt"/>
+              <a:buAutoNum type="arabicPeriod" startAt="2"/>
+            </a:pPr>
+            <a:r>
+              <a:rPr lang="en-US" b="1" i="0" dirty="0" err="1">
+                <a:effectLst/>
+                <a:latin typeface="Trebuchet MS (Основной текст)"/>
+              </a:rPr>
+              <a:t>RateMovie_ShouldSucceed_WhenMovieWatched</a:t>
+            </a:r>
+            <a:r>
+              <a:rPr lang="en-US" b="0" i="0" dirty="0">
+                <a:effectLst/>
+                <a:latin typeface="Trebuchet MS (Основной текст)"/>
+              </a:rPr>
+              <a:t> — </a:t>
+            </a:r>
+            <a:r>
+              <a:rPr lang="ru-RU" b="0" i="0" dirty="0">
+                <a:effectLst/>
+                <a:latin typeface="Trebuchet MS (Основной текст)"/>
+              </a:rPr>
+              <a:t>успешная оценка просмотренного фильма</a:t>
+            </a:r>
+          </a:p>
+          <a:p>
+            <a:pPr algn="l">
+              <a:lnSpc>
+                <a:spcPct val="150000"/>
+              </a:lnSpc>
+              <a:buFont typeface="+mj-lt"/>
+              <a:buAutoNum type="arabicPeriod" startAt="3"/>
+            </a:pPr>
+            <a:r>
+              <a:rPr lang="en-US" b="1" i="0" dirty="0" err="1">
+                <a:effectLst/>
+                <a:latin typeface="Trebuchet MS (Основной текст)"/>
+              </a:rPr>
+              <a:t>RateMovie_ShouldReject_WhenMovieNotInList</a:t>
+            </a:r>
+            <a:r>
+              <a:rPr lang="en-US" b="0" i="0" dirty="0">
+                <a:effectLst/>
+                <a:latin typeface="Trebuchet MS (Основной текст)"/>
+              </a:rPr>
+              <a:t> — </a:t>
+            </a:r>
+            <a:r>
+              <a:rPr lang="ru-RU" b="0" i="0" dirty="0">
+                <a:effectLst/>
+                <a:latin typeface="Trebuchet MS (Основной текст)"/>
+              </a:rPr>
+              <a:t>отклонение оценки фильма, которого нет в списке</a:t>
+            </a:r>
+          </a:p>
+          <a:p>
+            <a:pPr algn="l">
+              <a:lnSpc>
+                <a:spcPct val="150000"/>
+              </a:lnSpc>
+              <a:buFont typeface="+mj-lt"/>
+              <a:buAutoNum type="arabicPeriod" startAt="4"/>
+            </a:pPr>
+            <a:r>
+              <a:rPr lang="en-US" b="1" i="0" dirty="0" err="1">
+                <a:effectLst/>
+                <a:latin typeface="Trebuchet MS (Основной текст)"/>
+              </a:rPr>
+              <a:t>GetUserMovies_ShouldReject_WhenUserDeleted</a:t>
+            </a:r>
+            <a:r>
+              <a:rPr lang="en-US" b="0" i="0" dirty="0">
+                <a:effectLst/>
+                <a:latin typeface="Trebuchet MS (Основной текст)"/>
+              </a:rPr>
+              <a:t> — </a:t>
+            </a:r>
+            <a:r>
+              <a:rPr lang="ru-RU" b="0" i="0" dirty="0">
+                <a:effectLst/>
+                <a:latin typeface="Trebuchet MS (Основной текст)"/>
+              </a:rPr>
+              <a:t>проверка существования пользователя при получении списка</a:t>
+            </a:r>
+          </a:p>
+          <a:p>
+            <a:pPr algn="l">
+              <a:lnSpc>
+                <a:spcPct val="150000"/>
+              </a:lnSpc>
+              <a:buFont typeface="+mj-lt"/>
+              <a:buAutoNum type="arabicPeriod" startAt="5"/>
+            </a:pPr>
+            <a:r>
+              <a:rPr lang="en-US" b="1" i="0" dirty="0" err="1">
+                <a:effectLst/>
+                <a:latin typeface="Trebuchet MS (Основной текст)"/>
+              </a:rPr>
+              <a:t>RateMovie_ShouldSucceed_WhenChangingRating</a:t>
+            </a:r>
+            <a:r>
+              <a:rPr lang="en-US" b="0" i="0" dirty="0">
+                <a:effectLst/>
+                <a:latin typeface="Trebuchet MS (Основной текст)"/>
+              </a:rPr>
+              <a:t> — </a:t>
+            </a:r>
+            <a:r>
+              <a:rPr lang="ru-RU" b="0" i="0" dirty="0">
+                <a:effectLst/>
+                <a:latin typeface="Trebuchet MS (Основной текст)"/>
+              </a:rPr>
+              <a:t>изменение оценки уже оцененного фильма</a:t>
+            </a:r>
+          </a:p>
+          <a:p>
+            <a:pPr algn="l">
+              <a:lnSpc>
+                <a:spcPct val="150000"/>
+              </a:lnSpc>
+              <a:buFont typeface="+mj-lt"/>
+              <a:buAutoNum type="arabicPeriod" startAt="6"/>
+            </a:pPr>
+            <a:r>
+              <a:rPr lang="en-US" b="1" i="0" dirty="0" err="1">
+                <a:effectLst/>
+                <a:latin typeface="Trebuchet MS (Основной текст)"/>
+              </a:rPr>
+              <a:t>RateMovie_ShouldReject_WhenUserDeleted</a:t>
+            </a:r>
+            <a:r>
+              <a:rPr lang="en-US" b="0" i="0" dirty="0">
+                <a:effectLst/>
+                <a:latin typeface="Trebuchet MS (Основной текст)"/>
+              </a:rPr>
+              <a:t> — </a:t>
+            </a:r>
+            <a:r>
+              <a:rPr lang="ru-RU" b="0" i="0" dirty="0">
+                <a:effectLst/>
+                <a:latin typeface="Trebuchet MS (Основной текст)"/>
+              </a:rPr>
+              <a:t>проверка существования пользователя при оценке</a:t>
+            </a:r>
+          </a:p>
+        </p:txBody>
+      </p:sp>
+    </p:spTree>
+    <p:extLst>
+      <p:ext uri="{BB962C8B-B14F-4D97-AF65-F5344CB8AC3E}">
+        <p14:creationId xmlns:p14="http://schemas.microsoft.com/office/powerpoint/2010/main" val="3706594923"/>
+      </p:ext>
+    </p:extLst>
+  </p:cSld>
+  <p:clrMapOvr>
+    <a:masterClrMapping/>
+  </p:clrMapOvr>
+</p:sld>
+</file>
+
+<file path=ppt/slides/slide13.xml><?xml version="1.0" encoding="utf-8"?>
+<p:sld xmlns:a="http://schemas.openxmlformats.org/drawingml/2006/main" xmlns:r="http://schemas.openxmlformats.org/officeDocument/2006/relationships" xmlns:p="http://schemas.openxmlformats.org/presentationml/2006/main">
+  <p:cSld>
+    <p:spTree>
+      <p:nvGrpSpPr>
+        <p:cNvPr id="1" name=""/>
+        <p:cNvGrpSpPr/>
+        <p:nvPr/>
+      </p:nvGrpSpPr>
+      <p:grpSpPr>
+        <a:xfrm>
+          <a:off x="0" y="0"/>
+          <a:ext cx="0" cy="0"/>
+          <a:chOff x="0" y="0"/>
+          <a:chExt cx="0" cy="0"/>
+        </a:xfrm>
+      </p:grpSpPr>
+      <p:sp>
+        <p:nvSpPr>
+          <p:cNvPr id="2" name="Заголовок 1">
+            <a:extLst>
+              <a:ext uri="{FF2B5EF4-FFF2-40B4-BE49-F238E27FC236}">
+                <a16:creationId xmlns:a16="http://schemas.microsoft.com/office/drawing/2014/main" id="{F21F22BC-1801-6C8C-64A0-D338B33FEB00}"/>
+              </a:ext>
+            </a:extLst>
+          </p:cNvPr>
+          <p:cNvSpPr>
+            <a:spLocks noGrp="1"/>
+          </p:cNvSpPr>
+          <p:nvPr>
+            <p:ph type="title"/>
+          </p:nvPr>
+        </p:nvSpPr>
+        <p:spPr/>
+        <p:txBody>
+          <a:bodyPr/>
+          <a:lstStyle/>
+          <a:p>
+            <a:r>
+              <a:rPr lang="ru-RU" dirty="0">
+                <a:solidFill>
+                  <a:schemeClr val="tx1"/>
+                </a:solidFill>
+              </a:rPr>
+              <a:t>Нефункциональное тестирование</a:t>
+            </a:r>
+            <a:br>
+              <a:rPr lang="ru-RU" dirty="0">
+                <a:solidFill>
+                  <a:schemeClr val="tx1"/>
+                </a:solidFill>
+              </a:rPr>
+            </a:br>
+            <a:r>
+              <a:rPr lang="ru-RU" dirty="0">
+                <a:solidFill>
+                  <a:schemeClr val="tx1"/>
+                </a:solidFill>
+              </a:rPr>
+              <a:t>(</a:t>
+            </a:r>
+            <a:r>
+              <a:rPr lang="en-US" dirty="0" err="1">
+                <a:solidFill>
+                  <a:schemeClr val="tx1"/>
+                </a:solidFill>
+              </a:rPr>
+              <a:t>Xunit</a:t>
+            </a:r>
+            <a:r>
+              <a:rPr lang="en-US" dirty="0">
+                <a:solidFill>
+                  <a:schemeClr val="tx1"/>
+                </a:solidFill>
+              </a:rPr>
+              <a:t>)</a:t>
+            </a:r>
+            <a:endParaRPr lang="ru-RU" dirty="0">
+              <a:solidFill>
+                <a:schemeClr val="tx1"/>
+              </a:solidFill>
+            </a:endParaRPr>
+          </a:p>
+        </p:txBody>
+      </p:sp>
+      <p:pic>
+        <p:nvPicPr>
+          <p:cNvPr id="5" name="Рисунок 4">
+            <a:extLst>
+              <a:ext uri="{FF2B5EF4-FFF2-40B4-BE49-F238E27FC236}">
+                <a16:creationId xmlns:a16="http://schemas.microsoft.com/office/drawing/2014/main" id="{AD3C6828-E138-0C5D-45EF-6BF975B7D148}"/>
+              </a:ext>
+            </a:extLst>
+          </p:cNvPr>
+          <p:cNvPicPr>
+            <a:picLocks noChangeAspect="1"/>
+          </p:cNvPicPr>
+          <p:nvPr/>
+        </p:nvPicPr>
+        <p:blipFill>
+          <a:blip r:embed="rId2"/>
+          <a:stretch>
+            <a:fillRect/>
+          </a:stretch>
+        </p:blipFill>
+        <p:spPr>
+          <a:xfrm>
+            <a:off x="677334" y="2262571"/>
+            <a:ext cx="7840169" cy="4077269"/>
+          </a:xfrm>
+          <a:prstGeom prst="rect">
+            <a:avLst/>
+          </a:prstGeom>
+        </p:spPr>
+      </p:pic>
+    </p:spTree>
+    <p:extLst>
+      <p:ext uri="{BB962C8B-B14F-4D97-AF65-F5344CB8AC3E}">
+        <p14:creationId xmlns:p14="http://schemas.microsoft.com/office/powerpoint/2010/main" val="1146421030"/>
+      </p:ext>
+    </p:extLst>
+  </p:cSld>
+  <p:clrMapOvr>
+    <a:masterClrMapping/>
+  </p:clrMapOvr>
+</p:sld>
+</file>
+
+<file path=ppt/slides/slide14.xml><?xml version="1.0" encoding="utf-8"?>
+<p:sld xmlns:a="http://schemas.openxmlformats.org/drawingml/2006/main" xmlns:r="http://schemas.openxmlformats.org/officeDocument/2006/relationships" xmlns:p="http://schemas.openxmlformats.org/presentationml/2006/main">
+  <p:cSld>
+    <p:spTree>
+      <p:nvGrpSpPr>
+        <p:cNvPr id="1" name=""/>
+        <p:cNvGrpSpPr/>
+        <p:nvPr/>
+      </p:nvGrpSpPr>
+      <p:grpSpPr>
+        <a:xfrm>
+          <a:off x="0" y="0"/>
+          <a:ext cx="0" cy="0"/>
+          <a:chOff x="0" y="0"/>
+          <a:chExt cx="0" cy="0"/>
+        </a:xfrm>
+      </p:grpSpPr>
+      <p:sp>
+        <p:nvSpPr>
+          <p:cNvPr id="2" name="Заголовок 1">
+            <a:extLst>
+              <a:ext uri="{FF2B5EF4-FFF2-40B4-BE49-F238E27FC236}">
+                <a16:creationId xmlns:a16="http://schemas.microsoft.com/office/drawing/2014/main" id="{F21F22BC-1801-6C8C-64A0-D338B33FEB00}"/>
+              </a:ext>
+            </a:extLst>
+          </p:cNvPr>
+          <p:cNvSpPr>
+            <a:spLocks noGrp="1"/>
+          </p:cNvSpPr>
+          <p:nvPr>
+            <p:ph type="title"/>
+          </p:nvPr>
+        </p:nvSpPr>
+        <p:spPr/>
+        <p:txBody>
+          <a:bodyPr/>
+          <a:lstStyle/>
+          <a:p>
+            <a:r>
+              <a:rPr lang="ru-RU" dirty="0">
+                <a:solidFill>
+                  <a:schemeClr val="tx1"/>
+                </a:solidFill>
+              </a:rPr>
+              <a:t>Функциональное тестирование</a:t>
+            </a:r>
+            <a:br>
+              <a:rPr lang="ru-RU" dirty="0">
+                <a:solidFill>
+                  <a:schemeClr val="tx1"/>
+                </a:solidFill>
+              </a:rPr>
+            </a:br>
+            <a:r>
+              <a:rPr lang="ru-RU" dirty="0">
+                <a:solidFill>
+                  <a:schemeClr val="tx1"/>
+                </a:solidFill>
+              </a:rPr>
+              <a:t>(</a:t>
+            </a:r>
+            <a:r>
+              <a:rPr lang="en-US" dirty="0">
+                <a:solidFill>
+                  <a:schemeClr val="tx1"/>
+                </a:solidFill>
+              </a:rPr>
+              <a:t>Postman)</a:t>
+            </a:r>
+            <a:endParaRPr lang="ru-RU" dirty="0">
+              <a:solidFill>
+                <a:schemeClr val="tx1"/>
+              </a:solidFill>
+            </a:endParaRPr>
+          </a:p>
+        </p:txBody>
+      </p:sp>
+      <p:pic>
+        <p:nvPicPr>
+          <p:cNvPr id="9" name="Рисунок 8">
+            <a:extLst>
+              <a:ext uri="{FF2B5EF4-FFF2-40B4-BE49-F238E27FC236}">
+                <a16:creationId xmlns:a16="http://schemas.microsoft.com/office/drawing/2014/main" id="{9A7F12CF-EFD2-C7E8-569D-A555DB0906AF}"/>
+              </a:ext>
+            </a:extLst>
+          </p:cNvPr>
+          <p:cNvPicPr>
+            <a:picLocks noChangeAspect="1"/>
+          </p:cNvPicPr>
+          <p:nvPr/>
+        </p:nvPicPr>
+        <p:blipFill>
+          <a:blip r:embed="rId2"/>
+          <a:stretch>
+            <a:fillRect/>
+          </a:stretch>
+        </p:blipFill>
+        <p:spPr>
+          <a:xfrm>
+            <a:off x="759630" y="1994408"/>
+            <a:ext cx="7498700" cy="4525264"/>
+          </a:xfrm>
+          <a:prstGeom prst="rect">
+            <a:avLst/>
+          </a:prstGeom>
+        </p:spPr>
+      </p:pic>
+    </p:spTree>
+    <p:extLst>
+      <p:ext uri="{BB962C8B-B14F-4D97-AF65-F5344CB8AC3E}">
+        <p14:creationId xmlns:p14="http://schemas.microsoft.com/office/powerpoint/2010/main" val="846681004"/>
+      </p:ext>
+    </p:extLst>
+  </p:cSld>
+  <p:clrMapOvr>
+    <a:masterClrMapping/>
+  </p:clrMapOvr>
+</p:sld>
+</file>
+
+<file path=ppt/slides/slide15.xml><?xml version="1.0" encoding="utf-8"?>
+<p:sld xmlns:a="http://schemas.openxmlformats.org/drawingml/2006/main" xmlns:r="http://schemas.openxmlformats.org/officeDocument/2006/relationships" xmlns:p="http://schemas.openxmlformats.org/presentationml/2006/main">
+  <p:cSld>
+    <p:spTree>
+      <p:nvGrpSpPr>
+        <p:cNvPr id="1" name=""/>
+        <p:cNvGrpSpPr/>
+        <p:nvPr/>
+      </p:nvGrpSpPr>
+      <p:grpSpPr>
+        <a:xfrm>
+          <a:off x="0" y="0"/>
+          <a:ext cx="0" cy="0"/>
+          <a:chOff x="0" y="0"/>
+          <a:chExt cx="0" cy="0"/>
+        </a:xfrm>
+      </p:grpSpPr>
+      <p:sp>
+        <p:nvSpPr>
+          <p:cNvPr id="2" name="Заголовок 1">
+            <a:extLst>
+              <a:ext uri="{FF2B5EF4-FFF2-40B4-BE49-F238E27FC236}">
+                <a16:creationId xmlns:a16="http://schemas.microsoft.com/office/drawing/2014/main" id="{F21F22BC-1801-6C8C-64A0-D338B33FEB00}"/>
+              </a:ext>
+            </a:extLst>
+          </p:cNvPr>
+          <p:cNvSpPr>
+            <a:spLocks noGrp="1"/>
+          </p:cNvSpPr>
+          <p:nvPr>
+            <p:ph type="title"/>
+          </p:nvPr>
+        </p:nvSpPr>
+        <p:spPr/>
+        <p:txBody>
+          <a:bodyPr/>
+          <a:lstStyle/>
+          <a:p>
+            <a:r>
+              <a:rPr lang="ru-RU" dirty="0">
+                <a:solidFill>
+                  <a:schemeClr val="tx1"/>
+                </a:solidFill>
+              </a:rPr>
+              <a:t>Функциональное тестирование</a:t>
+            </a:r>
+            <a:br>
+              <a:rPr lang="ru-RU" dirty="0">
+                <a:solidFill>
+                  <a:schemeClr val="tx1"/>
+                </a:solidFill>
+              </a:rPr>
+            </a:br>
+            <a:r>
+              <a:rPr lang="ru-RU" dirty="0">
+                <a:solidFill>
+                  <a:schemeClr val="tx1"/>
+                </a:solidFill>
+              </a:rPr>
+              <a:t>(</a:t>
+            </a:r>
+            <a:r>
+              <a:rPr lang="en-US" dirty="0">
+                <a:solidFill>
+                  <a:schemeClr val="tx1"/>
+                </a:solidFill>
+              </a:rPr>
+              <a:t>Postman)</a:t>
+            </a:r>
+            <a:endParaRPr lang="ru-RU" dirty="0">
+              <a:solidFill>
+                <a:schemeClr val="tx1"/>
+              </a:solidFill>
+            </a:endParaRPr>
+          </a:p>
+        </p:txBody>
+      </p:sp>
+      <p:pic>
+        <p:nvPicPr>
+          <p:cNvPr id="6" name="Рисунок 5">
+            <a:extLst>
+              <a:ext uri="{FF2B5EF4-FFF2-40B4-BE49-F238E27FC236}">
+                <a16:creationId xmlns:a16="http://schemas.microsoft.com/office/drawing/2014/main" id="{2DF39061-3231-834E-355E-6490E10F273E}"/>
+              </a:ext>
+            </a:extLst>
+          </p:cNvPr>
+          <p:cNvPicPr>
+            <a:picLocks noChangeAspect="1"/>
+          </p:cNvPicPr>
+          <p:nvPr/>
+        </p:nvPicPr>
+        <p:blipFill>
+          <a:blip r:embed="rId2"/>
+          <a:stretch>
+            <a:fillRect/>
+          </a:stretch>
+        </p:blipFill>
+        <p:spPr>
+          <a:xfrm>
+            <a:off x="877531" y="2171131"/>
+            <a:ext cx="6925642" cy="4077269"/>
+          </a:xfrm>
+          <a:prstGeom prst="rect">
+            <a:avLst/>
+          </a:prstGeom>
+        </p:spPr>
+      </p:pic>
+    </p:spTree>
+    <p:extLst>
+      <p:ext uri="{BB962C8B-B14F-4D97-AF65-F5344CB8AC3E}">
+        <p14:creationId xmlns:p14="http://schemas.microsoft.com/office/powerpoint/2010/main" val="1204708329"/>
+      </p:ext>
+    </p:extLst>
+  </p:cSld>
+  <p:clrMapOvr>
+    <a:masterClrMapping/>
+  </p:clrMapOvr>
+</p:sld>
+</file>
+
+<file path=ppt/slides/slide16.xml><?xml version="1.0" encoding="utf-8"?>
+<p:sld xmlns:a="http://schemas.openxmlformats.org/drawingml/2006/main" xmlns:r="http://schemas.openxmlformats.org/officeDocument/2006/relationships" xmlns:p="http://schemas.openxmlformats.org/presentationml/2006/main">
+  <p:cSld>
+    <p:spTree>
+      <p:nvGrpSpPr>
+        <p:cNvPr id="1" name=""/>
+        <p:cNvGrpSpPr/>
+        <p:nvPr/>
+      </p:nvGrpSpPr>
+      <p:grpSpPr>
+        <a:xfrm>
+          <a:off x="0" y="0"/>
+          <a:ext cx="0" cy="0"/>
+          <a:chOff x="0" y="0"/>
+          <a:chExt cx="0" cy="0"/>
+        </a:xfrm>
+      </p:grpSpPr>
+      <p:sp>
+        <p:nvSpPr>
+          <p:cNvPr id="2" name="Заголовок 1">
+            <a:extLst>
+              <a:ext uri="{FF2B5EF4-FFF2-40B4-BE49-F238E27FC236}">
+                <a16:creationId xmlns:a16="http://schemas.microsoft.com/office/drawing/2014/main" id="{CF670CCB-A083-2843-258F-796911FA9882}"/>
+              </a:ext>
+            </a:extLst>
+          </p:cNvPr>
+          <p:cNvSpPr>
+            <a:spLocks noGrp="1"/>
+          </p:cNvSpPr>
+          <p:nvPr>
+            <p:ph type="title"/>
+          </p:nvPr>
+        </p:nvSpPr>
+        <p:spPr>
+          <a:xfrm>
+            <a:off x="1797666" y="2768600"/>
+            <a:ext cx="8596668" cy="1320800"/>
+          </a:xfrm>
+        </p:spPr>
+        <p:txBody>
+          <a:bodyPr/>
+          <a:lstStyle/>
+          <a:p>
+            <a:pPr algn="ctr"/>
+            <a:r>
+              <a:rPr lang="ru-RU" dirty="0">
+                <a:solidFill>
+                  <a:schemeClr val="tx1"/>
+                </a:solidFill>
+              </a:rPr>
+              <a:t>Спасибо за внимание!</a:t>
+            </a:r>
+          </a:p>
+        </p:txBody>
+      </p:sp>
+    </p:spTree>
+    <p:extLst>
+      <p:ext uri="{BB962C8B-B14F-4D97-AF65-F5344CB8AC3E}">
+        <p14:creationId xmlns:p14="http://schemas.microsoft.com/office/powerpoint/2010/main" val="2489407923"/>
+      </p:ext>
+    </p:extLst>
+  </p:cSld>
+  <p:clrMapOvr>
+    <a:masterClrMapping/>
+  </p:clrMapOvr>
+</p:sld>
+</file>
+
 <file path=ppt/slides/slide2.xml><?xml version="1.0" encoding="utf-8"?>
 <p:sld xmlns:a="http://schemas.openxmlformats.org/drawingml/2006/main" xmlns:r="http://schemas.openxmlformats.org/officeDocument/2006/relationships" xmlns:p="http://schemas.openxmlformats.org/presentationml/2006/main">
   <p:cSld>
@@ -5899,7 +7356,11 @@
           <a:lstStyle/>
           <a:p>
             <a:r>
-              <a:rPr lang="ru-RU" dirty="0"/>
+              <a:rPr lang="ru-RU" dirty="0">
+                <a:solidFill>
+                  <a:schemeClr val="tx1"/>
+                </a:solidFill>
+              </a:rPr>
               <a:t>Анализ предметной области</a:t>
             </a:r>
           </a:p>
@@ -5939,7 +7400,11 @@
               </a:lnSpc>
             </a:pPr>
             <a:r>
-              <a:rPr lang="ru-RU" dirty="0"/>
+              <a:rPr lang="ru-RU" sz="2000" dirty="0">
+                <a:solidFill>
+                  <a:schemeClr val="tx1"/>
+                </a:solidFill>
+              </a:rPr>
               <a:t>Онлайн-фильмотека — это веб-приложение для управления каталогом фильмов, персональными списками пользователей и системой рекомендаций на основе жанровых предпочтений. Система позволяет пользователям искать фильмы, создавать персональные списки с различными статусами, оценивать просмотренные фильмы и получать персональные рекомендации.</a:t>
             </a:r>
           </a:p>
@@ -5974,7 +7439,7 @@
         </p:blipFill>
         <p:spPr bwMode="auto">
           <a:xfrm>
-            <a:off x="677334" y="3998608"/>
+            <a:off x="677334" y="4284596"/>
             <a:ext cx="3646013" cy="2426256"/>
           </a:xfrm>
           <a:prstGeom prst="rect">
@@ -6044,14 +7509,26 @@
           <a:lstStyle/>
           <a:p>
             <a:r>
-              <a:rPr lang="ru-RU" dirty="0"/>
+              <a:rPr lang="ru-RU" dirty="0">
+                <a:solidFill>
+                  <a:schemeClr val="tx1"/>
+                </a:solidFill>
+              </a:rPr>
               <a:t>Пользователи подсистемы</a:t>
             </a:r>
             <a:r>
-              <a:rPr lang="en-US" dirty="0"/>
+              <a:rPr lang="en-US" dirty="0">
+                <a:solidFill>
+                  <a:schemeClr val="tx1"/>
+                </a:solidFill>
+              </a:rPr>
               <a:t>:</a:t>
             </a:r>
-            <a:endParaRPr lang="ru-RU" dirty="0"/>
+            <a:endParaRPr lang="ru-RU" dirty="0">
+              <a:solidFill>
+                <a:schemeClr val="tx1"/>
+              </a:solidFill>
+            </a:endParaRPr>
           </a:p>
         </p:txBody>
       </p:sp>
@@ -6071,9 +7548,16 @@
             <p:ph idx="1"/>
           </p:nvPr>
         </p:nvSpPr>
-        <p:spPr/>
-        <p:txBody>
-          <a:bodyPr/>
+        <p:spPr>
+          <a:xfrm>
+            <a:off x="677334" y="1930400"/>
+            <a:ext cx="8596668" cy="3880773"/>
+          </a:xfrm>
+        </p:spPr>
+        <p:txBody>
+          <a:bodyPr>
+            <a:normAutofit/>
+          </a:bodyPr>
           <a:lstStyle/>
           <a:p>
             <a:pPr>
@@ -6084,14 +7568,21 @@
               <a:buAutoNum type="arabicPeriod"/>
             </a:pPr>
             <a:r>
-              <a:rPr lang="ru-RU" i="1" dirty="0"/>
+              <a:rPr lang="ru-RU" sz="2000" i="1" dirty="0">
+                <a:solidFill>
+                  <a:schemeClr val="tx1"/>
+                </a:solidFill>
+              </a:rPr>
               <a:t>Посетитель </a:t>
             </a:r>
             <a:r>
-              <a:rPr lang="ru-RU" dirty="0"/>
+              <a:rPr lang="ru-RU" sz="2000" dirty="0">
+                <a:solidFill>
+                  <a:schemeClr val="tx1"/>
+                </a:solidFill>
+              </a:rPr>
               <a:t>– человек, не зарегистрированный в системе, являющийся гостем, который может просматривать каталог фильмов, а также публичные профиля пользователей.</a:t>
             </a:r>
-            <a:endParaRPr lang="ru-RU" sz="1600" dirty="0"/>
           </a:p>
           <a:p>
             <a:pPr>
@@ -6102,14 +7593,21 @@
               <a:buAutoNum type="arabicPeriod"/>
             </a:pPr>
             <a:r>
-              <a:rPr lang="ru-RU" i="1" dirty="0"/>
+              <a:rPr lang="ru-RU" sz="2000" i="1" dirty="0">
+                <a:solidFill>
+                  <a:schemeClr val="tx1"/>
+                </a:solidFill>
+              </a:rPr>
               <a:t>Пользователь</a:t>
             </a:r>
             <a:r>
-              <a:rPr lang="ru-RU" dirty="0"/>
+              <a:rPr lang="ru-RU" sz="2000" dirty="0">
+                <a:solidFill>
+                  <a:schemeClr val="tx1"/>
+                </a:solidFill>
+              </a:rPr>
               <a:t> – человек, у которого могут быть личные списки фильмов и настроенная система рекомендаций.</a:t>
             </a:r>
-            <a:endParaRPr lang="ru-RU" sz="1600" dirty="0"/>
           </a:p>
           <a:p>
             <a:pPr>
@@ -6120,14 +7618,21 @@
               <a:buAutoNum type="arabicPeriod"/>
             </a:pPr>
             <a:r>
-              <a:rPr lang="ru-RU" i="1" dirty="0"/>
+              <a:rPr lang="ru-RU" sz="2000" i="1" dirty="0">
+                <a:solidFill>
+                  <a:schemeClr val="tx1"/>
+                </a:solidFill>
+              </a:rPr>
               <a:t>Администратор </a:t>
             </a:r>
             <a:r>
-              <a:rPr lang="ru-RU" dirty="0"/>
+              <a:rPr lang="ru-RU" sz="2000" dirty="0">
+                <a:solidFill>
+                  <a:schemeClr val="tx1"/>
+                </a:solidFill>
+              </a:rPr>
               <a:t>– человек, занимающийся администрированием сайта приложения.</a:t>
             </a:r>
-            <a:endParaRPr lang="ru-RU" sz="1600" dirty="0"/>
           </a:p>
         </p:txBody>
       </p:sp>
@@ -6177,7 +7682,12 @@
             <p:ph type="title"/>
           </p:nvPr>
         </p:nvSpPr>
-        <p:spPr/>
+        <p:spPr>
+          <a:xfrm>
+            <a:off x="677334" y="609600"/>
+            <a:ext cx="9755970" cy="1320800"/>
+          </a:xfrm>
+        </p:spPr>
         <p:txBody>
           <a:bodyPr/>
           <a:lstStyle/>
@@ -6188,7 +7698,7 @@
                   <a:schemeClr val="tx1"/>
                 </a:solidFill>
               </a:rPr>
-              <a:t>Выбор технологий</a:t>
+              <a:t>Выбор технологий (Нефункциональные требования)</a:t>
             </a:r>
           </a:p>
         </p:txBody>
@@ -6211,93 +7721,187 @@
         </p:nvSpPr>
         <p:spPr/>
         <p:txBody>
-          <a:bodyPr/>
+          <a:bodyPr>
+            <a:normAutofit/>
+          </a:bodyPr>
           <a:lstStyle/>
           <a:p>
             <a:r>
-              <a:rPr lang="ru-RU" dirty="0"/>
+              <a:rPr lang="ru-RU" sz="2000" dirty="0">
+                <a:solidFill>
+                  <a:schemeClr val="tx1"/>
+                </a:solidFill>
+              </a:rPr>
               <a:t>В качестве </a:t>
             </a:r>
             <a:r>
-              <a:rPr lang="ru-RU" dirty="0" err="1"/>
+              <a:rPr lang="ru-RU" sz="2000" dirty="0" err="1">
+                <a:solidFill>
+                  <a:schemeClr val="tx1"/>
+                </a:solidFill>
+              </a:rPr>
               <a:t>бекенд</a:t>
             </a:r>
             <a:r>
-              <a:rPr lang="ru-RU" dirty="0"/>
+              <a:rPr lang="ru-RU" sz="2000" dirty="0">
+                <a:solidFill>
+                  <a:schemeClr val="tx1"/>
+                </a:solidFill>
+              </a:rPr>
               <a:t> части приложения бы выбран </a:t>
             </a:r>
             <a:r>
-              <a:rPr lang="en-US" dirty="0" err="1"/>
+              <a:rPr lang="en-US" sz="2000" dirty="0" err="1">
+                <a:solidFill>
+                  <a:schemeClr val="tx1"/>
+                </a:solidFill>
+              </a:rPr>
               <a:t>.Net</a:t>
             </a:r>
             <a:r>
-              <a:rPr lang="ru-RU" dirty="0"/>
+              <a:rPr lang="ru-RU" sz="2000" dirty="0">
+                <a:solidFill>
+                  <a:schemeClr val="tx1"/>
+                </a:solidFill>
+              </a:rPr>
               <a:t> </a:t>
             </a:r>
             <a:r>
-              <a:rPr lang="en-US" dirty="0"/>
+              <a:rPr lang="en-US" sz="2000" dirty="0">
+                <a:solidFill>
+                  <a:schemeClr val="tx1"/>
+                </a:solidFill>
+              </a:rPr>
               <a:t>framework</a:t>
             </a:r>
           </a:p>
           <a:p>
-            <a:endParaRPr lang="ru-RU" dirty="0"/>
-          </a:p>
-          <a:p>
-            <a:r>
-              <a:rPr lang="ru-RU" dirty="0"/>
+            <a:endParaRPr lang="ru-RU" sz="2000" dirty="0">
+              <a:solidFill>
+                <a:schemeClr val="tx1"/>
+              </a:solidFill>
+            </a:endParaRPr>
+          </a:p>
+          <a:p>
+            <a:r>
+              <a:rPr lang="ru-RU" sz="2000" dirty="0">
+                <a:solidFill>
+                  <a:schemeClr val="tx1"/>
+                </a:solidFill>
+              </a:rPr>
               <a:t>Фронтенд часть была основана на </a:t>
             </a:r>
             <a:r>
-              <a:rPr lang="en-US" dirty="0"/>
+              <a:rPr lang="en-US" sz="2000" dirty="0">
+                <a:solidFill>
+                  <a:schemeClr val="tx1"/>
+                </a:solidFill>
+              </a:rPr>
               <a:t>React + </a:t>
             </a:r>
             <a:r>
-              <a:rPr lang="en-US" dirty="0" err="1"/>
+              <a:rPr lang="en-US" sz="2000" dirty="0" err="1">
+                <a:solidFill>
+                  <a:schemeClr val="tx1"/>
+                </a:solidFill>
+              </a:rPr>
               <a:t>vite</a:t>
             </a:r>
-            <a:endParaRPr lang="en-US" dirty="0"/>
-          </a:p>
-          <a:p>
-            <a:endParaRPr lang="en-US" dirty="0"/>
-          </a:p>
-          <a:p>
-            <a:r>
-              <a:rPr lang="ru-RU" dirty="0"/>
+            <a:endParaRPr lang="en-US" sz="2000" dirty="0">
+              <a:solidFill>
+                <a:schemeClr val="tx1"/>
+              </a:solidFill>
+            </a:endParaRPr>
+          </a:p>
+          <a:p>
+            <a:endParaRPr lang="en-US" sz="2000" dirty="0">
+              <a:solidFill>
+                <a:schemeClr val="tx1"/>
+              </a:solidFill>
+            </a:endParaRPr>
+          </a:p>
+          <a:p>
+            <a:r>
+              <a:rPr lang="ru-RU" sz="2000" dirty="0">
+                <a:solidFill>
+                  <a:schemeClr val="tx1"/>
+                </a:solidFill>
+              </a:rPr>
               <a:t>СУБД – </a:t>
             </a:r>
             <a:r>
-              <a:rPr lang="en-US" dirty="0" err="1"/>
+              <a:rPr lang="en-US" sz="2000" dirty="0" err="1">
+                <a:solidFill>
+                  <a:schemeClr val="tx1"/>
+                </a:solidFill>
+              </a:rPr>
               <a:t>Mysql</a:t>
             </a:r>
-            <a:endParaRPr lang="en-US" dirty="0"/>
-          </a:p>
-          <a:p>
-            <a:endParaRPr lang="en-US" dirty="0"/>
-          </a:p>
-          <a:p>
-            <a:r>
-              <a:rPr lang="ru-RU" dirty="0"/>
+            <a:endParaRPr lang="en-US" sz="2000" dirty="0">
+              <a:solidFill>
+                <a:schemeClr val="tx1"/>
+              </a:solidFill>
+            </a:endParaRPr>
+          </a:p>
+          <a:p>
+            <a:endParaRPr lang="en-US" sz="2000" dirty="0">
+              <a:solidFill>
+                <a:schemeClr val="tx1"/>
+              </a:solidFill>
+            </a:endParaRPr>
+          </a:p>
+          <a:p>
+            <a:r>
+              <a:rPr lang="ru-RU" sz="2000" dirty="0">
+                <a:solidFill>
+                  <a:schemeClr val="tx1"/>
+                </a:solidFill>
+              </a:rPr>
               <a:t>Функциональное тестирование – </a:t>
             </a:r>
             <a:r>
-              <a:rPr lang="en-US" dirty="0"/>
+              <a:rPr lang="en-US" sz="2000" dirty="0">
+                <a:solidFill>
+                  <a:schemeClr val="tx1"/>
+                </a:solidFill>
+              </a:rPr>
               <a:t>Postman</a:t>
             </a:r>
             <a:br>
-              <a:rPr lang="en-US" dirty="0"/>
+              <a:rPr lang="en-US" sz="2000" dirty="0">
+                <a:solidFill>
+                  <a:schemeClr val="tx1"/>
+                </a:solidFill>
+              </a:rPr>
             </a:br>
-            <a:endParaRPr lang="en-US" dirty="0"/>
-          </a:p>
-          <a:p>
-            <a:r>
-              <a:rPr lang="ru-RU" dirty="0"/>
+            <a:endParaRPr lang="en-US" sz="2000" dirty="0">
+              <a:solidFill>
+                <a:schemeClr val="tx1"/>
+              </a:solidFill>
+            </a:endParaRPr>
+          </a:p>
+          <a:p>
+            <a:r>
+              <a:rPr lang="ru-RU" sz="2000" dirty="0">
+                <a:solidFill>
+                  <a:schemeClr val="tx1"/>
+                </a:solidFill>
+              </a:rPr>
               <a:t>Нефункциональное тестирование - </a:t>
             </a:r>
             <a:r>
-              <a:rPr lang="en-US" dirty="0" err="1"/>
+              <a:rPr lang="en-US" sz="2000" dirty="0" err="1">
+                <a:solidFill>
+                  <a:schemeClr val="tx1"/>
+                </a:solidFill>
+              </a:rPr>
               <a:t>Xunit</a:t>
             </a:r>
-            <a:endParaRPr lang="ru-RU" dirty="0"/>
+            <a:endParaRPr lang="ru-RU" sz="2000" dirty="0">
+              <a:solidFill>
+                <a:schemeClr val="tx1"/>
+              </a:solidFill>
+            </a:endParaRPr>
           </a:p>
         </p:txBody>
       </p:sp>
@@ -6305,6 +7909,1338 @@
     <p:extLst>
       <p:ext uri="{BB962C8B-B14F-4D97-AF65-F5344CB8AC3E}">
         <p14:creationId xmlns:p14="http://schemas.microsoft.com/office/powerpoint/2010/main" val="3973017539"/>
+      </p:ext>
+    </p:extLst>
+  </p:cSld>
+  <p:clrMapOvr>
+    <a:masterClrMapping/>
+  </p:clrMapOvr>
+</p:sld>
+</file>
+
+<file path=ppt/slides/slide5.xml><?xml version="1.0" encoding="utf-8"?>
+<p:sld xmlns:a="http://schemas.openxmlformats.org/drawingml/2006/main" xmlns:r="http://schemas.openxmlformats.org/officeDocument/2006/relationships" xmlns:p="http://schemas.openxmlformats.org/presentationml/2006/main">
+  <p:cSld>
+    <p:spTree>
+      <p:nvGrpSpPr>
+        <p:cNvPr id="1" name=""/>
+        <p:cNvGrpSpPr/>
+        <p:nvPr/>
+      </p:nvGrpSpPr>
+      <p:grpSpPr>
+        <a:xfrm>
+          <a:off x="0" y="0"/>
+          <a:ext cx="0" cy="0"/>
+          <a:chOff x="0" y="0"/>
+          <a:chExt cx="0" cy="0"/>
+        </a:xfrm>
+      </p:grpSpPr>
+      <p:sp>
+        <p:nvSpPr>
+          <p:cNvPr id="2" name="Заголовок 1">
+            <a:extLst>
+              <a:ext uri="{FF2B5EF4-FFF2-40B4-BE49-F238E27FC236}">
+                <a16:creationId xmlns:a16="http://schemas.microsoft.com/office/drawing/2014/main" id="{5AB34648-177C-737D-C344-A229D1A5627E}"/>
+              </a:ext>
+            </a:extLst>
+          </p:cNvPr>
+          <p:cNvSpPr>
+            <a:spLocks noGrp="1"/>
+          </p:cNvSpPr>
+          <p:nvPr>
+            <p:ph type="title"/>
+          </p:nvPr>
+        </p:nvSpPr>
+        <p:spPr/>
+        <p:txBody>
+          <a:bodyPr/>
+          <a:lstStyle/>
+          <a:p>
+            <a:r>
+              <a:rPr lang="ru-RU" dirty="0">
+                <a:solidFill>
+                  <a:schemeClr val="tx1"/>
+                </a:solidFill>
+              </a:rPr>
+              <a:t>Функциональные требования</a:t>
+            </a:r>
+          </a:p>
+        </p:txBody>
+      </p:sp>
+      <p:sp>
+        <p:nvSpPr>
+          <p:cNvPr id="3" name="Объект 2">
+            <a:extLst>
+              <a:ext uri="{FF2B5EF4-FFF2-40B4-BE49-F238E27FC236}">
+                <a16:creationId xmlns:a16="http://schemas.microsoft.com/office/drawing/2014/main" id="{58A77DF9-66E2-A25A-5D91-FFF124E6A246}"/>
+              </a:ext>
+            </a:extLst>
+          </p:cNvPr>
+          <p:cNvSpPr>
+            <a:spLocks noGrp="1"/>
+          </p:cNvSpPr>
+          <p:nvPr>
+            <p:ph idx="1"/>
+          </p:nvPr>
+        </p:nvSpPr>
+        <p:spPr>
+          <a:xfrm>
+            <a:off x="677334" y="1752600"/>
+            <a:ext cx="11019366" cy="3880773"/>
+          </a:xfrm>
+        </p:spPr>
+        <p:txBody>
+          <a:bodyPr>
+            <a:noAutofit/>
+          </a:bodyPr>
+          <a:lstStyle/>
+          <a:p>
+            <a:pPr marL="180340" marR="258445" indent="269875" algn="just">
+              <a:lnSpc>
+                <a:spcPct val="150000"/>
+              </a:lnSpc>
+              <a:spcAft>
+                <a:spcPts val="0"/>
+              </a:spcAft>
+            </a:pPr>
+            <a:r>
+              <a:rPr lang="ru-RU" sz="1800" dirty="0">
+                <a:solidFill>
+                  <a:schemeClr val="tx1"/>
+                </a:solidFill>
+                <a:effectLst/>
+                <a:latin typeface="Trebuchet MS (Основной текст)"/>
+                <a:ea typeface="Times New Roman" panose="02020603050405020304" pitchFamily="18" charset="0"/>
+              </a:rPr>
+              <a:t>1. Общие требования (для всех пользователей)</a:t>
+            </a:r>
+          </a:p>
+          <a:p>
+            <a:pPr marL="180340" marR="258445" indent="0" algn="just">
+              <a:lnSpc>
+                <a:spcPct val="150000"/>
+              </a:lnSpc>
+              <a:spcAft>
+                <a:spcPts val="0"/>
+              </a:spcAft>
+              <a:buNone/>
+            </a:pPr>
+            <a:r>
+              <a:rPr lang="ru-RU" sz="1800" dirty="0">
+                <a:solidFill>
+                  <a:schemeClr val="tx1"/>
+                </a:solidFill>
+                <a:effectLst/>
+                <a:latin typeface="Trebuchet MS (Основной текст)"/>
+                <a:ea typeface="Times New Roman" panose="02020603050405020304" pitchFamily="18" charset="0"/>
+              </a:rPr>
+              <a:t>Например</a:t>
+            </a:r>
+            <a:r>
+              <a:rPr lang="en-US" dirty="0">
+                <a:solidFill>
+                  <a:schemeClr val="tx1"/>
+                </a:solidFill>
+                <a:latin typeface="Trebuchet MS (Основной текст)"/>
+                <a:ea typeface="Times New Roman" panose="02020603050405020304" pitchFamily="18" charset="0"/>
+              </a:rPr>
+              <a:t> - </a:t>
+            </a:r>
+            <a:r>
+              <a:rPr lang="ru-RU" sz="1800" dirty="0">
+                <a:solidFill>
+                  <a:schemeClr val="tx1"/>
+                </a:solidFill>
+                <a:effectLst/>
+                <a:latin typeface="Trebuchet MS (Основной текст)"/>
+                <a:ea typeface="Times New Roman" panose="02020603050405020304" pitchFamily="18" charset="0"/>
+              </a:rPr>
+              <a:t>Система должна предоставлять доступ к общему каталогу фильмов.</a:t>
+            </a:r>
+          </a:p>
+          <a:p>
+            <a:pPr marL="180340" marR="258445" indent="269875" algn="just">
+              <a:lnSpc>
+                <a:spcPct val="150000"/>
+              </a:lnSpc>
+              <a:spcAft>
+                <a:spcPts val="0"/>
+              </a:spcAft>
+            </a:pPr>
+            <a:r>
+              <a:rPr lang="ru-RU" sz="1800" dirty="0">
+                <a:solidFill>
+                  <a:schemeClr val="tx1"/>
+                </a:solidFill>
+                <a:effectLst/>
+                <a:latin typeface="Trebuchet MS (Основной текст)"/>
+                <a:ea typeface="Times New Roman" panose="02020603050405020304" pitchFamily="18" charset="0"/>
+              </a:rPr>
+              <a:t>2. Требования для роли "Посетитель сайта" (неавторизованный пользователь)</a:t>
+            </a:r>
+          </a:p>
+          <a:p>
+            <a:pPr marL="180340" marR="258445" indent="0" algn="just">
+              <a:lnSpc>
+                <a:spcPct val="150000"/>
+              </a:lnSpc>
+              <a:spcAft>
+                <a:spcPts val="0"/>
+              </a:spcAft>
+              <a:buNone/>
+            </a:pPr>
+            <a:r>
+              <a:rPr lang="ru-RU" sz="1800" dirty="0">
+                <a:solidFill>
+                  <a:schemeClr val="tx1"/>
+                </a:solidFill>
+                <a:effectLst/>
+                <a:latin typeface="Trebuchet MS (Основной текст)"/>
+                <a:ea typeface="Times New Roman" panose="02020603050405020304" pitchFamily="18" charset="0"/>
+              </a:rPr>
+              <a:t>Например</a:t>
+            </a:r>
+            <a:r>
+              <a:rPr lang="en-US" dirty="0">
+                <a:solidFill>
+                  <a:schemeClr val="tx1"/>
+                </a:solidFill>
+                <a:latin typeface="Trebuchet MS (Основной текст)"/>
+                <a:ea typeface="Times New Roman" panose="02020603050405020304" pitchFamily="18" charset="0"/>
+              </a:rPr>
+              <a:t> - </a:t>
+            </a:r>
+            <a:r>
+              <a:rPr lang="ru-RU" sz="1800" dirty="0">
+                <a:solidFill>
+                  <a:schemeClr val="tx1"/>
+                </a:solidFill>
+                <a:effectLst/>
+                <a:latin typeface="Trebuchet MS (Основной текст)"/>
+                <a:ea typeface="Times New Roman" panose="02020603050405020304" pitchFamily="18" charset="0"/>
+              </a:rPr>
+              <a:t>Система должна предоставлять возможность регистрации новой учетной записи.</a:t>
+            </a:r>
+          </a:p>
+          <a:p>
+            <a:pPr marL="180340" marR="258445" indent="269875" algn="just">
+              <a:lnSpc>
+                <a:spcPct val="150000"/>
+              </a:lnSpc>
+              <a:spcAft>
+                <a:spcPts val="0"/>
+              </a:spcAft>
+            </a:pPr>
+            <a:r>
+              <a:rPr lang="ru-RU" sz="1800" dirty="0">
+                <a:solidFill>
+                  <a:schemeClr val="tx1"/>
+                </a:solidFill>
+                <a:effectLst/>
+                <a:latin typeface="Trebuchet MS (Основной текст)"/>
+                <a:ea typeface="Times New Roman" panose="02020603050405020304" pitchFamily="18" charset="0"/>
+              </a:rPr>
+              <a:t>3. Требования для роли "Пользователь" (авторизованный пользователь)</a:t>
+            </a:r>
+          </a:p>
+          <a:p>
+            <a:pPr marL="180340" marR="258445" indent="0" algn="just">
+              <a:lnSpc>
+                <a:spcPct val="150000"/>
+              </a:lnSpc>
+              <a:spcAft>
+                <a:spcPts val="0"/>
+              </a:spcAft>
+              <a:buNone/>
+            </a:pPr>
+            <a:r>
+              <a:rPr lang="ru-RU" sz="1800" dirty="0">
+                <a:solidFill>
+                  <a:schemeClr val="tx1"/>
+                </a:solidFill>
+                <a:effectLst/>
+                <a:latin typeface="Trebuchet MS (Основной текст)"/>
+                <a:ea typeface="Times New Roman" panose="02020603050405020304" pitchFamily="18" charset="0"/>
+              </a:rPr>
+              <a:t>Например</a:t>
+            </a:r>
+            <a:r>
+              <a:rPr lang="en-US" dirty="0">
+                <a:solidFill>
+                  <a:schemeClr val="tx1"/>
+                </a:solidFill>
+                <a:latin typeface="Trebuchet MS (Основной текст)"/>
+                <a:ea typeface="Times New Roman" panose="02020603050405020304" pitchFamily="18" charset="0"/>
+              </a:rPr>
+              <a:t> - </a:t>
+            </a:r>
+            <a:r>
+              <a:rPr lang="ru-RU" sz="1800" dirty="0">
+                <a:solidFill>
+                  <a:schemeClr val="tx1"/>
+                </a:solidFill>
+                <a:effectLst/>
+                <a:latin typeface="Trebuchet MS (Основной текст)"/>
+                <a:ea typeface="Times New Roman" panose="02020603050405020304" pitchFamily="18" charset="0"/>
+              </a:rPr>
+              <a:t>Управление личным списком фильмов</a:t>
+            </a:r>
+          </a:p>
+          <a:p>
+            <a:pPr marL="180340" marR="258445" indent="269875" algn="just">
+              <a:lnSpc>
+                <a:spcPct val="150000"/>
+              </a:lnSpc>
+              <a:spcAft>
+                <a:spcPts val="0"/>
+              </a:spcAft>
+            </a:pPr>
+            <a:r>
+              <a:rPr lang="ru-RU" sz="1800" dirty="0">
+                <a:solidFill>
+                  <a:schemeClr val="tx1"/>
+                </a:solidFill>
+                <a:effectLst/>
+                <a:latin typeface="Trebuchet MS (Основной текст)"/>
+                <a:ea typeface="Times New Roman" panose="02020603050405020304" pitchFamily="18" charset="0"/>
+              </a:rPr>
+              <a:t>4. Требования для роли "Администратор"</a:t>
+            </a:r>
+          </a:p>
+          <a:p>
+            <a:pPr marL="180340" marR="258445" indent="0" algn="just">
+              <a:lnSpc>
+                <a:spcPct val="150000"/>
+              </a:lnSpc>
+              <a:spcAft>
+                <a:spcPts val="0"/>
+              </a:spcAft>
+              <a:buNone/>
+            </a:pPr>
+            <a:r>
+              <a:rPr lang="ru-RU" sz="1800" dirty="0">
+                <a:solidFill>
+                  <a:schemeClr val="tx1"/>
+                </a:solidFill>
+                <a:effectLst/>
+                <a:latin typeface="Trebuchet MS (Основной текст)"/>
+                <a:ea typeface="Times New Roman" panose="02020603050405020304" pitchFamily="18" charset="0"/>
+              </a:rPr>
+              <a:t>Например</a:t>
+            </a:r>
+            <a:r>
+              <a:rPr lang="en-US" dirty="0">
+                <a:solidFill>
+                  <a:schemeClr val="tx1"/>
+                </a:solidFill>
+                <a:latin typeface="Trebuchet MS (Основной текст)"/>
+                <a:ea typeface="Times New Roman" panose="02020603050405020304" pitchFamily="18" charset="0"/>
+              </a:rPr>
+              <a:t> - </a:t>
+            </a:r>
+            <a:r>
+              <a:rPr lang="ru-RU" sz="1800" dirty="0">
+                <a:solidFill>
+                  <a:schemeClr val="tx1"/>
+                </a:solidFill>
+                <a:effectLst/>
+                <a:latin typeface="Trebuchet MS (Основной текст)"/>
+                <a:ea typeface="Times New Roman" panose="02020603050405020304" pitchFamily="18" charset="0"/>
+              </a:rPr>
+              <a:t>Управление каталогом.</a:t>
+            </a:r>
+          </a:p>
+        </p:txBody>
+      </p:sp>
+    </p:spTree>
+    <p:extLst>
+      <p:ext uri="{BB962C8B-B14F-4D97-AF65-F5344CB8AC3E}">
+        <p14:creationId xmlns:p14="http://schemas.microsoft.com/office/powerpoint/2010/main" val="3657524212"/>
+      </p:ext>
+    </p:extLst>
+  </p:cSld>
+  <p:clrMapOvr>
+    <a:masterClrMapping/>
+  </p:clrMapOvr>
+</p:sld>
+</file>
+
+<file path=ppt/slides/slide6.xml><?xml version="1.0" encoding="utf-8"?>
+<p:sld xmlns:a="http://schemas.openxmlformats.org/drawingml/2006/main" xmlns:r="http://schemas.openxmlformats.org/officeDocument/2006/relationships" xmlns:p="http://schemas.openxmlformats.org/presentationml/2006/main">
+  <p:cSld>
+    <p:spTree>
+      <p:nvGrpSpPr>
+        <p:cNvPr id="1" name=""/>
+        <p:cNvGrpSpPr/>
+        <p:nvPr/>
+      </p:nvGrpSpPr>
+      <p:grpSpPr>
+        <a:xfrm>
+          <a:off x="0" y="0"/>
+          <a:ext cx="0" cy="0"/>
+          <a:chOff x="0" y="0"/>
+          <a:chExt cx="0" cy="0"/>
+        </a:xfrm>
+      </p:grpSpPr>
+      <p:pic>
+        <p:nvPicPr>
+          <p:cNvPr id="4" name="Объект 3">
+            <a:extLst>
+              <a:ext uri="{FF2B5EF4-FFF2-40B4-BE49-F238E27FC236}">
+                <a16:creationId xmlns:a16="http://schemas.microsoft.com/office/drawing/2014/main" id="{5FE49D19-F46D-A91D-733B-C0CCF10FBA26}"/>
+              </a:ext>
+            </a:extLst>
+          </p:cNvPr>
+          <p:cNvPicPr>
+            <a:picLocks noGrp="1" noChangeAspect="1"/>
+          </p:cNvPicPr>
+          <p:nvPr>
+            <p:ph idx="1"/>
+          </p:nvPr>
+        </p:nvPicPr>
+        <p:blipFill>
+          <a:blip r:embed="rId2"/>
+          <a:stretch>
+            <a:fillRect/>
+          </a:stretch>
+        </p:blipFill>
+        <p:spPr>
+          <a:xfrm>
+            <a:off x="2871433" y="0"/>
+            <a:ext cx="8596668" cy="6865923"/>
+          </a:xfrm>
+          <a:prstGeom prst="rect">
+            <a:avLst/>
+          </a:prstGeom>
+        </p:spPr>
+      </p:pic>
+      <p:sp>
+        <p:nvSpPr>
+          <p:cNvPr id="2" name="Заголовок 1">
+            <a:extLst>
+              <a:ext uri="{FF2B5EF4-FFF2-40B4-BE49-F238E27FC236}">
+                <a16:creationId xmlns:a16="http://schemas.microsoft.com/office/drawing/2014/main" id="{D69C3837-BB98-082C-2239-FA4F28359375}"/>
+              </a:ext>
+            </a:extLst>
+          </p:cNvPr>
+          <p:cNvSpPr>
+            <a:spLocks noGrp="1"/>
+          </p:cNvSpPr>
+          <p:nvPr>
+            <p:ph type="title"/>
+          </p:nvPr>
+        </p:nvSpPr>
+        <p:spPr>
+          <a:xfrm>
+            <a:off x="387966" y="163215"/>
+            <a:ext cx="8596668" cy="1320800"/>
+          </a:xfrm>
+        </p:spPr>
+        <p:txBody>
+          <a:bodyPr/>
+          <a:lstStyle/>
+          <a:p>
+            <a:r>
+              <a:rPr lang="ru-RU" dirty="0">
+                <a:solidFill>
+                  <a:schemeClr val="tx1"/>
+                </a:solidFill>
+              </a:rPr>
+              <a:t>Диаграмма </a:t>
+            </a:r>
+            <a:br>
+              <a:rPr lang="ru-RU" dirty="0">
+                <a:solidFill>
+                  <a:schemeClr val="tx1"/>
+                </a:solidFill>
+              </a:rPr>
+            </a:br>
+            <a:r>
+              <a:rPr lang="ru-RU" dirty="0">
+                <a:solidFill>
+                  <a:schemeClr val="tx1"/>
+                </a:solidFill>
+              </a:rPr>
+              <a:t>прецедентов </a:t>
+            </a:r>
+          </a:p>
+        </p:txBody>
+      </p:sp>
+    </p:spTree>
+    <p:extLst>
+      <p:ext uri="{BB962C8B-B14F-4D97-AF65-F5344CB8AC3E}">
+        <p14:creationId xmlns:p14="http://schemas.microsoft.com/office/powerpoint/2010/main" val="2762229476"/>
+      </p:ext>
+    </p:extLst>
+  </p:cSld>
+  <p:clrMapOvr>
+    <a:masterClrMapping/>
+  </p:clrMapOvr>
+</p:sld>
+</file>
+
+<file path=ppt/slides/slide7.xml><?xml version="1.0" encoding="utf-8"?>
+<p:sld xmlns:a="http://schemas.openxmlformats.org/drawingml/2006/main" xmlns:r="http://schemas.openxmlformats.org/officeDocument/2006/relationships" xmlns:p="http://schemas.openxmlformats.org/presentationml/2006/main">
+  <p:cSld>
+    <p:spTree>
+      <p:nvGrpSpPr>
+        <p:cNvPr id="1" name=""/>
+        <p:cNvGrpSpPr/>
+        <p:nvPr/>
+      </p:nvGrpSpPr>
+      <p:grpSpPr>
+        <a:xfrm>
+          <a:off x="0" y="0"/>
+          <a:ext cx="0" cy="0"/>
+          <a:chOff x="0" y="0"/>
+          <a:chExt cx="0" cy="0"/>
+        </a:xfrm>
+      </p:grpSpPr>
+      <p:sp>
+        <p:nvSpPr>
+          <p:cNvPr id="2" name="Заголовок 1">
+            <a:extLst>
+              <a:ext uri="{FF2B5EF4-FFF2-40B4-BE49-F238E27FC236}">
+                <a16:creationId xmlns:a16="http://schemas.microsoft.com/office/drawing/2014/main" id="{9A400AA4-4261-C314-D9C4-CD7707BBFE09}"/>
+              </a:ext>
+            </a:extLst>
+          </p:cNvPr>
+          <p:cNvSpPr>
+            <a:spLocks noGrp="1"/>
+          </p:cNvSpPr>
+          <p:nvPr>
+            <p:ph type="title"/>
+          </p:nvPr>
+        </p:nvSpPr>
+        <p:spPr>
+          <a:xfrm>
+            <a:off x="677334" y="79248"/>
+            <a:ext cx="8596668" cy="1320800"/>
+          </a:xfrm>
+        </p:spPr>
+        <p:txBody>
+          <a:bodyPr>
+            <a:normAutofit/>
+          </a:bodyPr>
+          <a:lstStyle/>
+          <a:p>
+            <a:r>
+              <a:rPr lang="ru-RU" sz="3600" b="1" dirty="0">
+                <a:solidFill>
+                  <a:schemeClr val="tx1"/>
+                </a:solidFill>
+                <a:effectLst/>
+                <a:latin typeface="Trebuchet MS (Заголовки)"/>
+                <a:ea typeface="Times New Roman" panose="02020603050405020304" pitchFamily="18" charset="0"/>
+              </a:rPr>
+              <a:t>Расширенное описание прецедента «Оценка фильма»</a:t>
+            </a:r>
+            <a:endParaRPr lang="ru-RU" dirty="0">
+              <a:solidFill>
+                <a:schemeClr val="tx1"/>
+              </a:solidFill>
+              <a:latin typeface="Trebuchet MS (Заголовки)"/>
+            </a:endParaRPr>
+          </a:p>
+        </p:txBody>
+      </p:sp>
+      <p:sp>
+        <p:nvSpPr>
+          <p:cNvPr id="3" name="Объект 2">
+            <a:extLst>
+              <a:ext uri="{FF2B5EF4-FFF2-40B4-BE49-F238E27FC236}">
+                <a16:creationId xmlns:a16="http://schemas.microsoft.com/office/drawing/2014/main" id="{29A3033B-B8FE-2087-20C5-61880F0C2607}"/>
+              </a:ext>
+            </a:extLst>
+          </p:cNvPr>
+          <p:cNvSpPr>
+            <a:spLocks noGrp="1"/>
+          </p:cNvSpPr>
+          <p:nvPr>
+            <p:ph idx="1"/>
+          </p:nvPr>
+        </p:nvSpPr>
+        <p:spPr>
+          <a:xfrm>
+            <a:off x="677334" y="1307592"/>
+            <a:ext cx="9061026" cy="5550408"/>
+          </a:xfrm>
+        </p:spPr>
+        <p:txBody>
+          <a:bodyPr>
+            <a:normAutofit fontScale="92500" lnSpcReduction="20000"/>
+          </a:bodyPr>
+          <a:lstStyle/>
+          <a:p>
+            <a:pPr marL="90170" marR="168275" indent="367030" algn="just">
+              <a:lnSpc>
+                <a:spcPct val="120000"/>
+              </a:lnSpc>
+              <a:spcAft>
+                <a:spcPts val="0"/>
+              </a:spcAft>
+            </a:pPr>
+            <a:r>
+              <a:rPr lang="ru-RU" sz="1800" dirty="0">
+                <a:solidFill>
+                  <a:schemeClr val="tx1"/>
+                </a:solidFill>
+                <a:effectLst/>
+                <a:latin typeface="Trebuchet MS (Основной текст)"/>
+                <a:ea typeface="Times New Roman" panose="02020603050405020304" pitchFamily="18" charset="0"/>
+              </a:rPr>
+              <a:t>Предусловие: Пользователь авторизован в системе.</a:t>
+            </a:r>
+          </a:p>
+          <a:p>
+            <a:pPr marL="90170" marR="168275" indent="367030" algn="just">
+              <a:lnSpc>
+                <a:spcPct val="120000"/>
+              </a:lnSpc>
+              <a:spcAft>
+                <a:spcPts val="0"/>
+              </a:spcAft>
+            </a:pPr>
+            <a:r>
+              <a:rPr lang="ru-RU" sz="1800" dirty="0">
+                <a:solidFill>
+                  <a:schemeClr val="tx1"/>
+                </a:solidFill>
+                <a:effectLst/>
+                <a:latin typeface="Trebuchet MS (Основной текст)"/>
+                <a:ea typeface="Times New Roman" panose="02020603050405020304" pitchFamily="18" charset="0"/>
+              </a:rPr>
+              <a:t>Действующее лицо: Пользователь</a:t>
+            </a:r>
+          </a:p>
+          <a:p>
+            <a:pPr marL="90170" marR="168275" indent="367030" algn="just">
+              <a:lnSpc>
+                <a:spcPct val="120000"/>
+              </a:lnSpc>
+              <a:spcAft>
+                <a:spcPts val="0"/>
+              </a:spcAft>
+            </a:pPr>
+            <a:r>
+              <a:rPr lang="ru-RU" sz="1800" dirty="0">
+                <a:solidFill>
+                  <a:schemeClr val="tx1"/>
+                </a:solidFill>
+                <a:effectLst/>
+                <a:latin typeface="Trebuchet MS (Основной текст)"/>
+                <a:ea typeface="Times New Roman" panose="02020603050405020304" pitchFamily="18" charset="0"/>
+              </a:rPr>
+              <a:t>Основной поток:</a:t>
+            </a:r>
+          </a:p>
+          <a:p>
+            <a:pPr marL="90170" marR="168275" indent="367030" algn="just">
+              <a:lnSpc>
+                <a:spcPct val="120000"/>
+              </a:lnSpc>
+              <a:spcAft>
+                <a:spcPts val="0"/>
+              </a:spcAft>
+            </a:pPr>
+            <a:r>
+              <a:rPr lang="ru-RU" sz="1800" dirty="0">
+                <a:solidFill>
+                  <a:schemeClr val="tx1"/>
+                </a:solidFill>
+                <a:effectLst/>
+                <a:latin typeface="Trebuchet MS (Основной текст)"/>
+                <a:ea typeface="Times New Roman" panose="02020603050405020304" pitchFamily="18" charset="0"/>
+              </a:rPr>
+              <a:t>1. Пользователь выбирает фильм для оценки (через каталог, свой список, случайный фильм или рекомендации).</a:t>
+            </a:r>
+          </a:p>
+          <a:p>
+            <a:pPr marL="90170" marR="168275" indent="367030" algn="just">
+              <a:lnSpc>
+                <a:spcPct val="120000"/>
+              </a:lnSpc>
+              <a:spcAft>
+                <a:spcPts val="0"/>
+              </a:spcAft>
+            </a:pPr>
+            <a:r>
+              <a:rPr lang="ru-RU" sz="1800" dirty="0">
+                <a:solidFill>
+                  <a:schemeClr val="tx1"/>
+                </a:solidFill>
+                <a:effectLst/>
+                <a:latin typeface="Trebuchet MS (Основной текст)"/>
+                <a:ea typeface="Times New Roman" panose="02020603050405020304" pitchFamily="18" charset="0"/>
+              </a:rPr>
+              <a:t>2. Пользователь вызывает функцию оценки фильма, передавая идентификатор фильма, оценку (от 1 до 10) и опционально комментарий (до 2000 символов).</a:t>
+            </a:r>
+          </a:p>
+          <a:p>
+            <a:pPr marL="90170" marR="168275" indent="367030" algn="just">
+              <a:lnSpc>
+                <a:spcPct val="120000"/>
+              </a:lnSpc>
+              <a:spcAft>
+                <a:spcPts val="0"/>
+              </a:spcAft>
+            </a:pPr>
+            <a:r>
+              <a:rPr lang="ru-RU" sz="1800" dirty="0">
+                <a:solidFill>
+                  <a:schemeClr val="tx1"/>
+                </a:solidFill>
+                <a:effectLst/>
+                <a:latin typeface="Trebuchet MS (Основной текст)"/>
+                <a:ea typeface="Times New Roman" panose="02020603050405020304" pitchFamily="18" charset="0"/>
+              </a:rPr>
+              <a:t>3. Система проверяет, что фильм существует в базе данных.</a:t>
+            </a:r>
+          </a:p>
+          <a:p>
+            <a:pPr marL="90170" marR="168275" indent="367030" algn="just">
+              <a:lnSpc>
+                <a:spcPct val="120000"/>
+              </a:lnSpc>
+              <a:spcAft>
+                <a:spcPts val="0"/>
+              </a:spcAft>
+            </a:pPr>
+            <a:r>
+              <a:rPr lang="ru-RU" sz="1800" dirty="0">
+                <a:solidFill>
+                  <a:schemeClr val="tx1"/>
+                </a:solidFill>
+                <a:effectLst/>
+                <a:latin typeface="Trebuchet MS (Основной текст)"/>
+                <a:ea typeface="Times New Roman" panose="02020603050405020304" pitchFamily="18" charset="0"/>
+              </a:rPr>
+              <a:t>4. Система проверяет наличие статусов "Просмотрено" и "Оценен" в справочнике статусов.</a:t>
+            </a:r>
+          </a:p>
+          <a:p>
+            <a:pPr marL="90170" marR="168275" indent="367030" algn="just">
+              <a:lnSpc>
+                <a:spcPct val="120000"/>
+              </a:lnSpc>
+              <a:spcAft>
+                <a:spcPts val="0"/>
+              </a:spcAft>
+            </a:pPr>
+            <a:r>
+              <a:rPr lang="ru-RU" sz="1800" dirty="0">
+                <a:solidFill>
+                  <a:schemeClr val="tx1"/>
+                </a:solidFill>
+                <a:effectLst/>
+                <a:latin typeface="Trebuchet MS (Основной текст)"/>
+                <a:ea typeface="Times New Roman" panose="02020603050405020304" pitchFamily="18" charset="0"/>
+              </a:rPr>
+              <a:t>5. Система проверяет, что фильм уже добавлен в личный список пользователя и имеет статус "Просмотрено" или "Оценен".</a:t>
+            </a:r>
+          </a:p>
+          <a:p>
+            <a:pPr marL="90170" marR="168275" indent="367030" algn="just">
+              <a:lnSpc>
+                <a:spcPct val="120000"/>
+              </a:lnSpc>
+              <a:spcAft>
+                <a:spcPts val="0"/>
+              </a:spcAft>
+            </a:pPr>
+            <a:r>
+              <a:rPr lang="ru-RU" sz="1800" dirty="0">
+                <a:solidFill>
+                  <a:schemeClr val="tx1"/>
+                </a:solidFill>
+                <a:effectLst/>
+                <a:latin typeface="Trebuchet MS (Основной текст)"/>
+                <a:ea typeface="Times New Roman" panose="02020603050405020304" pitchFamily="18" charset="0"/>
+              </a:rPr>
+              <a:t>6. Система сохраняет оценку, устанавливает статус фильма в "Оценен" и сохраняет комментарий (если указан).</a:t>
+            </a:r>
+          </a:p>
+          <a:p>
+            <a:pPr marL="90170" marR="168275" indent="367030" algn="just">
+              <a:lnSpc>
+                <a:spcPct val="120000"/>
+              </a:lnSpc>
+              <a:spcAft>
+                <a:spcPts val="0"/>
+              </a:spcAft>
+            </a:pPr>
+            <a:r>
+              <a:rPr lang="ru-RU" sz="1800" dirty="0">
+                <a:solidFill>
+                  <a:schemeClr val="tx1"/>
+                </a:solidFill>
+                <a:effectLst/>
+                <a:latin typeface="Trebuchet MS (Основной текст)"/>
+                <a:ea typeface="Times New Roman" panose="02020603050405020304" pitchFamily="18" charset="0"/>
+              </a:rPr>
+              <a:t>7. Система возвращает обновленную информацию о фильме в списке пользователя.</a:t>
+            </a:r>
+          </a:p>
+        </p:txBody>
+      </p:sp>
+    </p:spTree>
+    <p:extLst>
+      <p:ext uri="{BB962C8B-B14F-4D97-AF65-F5344CB8AC3E}">
+        <p14:creationId xmlns:p14="http://schemas.microsoft.com/office/powerpoint/2010/main" val="1047039426"/>
+      </p:ext>
+    </p:extLst>
+  </p:cSld>
+  <p:clrMapOvr>
+    <a:masterClrMapping/>
+  </p:clrMapOvr>
+</p:sld>
+</file>
+
+<file path=ppt/slides/slide8.xml><?xml version="1.0" encoding="utf-8"?>
+<p:sld xmlns:a="http://schemas.openxmlformats.org/drawingml/2006/main" xmlns:r="http://schemas.openxmlformats.org/officeDocument/2006/relationships" xmlns:p="http://schemas.openxmlformats.org/presentationml/2006/main">
+  <p:cSld>
+    <p:spTree>
+      <p:nvGrpSpPr>
+        <p:cNvPr id="1" name=""/>
+        <p:cNvGrpSpPr/>
+        <p:nvPr/>
+      </p:nvGrpSpPr>
+      <p:grpSpPr>
+        <a:xfrm>
+          <a:off x="0" y="0"/>
+          <a:ext cx="0" cy="0"/>
+          <a:chOff x="0" y="0"/>
+          <a:chExt cx="0" cy="0"/>
+        </a:xfrm>
+      </p:grpSpPr>
+      <p:sp>
+        <p:nvSpPr>
+          <p:cNvPr id="2" name="Заголовок 1">
+            <a:extLst>
+              <a:ext uri="{FF2B5EF4-FFF2-40B4-BE49-F238E27FC236}">
+                <a16:creationId xmlns:a16="http://schemas.microsoft.com/office/drawing/2014/main" id="{9A400AA4-4261-C314-D9C4-CD7707BBFE09}"/>
+              </a:ext>
+            </a:extLst>
+          </p:cNvPr>
+          <p:cNvSpPr>
+            <a:spLocks noGrp="1"/>
+          </p:cNvSpPr>
+          <p:nvPr>
+            <p:ph type="title"/>
+          </p:nvPr>
+        </p:nvSpPr>
+        <p:spPr>
+          <a:xfrm>
+            <a:off x="677334" y="79248"/>
+            <a:ext cx="8596668" cy="1320800"/>
+          </a:xfrm>
+        </p:spPr>
+        <p:txBody>
+          <a:bodyPr>
+            <a:normAutofit/>
+          </a:bodyPr>
+          <a:lstStyle/>
+          <a:p>
+            <a:r>
+              <a:rPr lang="ru-RU" sz="3600" b="1" dirty="0">
+                <a:solidFill>
+                  <a:schemeClr val="tx1"/>
+                </a:solidFill>
+                <a:effectLst/>
+                <a:latin typeface="Trebuchet MS (Заголовки)"/>
+                <a:ea typeface="Times New Roman" panose="02020603050405020304" pitchFamily="18" charset="0"/>
+              </a:rPr>
+              <a:t>Расширенное описание прецедента «Оценка фильма»</a:t>
+            </a:r>
+            <a:endParaRPr lang="ru-RU" dirty="0">
+              <a:solidFill>
+                <a:schemeClr val="tx1"/>
+              </a:solidFill>
+              <a:latin typeface="Trebuchet MS (Заголовки)"/>
+            </a:endParaRPr>
+          </a:p>
+        </p:txBody>
+      </p:sp>
+      <p:sp>
+        <p:nvSpPr>
+          <p:cNvPr id="3" name="Объект 2">
+            <a:extLst>
+              <a:ext uri="{FF2B5EF4-FFF2-40B4-BE49-F238E27FC236}">
+                <a16:creationId xmlns:a16="http://schemas.microsoft.com/office/drawing/2014/main" id="{29A3033B-B8FE-2087-20C5-61880F0C2607}"/>
+              </a:ext>
+            </a:extLst>
+          </p:cNvPr>
+          <p:cNvSpPr>
+            <a:spLocks noGrp="1"/>
+          </p:cNvSpPr>
+          <p:nvPr>
+            <p:ph idx="1"/>
+          </p:nvPr>
+        </p:nvSpPr>
+        <p:spPr>
+          <a:xfrm>
+            <a:off x="677334" y="1307592"/>
+            <a:ext cx="9006162" cy="5550408"/>
+          </a:xfrm>
+        </p:spPr>
+        <p:txBody>
+          <a:bodyPr>
+            <a:normAutofit fontScale="92500" lnSpcReduction="10000"/>
+          </a:bodyPr>
+          <a:lstStyle/>
+          <a:p>
+            <a:pPr marL="90170" marR="168275" indent="367030" algn="just">
+              <a:lnSpc>
+                <a:spcPct val="120000"/>
+              </a:lnSpc>
+              <a:spcAft>
+                <a:spcPts val="0"/>
+              </a:spcAft>
+            </a:pPr>
+            <a:r>
+              <a:rPr lang="ru-RU" sz="1800" dirty="0">
+                <a:solidFill>
+                  <a:schemeClr val="tx1"/>
+                </a:solidFill>
+                <a:effectLst/>
+                <a:latin typeface="Trebuchet MS (Основной текст)"/>
+                <a:ea typeface="Times New Roman" panose="02020603050405020304" pitchFamily="18" charset="0"/>
+              </a:rPr>
+              <a:t>Альтернативный поток №1: Если фильм не найден в базе данных, система возвращает ошибку "Фильм не найден".</a:t>
+            </a:r>
+          </a:p>
+          <a:p>
+            <a:pPr marL="90170" marR="168275" indent="367030" algn="just">
+              <a:lnSpc>
+                <a:spcPct val="120000"/>
+              </a:lnSpc>
+              <a:spcAft>
+                <a:spcPts val="0"/>
+              </a:spcAft>
+            </a:pPr>
+            <a:r>
+              <a:rPr lang="ru-RU" sz="1800" dirty="0">
+                <a:solidFill>
+                  <a:schemeClr val="tx1"/>
+                </a:solidFill>
+                <a:effectLst/>
+                <a:latin typeface="Trebuchet MS (Основной текст)"/>
+                <a:ea typeface="Times New Roman" panose="02020603050405020304" pitchFamily="18" charset="0"/>
+              </a:rPr>
+              <a:t>Альтернативный поток №2: Если обязательные статусы ("Просмотрено" или "Оценен") отсутствуют в справочнике, система возвращает ошибку с указанием отсутствующего статуса.</a:t>
+            </a:r>
+          </a:p>
+          <a:p>
+            <a:pPr marL="90170" marR="168275" indent="367030" algn="just">
+              <a:lnSpc>
+                <a:spcPct val="120000"/>
+              </a:lnSpc>
+              <a:spcAft>
+                <a:spcPts val="0"/>
+              </a:spcAft>
+            </a:pPr>
+            <a:r>
+              <a:rPr lang="ru-RU" sz="1800" dirty="0">
+                <a:solidFill>
+                  <a:schemeClr val="tx1"/>
+                </a:solidFill>
+                <a:effectLst/>
+                <a:latin typeface="Trebuchet MS (Основной текст)"/>
+                <a:ea typeface="Times New Roman" panose="02020603050405020304" pitchFamily="18" charset="0"/>
+              </a:rPr>
+              <a:t>Альтернативный поток №3: Если фильм не добавлен в личный список пользователя или имеет статус, отличный от "Просмотрено" или "Оценен", система возвращает ошибку "Нельзя оценить фильм, пока он не добавлен в статус «Просмотрено»".</a:t>
+            </a:r>
+          </a:p>
+          <a:p>
+            <a:pPr marL="90170" marR="168275" indent="367030" algn="just">
+              <a:lnSpc>
+                <a:spcPct val="120000"/>
+              </a:lnSpc>
+              <a:spcAft>
+                <a:spcPts val="0"/>
+              </a:spcAft>
+            </a:pPr>
+            <a:r>
+              <a:rPr lang="ru-RU" sz="1800" dirty="0">
+                <a:solidFill>
+                  <a:schemeClr val="tx1"/>
+                </a:solidFill>
+                <a:effectLst/>
+                <a:latin typeface="Trebuchet MS (Основной текст)"/>
+                <a:ea typeface="Times New Roman" panose="02020603050405020304" pitchFamily="18" charset="0"/>
+              </a:rPr>
+              <a:t>Альтернативный поток №4: Если переданы некорректные данные (оценка вне диапазона 1-10, превышена длина комментария), система возвращает ошибку валидации.</a:t>
+            </a:r>
+          </a:p>
+          <a:p>
+            <a:pPr marL="90170" marR="168275" indent="367030" algn="just">
+              <a:lnSpc>
+                <a:spcPct val="120000"/>
+              </a:lnSpc>
+              <a:spcAft>
+                <a:spcPts val="0"/>
+              </a:spcAft>
+            </a:pPr>
+            <a:r>
+              <a:rPr lang="ru-RU" sz="1800" dirty="0">
+                <a:solidFill>
+                  <a:schemeClr val="tx1"/>
+                </a:solidFill>
+                <a:effectLst/>
+                <a:latin typeface="Trebuchet MS (Основной текст)"/>
+                <a:ea typeface="Times New Roman" panose="02020603050405020304" pitchFamily="18" charset="0"/>
+              </a:rPr>
+              <a:t>Альтернативный поток №5: Если пользователь уже оценил фильм ранее, система позволяет изменить оценку и комментарий, обновляя существующую запись.</a:t>
+            </a:r>
+          </a:p>
+          <a:p>
+            <a:pPr marL="90170" marR="168275" indent="367030" algn="just">
+              <a:lnSpc>
+                <a:spcPct val="120000"/>
+              </a:lnSpc>
+              <a:spcAft>
+                <a:spcPts val="0"/>
+              </a:spcAft>
+            </a:pPr>
+            <a:r>
+              <a:rPr lang="ru-RU" sz="1800" dirty="0">
+                <a:solidFill>
+                  <a:schemeClr val="tx1"/>
+                </a:solidFill>
+                <a:effectLst/>
+                <a:latin typeface="Trebuchet MS (Основной текст)"/>
+                <a:ea typeface="Times New Roman" panose="02020603050405020304" pitchFamily="18" charset="0"/>
+              </a:rPr>
+              <a:t>Постусловие: Фильм получил оценку от пользователя, статус фильма в личном списке изменен на "Оценен", оценка и комментарий сохранены в базе данных.</a:t>
+            </a:r>
+          </a:p>
+        </p:txBody>
+      </p:sp>
+    </p:spTree>
+    <p:extLst>
+      <p:ext uri="{BB962C8B-B14F-4D97-AF65-F5344CB8AC3E}">
+        <p14:creationId xmlns:p14="http://schemas.microsoft.com/office/powerpoint/2010/main" val="3689457701"/>
+      </p:ext>
+    </p:extLst>
+  </p:cSld>
+  <p:clrMapOvr>
+    <a:masterClrMapping/>
+  </p:clrMapOvr>
+</p:sld>
+</file>
+
+<file path=ppt/slides/slide9.xml><?xml version="1.0" encoding="utf-8"?>
+<p:sld xmlns:a="http://schemas.openxmlformats.org/drawingml/2006/main" xmlns:r="http://schemas.openxmlformats.org/officeDocument/2006/relationships" xmlns:p="http://schemas.openxmlformats.org/presentationml/2006/main">
+  <p:cSld>
+    <p:spTree>
+      <p:nvGrpSpPr>
+        <p:cNvPr id="1" name=""/>
+        <p:cNvGrpSpPr/>
+        <p:nvPr/>
+      </p:nvGrpSpPr>
+      <p:grpSpPr>
+        <a:xfrm>
+          <a:off x="0" y="0"/>
+          <a:ext cx="0" cy="0"/>
+          <a:chOff x="0" y="0"/>
+          <a:chExt cx="0" cy="0"/>
+        </a:xfrm>
+      </p:grpSpPr>
+      <p:sp>
+        <p:nvSpPr>
+          <p:cNvPr id="2" name="Заголовок 1">
+            <a:extLst>
+              <a:ext uri="{FF2B5EF4-FFF2-40B4-BE49-F238E27FC236}">
+                <a16:creationId xmlns:a16="http://schemas.microsoft.com/office/drawing/2014/main" id="{77B677D9-E719-7022-AD01-8270834BC297}"/>
+              </a:ext>
+            </a:extLst>
+          </p:cNvPr>
+          <p:cNvSpPr>
+            <a:spLocks noGrp="1"/>
+          </p:cNvSpPr>
+          <p:nvPr>
+            <p:ph type="title"/>
+          </p:nvPr>
+        </p:nvSpPr>
+        <p:spPr/>
+        <p:txBody>
+          <a:bodyPr/>
+          <a:lstStyle/>
+          <a:p>
+            <a:r>
+              <a:rPr lang="ru-RU" dirty="0">
+                <a:solidFill>
+                  <a:schemeClr val="tx1"/>
+                </a:solidFill>
+              </a:rPr>
+              <a:t>Как работает система рекомендаций?</a:t>
+            </a:r>
+          </a:p>
+        </p:txBody>
+      </p:sp>
+      <p:sp>
+        <p:nvSpPr>
+          <p:cNvPr id="3" name="Объект 2">
+            <a:extLst>
+              <a:ext uri="{FF2B5EF4-FFF2-40B4-BE49-F238E27FC236}">
+                <a16:creationId xmlns:a16="http://schemas.microsoft.com/office/drawing/2014/main" id="{59075BDB-2CC9-1A38-7F2F-47E142F5926A}"/>
+              </a:ext>
+            </a:extLst>
+          </p:cNvPr>
+          <p:cNvSpPr>
+            <a:spLocks noGrp="1"/>
+          </p:cNvSpPr>
+          <p:nvPr>
+            <p:ph idx="1"/>
+          </p:nvPr>
+        </p:nvSpPr>
+        <p:spPr>
+          <a:xfrm>
+            <a:off x="677334" y="1490473"/>
+            <a:ext cx="8999682" cy="5367527"/>
+          </a:xfrm>
+        </p:spPr>
+        <p:txBody>
+          <a:bodyPr>
+            <a:normAutofit fontScale="92500" lnSpcReduction="10000"/>
+          </a:bodyPr>
+          <a:lstStyle/>
+          <a:p>
+            <a:pPr algn="l">
+              <a:lnSpc>
+                <a:spcPct val="150000"/>
+              </a:lnSpc>
+              <a:buFont typeface="+mj-lt"/>
+              <a:buAutoNum type="arabicPeriod"/>
+            </a:pPr>
+            <a:r>
+              <a:rPr lang="ru-RU" b="1" i="0" dirty="0">
+                <a:solidFill>
+                  <a:schemeClr val="tx1"/>
+                </a:solidFill>
+                <a:effectLst/>
+                <a:latin typeface="Trebuchet MS (Основной текст)"/>
+              </a:rPr>
+              <a:t>Сбор и обработка предпочтений</a:t>
+            </a:r>
+            <a:r>
+              <a:rPr lang="ru-RU" b="0" i="0" dirty="0">
+                <a:solidFill>
+                  <a:schemeClr val="tx1"/>
+                </a:solidFill>
+                <a:effectLst/>
+                <a:latin typeface="Trebuchet MS (Основной текст)"/>
+              </a:rPr>
+              <a:t> — пользователь оценивает жанры (0–10), оценки конвертируются в веса (от 0 до 1).</a:t>
+            </a:r>
+          </a:p>
+          <a:p>
+            <a:pPr algn="l">
+              <a:lnSpc>
+                <a:spcPct val="150000"/>
+              </a:lnSpc>
+              <a:buFont typeface="+mj-lt"/>
+              <a:buAutoNum type="arabicPeriod" startAt="2"/>
+            </a:pPr>
+            <a:r>
+              <a:rPr lang="ru-RU" b="1" i="0" dirty="0">
+                <a:solidFill>
+                  <a:schemeClr val="tx1"/>
+                </a:solidFill>
+                <a:effectLst/>
+                <a:latin typeface="Trebuchet MS (Основной текст)"/>
+              </a:rPr>
+              <a:t>Формирование профиля интересов</a:t>
+            </a:r>
+            <a:r>
+              <a:rPr lang="ru-RU" b="0" i="0" dirty="0">
+                <a:solidFill>
+                  <a:schemeClr val="tx1"/>
+                </a:solidFill>
+                <a:effectLst/>
+                <a:latin typeface="Trebuchet MS (Основной текст)"/>
+              </a:rPr>
+              <a:t> — извлечение предпочтений и вычисление средних весов по жанрам.</a:t>
+            </a:r>
+          </a:p>
+          <a:p>
+            <a:pPr algn="l">
+              <a:lnSpc>
+                <a:spcPct val="150000"/>
+              </a:lnSpc>
+              <a:buFont typeface="+mj-lt"/>
+              <a:buAutoNum type="arabicPeriod" startAt="3"/>
+            </a:pPr>
+            <a:r>
+              <a:rPr lang="ru-RU" b="1" i="0" dirty="0">
+                <a:solidFill>
+                  <a:schemeClr val="tx1"/>
+                </a:solidFill>
+                <a:effectLst/>
+                <a:latin typeface="Trebuchet MS (Основной текст)"/>
+              </a:rPr>
+              <a:t>Фильтрация и вычисление оценок</a:t>
+            </a:r>
+            <a:r>
+              <a:rPr lang="ru-RU" b="0" i="0" dirty="0">
+                <a:solidFill>
+                  <a:schemeClr val="tx1"/>
+                </a:solidFill>
+                <a:effectLst/>
+                <a:latin typeface="Trebuchet MS (Основной текст)"/>
+              </a:rPr>
+              <a:t> — сначала мы идем по списку его просмотренных</a:t>
+            </a:r>
+            <a:r>
+              <a:rPr lang="en-US" b="0" i="0" dirty="0">
+                <a:solidFill>
+                  <a:schemeClr val="tx1"/>
+                </a:solidFill>
+                <a:effectLst/>
+                <a:latin typeface="Trebuchet MS (Основной текст)"/>
+              </a:rPr>
+              <a:t>,</a:t>
+            </a:r>
+            <a:r>
+              <a:rPr lang="ru-RU" b="0" i="0" dirty="0">
+                <a:solidFill>
+                  <a:schemeClr val="tx1"/>
+                </a:solidFill>
+                <a:effectLst/>
+                <a:latin typeface="Trebuchet MS (Основной текст)"/>
+              </a:rPr>
+              <a:t> брошенных и </a:t>
+            </a:r>
+            <a:r>
+              <a:rPr lang="ru-RU" b="0" i="0" dirty="0" err="1">
+                <a:solidFill>
+                  <a:schemeClr val="tx1"/>
+                </a:solidFill>
+                <a:effectLst/>
+                <a:latin typeface="Trebuchet MS (Основной текст)"/>
+              </a:rPr>
+              <a:t>тп</a:t>
+            </a:r>
+            <a:r>
+              <a:rPr lang="ru-RU" dirty="0">
+                <a:solidFill>
+                  <a:schemeClr val="tx1"/>
+                </a:solidFill>
+                <a:latin typeface="Trebuchet MS (Основной текст)"/>
+              </a:rPr>
+              <a:t>. Фильмов</a:t>
+            </a:r>
+            <a:r>
+              <a:rPr lang="en-US" dirty="0">
+                <a:solidFill>
+                  <a:schemeClr val="tx1"/>
+                </a:solidFill>
+                <a:latin typeface="Trebuchet MS (Основной текст)"/>
+              </a:rPr>
+              <a:t>,</a:t>
+            </a:r>
+            <a:r>
+              <a:rPr lang="ru-RU" dirty="0">
+                <a:solidFill>
+                  <a:schemeClr val="tx1"/>
+                </a:solidFill>
+                <a:latin typeface="Trebuchet MS (Основной текст)"/>
+              </a:rPr>
+              <a:t> убираем их из системы рекомендаций</a:t>
+            </a:r>
+            <a:r>
+              <a:rPr lang="en-US" dirty="0">
+                <a:solidFill>
+                  <a:schemeClr val="tx1"/>
+                </a:solidFill>
+                <a:latin typeface="Trebuchet MS (Основной текст)"/>
+              </a:rPr>
+              <a:t>,</a:t>
+            </a:r>
+            <a:r>
+              <a:rPr lang="ru-RU" dirty="0">
+                <a:solidFill>
+                  <a:schemeClr val="tx1"/>
+                </a:solidFill>
+                <a:latin typeface="Trebuchet MS (Основной текст)"/>
+              </a:rPr>
+              <a:t> после чего идет </a:t>
+            </a:r>
+            <a:r>
+              <a:rPr lang="ru-RU" b="0" i="0" dirty="0">
+                <a:solidFill>
+                  <a:schemeClr val="tx1"/>
+                </a:solidFill>
+                <a:effectLst/>
+                <a:latin typeface="Trebuchet MS (Основной текст)"/>
+              </a:rPr>
+              <a:t>поиск фильмов с совпадающими жанрами и расчет оценки как суммы весов.</a:t>
+            </a:r>
+          </a:p>
+          <a:p>
+            <a:pPr algn="l">
+              <a:lnSpc>
+                <a:spcPct val="150000"/>
+              </a:lnSpc>
+              <a:buFont typeface="+mj-lt"/>
+              <a:buAutoNum type="arabicPeriod" startAt="4"/>
+            </a:pPr>
+            <a:r>
+              <a:rPr lang="ru-RU" b="1" i="0" dirty="0">
+                <a:solidFill>
+                  <a:schemeClr val="tx1"/>
+                </a:solidFill>
+                <a:effectLst/>
+                <a:latin typeface="Trebuchet MS (Основной текст)"/>
+              </a:rPr>
+              <a:t>Сортировка и выбор топ-20</a:t>
+            </a:r>
+            <a:r>
+              <a:rPr lang="ru-RU" b="0" i="0" dirty="0">
+                <a:solidFill>
+                  <a:schemeClr val="tx1"/>
+                </a:solidFill>
+                <a:effectLst/>
+                <a:latin typeface="Trebuchet MS (Основной текст)"/>
+              </a:rPr>
+              <a:t> — сортировка по убыванию оценки и выбор лучших рекомендаций.</a:t>
+            </a:r>
+          </a:p>
+          <a:p>
+            <a:pPr algn="l">
+              <a:lnSpc>
+                <a:spcPct val="150000"/>
+              </a:lnSpc>
+              <a:buFont typeface="+mj-lt"/>
+              <a:buAutoNum type="arabicPeriod" startAt="5"/>
+            </a:pPr>
+            <a:r>
+              <a:rPr lang="ru-RU" b="1" i="0" dirty="0">
+                <a:solidFill>
+                  <a:schemeClr val="tx1"/>
+                </a:solidFill>
+                <a:effectLst/>
+                <a:latin typeface="Trebuchet MS (Основной текст)"/>
+              </a:rPr>
+              <a:t>Нормализация выходной рекомендации</a:t>
+            </a:r>
+            <a:r>
+              <a:rPr lang="ru-RU" b="0" i="0" dirty="0">
+                <a:solidFill>
+                  <a:schemeClr val="tx1"/>
+                </a:solidFill>
+                <a:effectLst/>
+                <a:latin typeface="Trebuchet MS (Основной текст)"/>
+              </a:rPr>
+              <a:t> — преобразование оценки в процент (1.0→90%, 2.0→95%, 3.0→98%, далее до 99%) для более реалистичного отображения.</a:t>
+            </a:r>
+          </a:p>
+        </p:txBody>
+      </p:sp>
+    </p:spTree>
+    <p:extLst>
+      <p:ext uri="{BB962C8B-B14F-4D97-AF65-F5344CB8AC3E}">
+        <p14:creationId xmlns:p14="http://schemas.microsoft.com/office/powerpoint/2010/main" val="110393487"/>
       </p:ext>
     </p:extLst>
   </p:cSld>

--- a/Paperworks/Курсовой проект на тему «Онлайн фильмотека».pptx
+++ b/Paperworks/Курсовой проект на тему «Онлайн фильмотека».pptx
@@ -1,9 +1,12 @@
 
 <file path=ppt/presentation.xml><?xml version="1.0" encoding="utf-8"?>
-<p:presentation xmlns:a="http://schemas.openxmlformats.org/drawingml/2006/main" xmlns:r="http://schemas.openxmlformats.org/officeDocument/2006/relationships" xmlns:p="http://schemas.openxmlformats.org/presentationml/2006/main" autoCompressPictures="0">
+<p:presentation xmlns:a="http://schemas.openxmlformats.org/drawingml/2006/main" xmlns:r="http://schemas.openxmlformats.org/officeDocument/2006/relationships" xmlns:p="http://schemas.openxmlformats.org/presentationml/2006/main" showSpecialPlsOnTitleSld="0" autoCompressPictures="0">
   <p:sldMasterIdLst>
     <p:sldMasterId id="2147483648" r:id="rId1"/>
   </p:sldMasterIdLst>
+  <p:notesMasterIdLst>
+    <p:notesMasterId r:id="rId19"/>
+  </p:notesMasterIdLst>
   <p:sldIdLst>
     <p:sldId id="256" r:id="rId2"/>
     <p:sldId id="258" r:id="rId3"/>
@@ -20,7 +23,8 @@
     <p:sldId id="269" r:id="rId14"/>
     <p:sldId id="270" r:id="rId15"/>
     <p:sldId id="272" r:id="rId16"/>
-    <p:sldId id="271" r:id="rId17"/>
+    <p:sldId id="273" r:id="rId17"/>
+    <p:sldId id="271" r:id="rId18"/>
   </p:sldIdLst>
   <p:sldSz cx="12192000" cy="6858000"/>
   <p:notesSz cx="6858000" cy="9144000"/>
@@ -597,6 +601,355 @@
 </pc:chgInfo>
 </file>
 
+<file path=ppt/notesMasters/notesMaster1.xml><?xml version="1.0" encoding="utf-8"?>
+<p:notesMaster xmlns:a="http://schemas.openxmlformats.org/drawingml/2006/main" xmlns:r="http://schemas.openxmlformats.org/officeDocument/2006/relationships" xmlns:p="http://schemas.openxmlformats.org/presentationml/2006/main">
+  <p:cSld>
+    <p:bg>
+      <p:bgRef idx="1001">
+        <a:schemeClr val="bg1"/>
+      </p:bgRef>
+    </p:bg>
+    <p:spTree>
+      <p:nvGrpSpPr>
+        <p:cNvPr id="1" name=""/>
+        <p:cNvGrpSpPr/>
+        <p:nvPr/>
+      </p:nvGrpSpPr>
+      <p:grpSpPr>
+        <a:xfrm>
+          <a:off x="0" y="0"/>
+          <a:ext cx="0" cy="0"/>
+          <a:chOff x="0" y="0"/>
+          <a:chExt cx="0" cy="0"/>
+        </a:xfrm>
+      </p:grpSpPr>
+      <p:sp>
+        <p:nvSpPr>
+          <p:cNvPr id="2" name="Верхний колонтитул 1"/>
+          <p:cNvSpPr>
+            <a:spLocks noGrp="1"/>
+          </p:cNvSpPr>
+          <p:nvPr>
+            <p:ph type="hdr" sz="quarter"/>
+          </p:nvPr>
+        </p:nvSpPr>
+        <p:spPr>
+          <a:xfrm>
+            <a:off x="0" y="0"/>
+            <a:ext cx="2971800" cy="458788"/>
+          </a:xfrm>
+          <a:prstGeom prst="rect">
+            <a:avLst/>
+          </a:prstGeom>
+        </p:spPr>
+        <p:txBody>
+          <a:bodyPr vert="horz" lIns="91440" tIns="45720" rIns="91440" bIns="45720" rtlCol="0"/>
+          <a:lstStyle>
+            <a:lvl1pPr algn="l">
+              <a:defRPr sz="1200"/>
+            </a:lvl1pPr>
+          </a:lstStyle>
+          <a:p>
+            <a:endParaRPr lang="ru-RU"/>
+          </a:p>
+        </p:txBody>
+      </p:sp>
+      <p:sp>
+        <p:nvSpPr>
+          <p:cNvPr id="3" name="Дата 2"/>
+          <p:cNvSpPr>
+            <a:spLocks noGrp="1"/>
+          </p:cNvSpPr>
+          <p:nvPr>
+            <p:ph type="dt" idx="1"/>
+          </p:nvPr>
+        </p:nvSpPr>
+        <p:spPr>
+          <a:xfrm>
+            <a:off x="3884613" y="0"/>
+            <a:ext cx="2971800" cy="458788"/>
+          </a:xfrm>
+          <a:prstGeom prst="rect">
+            <a:avLst/>
+          </a:prstGeom>
+        </p:spPr>
+        <p:txBody>
+          <a:bodyPr vert="horz" lIns="91440" tIns="45720" rIns="91440" bIns="45720" rtlCol="0"/>
+          <a:lstStyle>
+            <a:lvl1pPr algn="r">
+              <a:defRPr sz="1200"/>
+            </a:lvl1pPr>
+          </a:lstStyle>
+          <a:p>
+            <a:fld id="{A78150D4-9FCD-4FC5-AA87-329B5193CD3D}" type="datetimeFigureOut">
+              <a:rPr lang="ru-RU" smtClean="0"/>
+              <a:t>11.12.2025</a:t>
+            </a:fld>
+            <a:endParaRPr lang="ru-RU"/>
+          </a:p>
+        </p:txBody>
+      </p:sp>
+      <p:sp>
+        <p:nvSpPr>
+          <p:cNvPr id="4" name="Образ слайда 3"/>
+          <p:cNvSpPr>
+            <a:spLocks noGrp="1" noRot="1" noChangeAspect="1"/>
+          </p:cNvSpPr>
+          <p:nvPr>
+            <p:ph type="sldImg" idx="2"/>
+          </p:nvPr>
+        </p:nvSpPr>
+        <p:spPr>
+          <a:xfrm>
+            <a:off x="685800" y="1143000"/>
+            <a:ext cx="5486400" cy="3086100"/>
+          </a:xfrm>
+          <a:prstGeom prst="rect">
+            <a:avLst/>
+          </a:prstGeom>
+          <a:noFill/>
+          <a:ln w="12700">
+            <a:solidFill>
+              <a:prstClr val="black"/>
+            </a:solidFill>
+          </a:ln>
+        </p:spPr>
+        <p:txBody>
+          <a:bodyPr vert="horz" lIns="91440" tIns="45720" rIns="91440" bIns="45720" rtlCol="0" anchor="ctr"/>
+          <a:lstStyle/>
+          <a:p>
+            <a:endParaRPr lang="ru-RU"/>
+          </a:p>
+        </p:txBody>
+      </p:sp>
+      <p:sp>
+        <p:nvSpPr>
+          <p:cNvPr id="5" name="Заметки 4"/>
+          <p:cNvSpPr>
+            <a:spLocks noGrp="1"/>
+          </p:cNvSpPr>
+          <p:nvPr>
+            <p:ph type="body" sz="quarter" idx="3"/>
+          </p:nvPr>
+        </p:nvSpPr>
+        <p:spPr>
+          <a:xfrm>
+            <a:off x="685800" y="4400550"/>
+            <a:ext cx="5486400" cy="3600450"/>
+          </a:xfrm>
+          <a:prstGeom prst="rect">
+            <a:avLst/>
+          </a:prstGeom>
+        </p:spPr>
+        <p:txBody>
+          <a:bodyPr vert="horz" lIns="91440" tIns="45720" rIns="91440" bIns="45720" rtlCol="0"/>
+          <a:lstStyle/>
+          <a:p>
+            <a:pPr lvl="0"/>
+            <a:r>
+              <a:rPr lang="ru-RU"/>
+              <a:t>Образец текста</a:t>
+            </a:r>
+          </a:p>
+          <a:p>
+            <a:pPr lvl="1"/>
+            <a:r>
+              <a:rPr lang="ru-RU"/>
+              <a:t>Второй уровень</a:t>
+            </a:r>
+          </a:p>
+          <a:p>
+            <a:pPr lvl="2"/>
+            <a:r>
+              <a:rPr lang="ru-RU"/>
+              <a:t>Третий уровень</a:t>
+            </a:r>
+          </a:p>
+          <a:p>
+            <a:pPr lvl="3"/>
+            <a:r>
+              <a:rPr lang="ru-RU"/>
+              <a:t>Четвертый уровень</a:t>
+            </a:r>
+          </a:p>
+          <a:p>
+            <a:pPr lvl="4"/>
+            <a:r>
+              <a:rPr lang="ru-RU"/>
+              <a:t>Пятый уровень</a:t>
+            </a:r>
+          </a:p>
+        </p:txBody>
+      </p:sp>
+      <p:sp>
+        <p:nvSpPr>
+          <p:cNvPr id="6" name="Нижний колонтитул 5"/>
+          <p:cNvSpPr>
+            <a:spLocks noGrp="1"/>
+          </p:cNvSpPr>
+          <p:nvPr>
+            <p:ph type="ftr" sz="quarter" idx="4"/>
+          </p:nvPr>
+        </p:nvSpPr>
+        <p:spPr>
+          <a:xfrm>
+            <a:off x="0" y="8685213"/>
+            <a:ext cx="2971800" cy="458787"/>
+          </a:xfrm>
+          <a:prstGeom prst="rect">
+            <a:avLst/>
+          </a:prstGeom>
+        </p:spPr>
+        <p:txBody>
+          <a:bodyPr vert="horz" lIns="91440" tIns="45720" rIns="91440" bIns="45720" rtlCol="0" anchor="b"/>
+          <a:lstStyle>
+            <a:lvl1pPr algn="l">
+              <a:defRPr sz="1200"/>
+            </a:lvl1pPr>
+          </a:lstStyle>
+          <a:p>
+            <a:endParaRPr lang="ru-RU"/>
+          </a:p>
+        </p:txBody>
+      </p:sp>
+      <p:sp>
+        <p:nvSpPr>
+          <p:cNvPr id="7" name="Номер слайда 6"/>
+          <p:cNvSpPr>
+            <a:spLocks noGrp="1"/>
+          </p:cNvSpPr>
+          <p:nvPr>
+            <p:ph type="sldNum" sz="quarter" idx="5"/>
+          </p:nvPr>
+        </p:nvSpPr>
+        <p:spPr>
+          <a:xfrm>
+            <a:off x="3884613" y="8685213"/>
+            <a:ext cx="2971800" cy="458787"/>
+          </a:xfrm>
+          <a:prstGeom prst="rect">
+            <a:avLst/>
+          </a:prstGeom>
+        </p:spPr>
+        <p:txBody>
+          <a:bodyPr vert="horz" lIns="91440" tIns="45720" rIns="91440" bIns="45720" rtlCol="0" anchor="b"/>
+          <a:lstStyle>
+            <a:lvl1pPr algn="r">
+              <a:defRPr sz="1200"/>
+            </a:lvl1pPr>
+          </a:lstStyle>
+          <a:p>
+            <a:fld id="{FC2045D2-9A77-48F6-8F79-52E28E76F71B}" type="slidenum">
+              <a:rPr lang="ru-RU" smtClean="0"/>
+              <a:t>‹#›</a:t>
+            </a:fld>
+            <a:endParaRPr lang="ru-RU"/>
+          </a:p>
+        </p:txBody>
+      </p:sp>
+    </p:spTree>
+    <p:extLst>
+      <p:ext uri="{BB962C8B-B14F-4D97-AF65-F5344CB8AC3E}">
+        <p14:creationId xmlns:p14="http://schemas.microsoft.com/office/powerpoint/2010/main" val="3636848857"/>
+      </p:ext>
+    </p:extLst>
+  </p:cSld>
+  <p:clrMap bg1="lt1" tx1="dk1" bg2="lt2" tx2="dk2" accent1="accent1" accent2="accent2" accent3="accent3" accent4="accent4" accent5="accent5" accent6="accent6" hlink="hlink" folHlink="folHlink"/>
+  <p:notesStyle>
+    <a:lvl1pPr marL="0" algn="l" defTabSz="914400" rtl="0" eaLnBrk="1" latinLnBrk="0" hangingPunct="1">
+      <a:defRPr sz="1200" kern="1200">
+        <a:solidFill>
+          <a:schemeClr val="tx1"/>
+        </a:solidFill>
+        <a:latin typeface="+mn-lt"/>
+        <a:ea typeface="+mn-ea"/>
+        <a:cs typeface="+mn-cs"/>
+      </a:defRPr>
+    </a:lvl1pPr>
+    <a:lvl2pPr marL="457200" algn="l" defTabSz="914400" rtl="0" eaLnBrk="1" latinLnBrk="0" hangingPunct="1">
+      <a:defRPr sz="1200" kern="1200">
+        <a:solidFill>
+          <a:schemeClr val="tx1"/>
+        </a:solidFill>
+        <a:latin typeface="+mn-lt"/>
+        <a:ea typeface="+mn-ea"/>
+        <a:cs typeface="+mn-cs"/>
+      </a:defRPr>
+    </a:lvl2pPr>
+    <a:lvl3pPr marL="914400" algn="l" defTabSz="914400" rtl="0" eaLnBrk="1" latinLnBrk="0" hangingPunct="1">
+      <a:defRPr sz="1200" kern="1200">
+        <a:solidFill>
+          <a:schemeClr val="tx1"/>
+        </a:solidFill>
+        <a:latin typeface="+mn-lt"/>
+        <a:ea typeface="+mn-ea"/>
+        <a:cs typeface="+mn-cs"/>
+      </a:defRPr>
+    </a:lvl3pPr>
+    <a:lvl4pPr marL="1371600" algn="l" defTabSz="914400" rtl="0" eaLnBrk="1" latinLnBrk="0" hangingPunct="1">
+      <a:defRPr sz="1200" kern="1200">
+        <a:solidFill>
+          <a:schemeClr val="tx1"/>
+        </a:solidFill>
+        <a:latin typeface="+mn-lt"/>
+        <a:ea typeface="+mn-ea"/>
+        <a:cs typeface="+mn-cs"/>
+      </a:defRPr>
+    </a:lvl4pPr>
+    <a:lvl5pPr marL="1828800" algn="l" defTabSz="914400" rtl="0" eaLnBrk="1" latinLnBrk="0" hangingPunct="1">
+      <a:defRPr sz="1200" kern="1200">
+        <a:solidFill>
+          <a:schemeClr val="tx1"/>
+        </a:solidFill>
+        <a:latin typeface="+mn-lt"/>
+        <a:ea typeface="+mn-ea"/>
+        <a:cs typeface="+mn-cs"/>
+      </a:defRPr>
+    </a:lvl5pPr>
+    <a:lvl6pPr marL="2286000" algn="l" defTabSz="914400" rtl="0" eaLnBrk="1" latinLnBrk="0" hangingPunct="1">
+      <a:defRPr sz="1200" kern="1200">
+        <a:solidFill>
+          <a:schemeClr val="tx1"/>
+        </a:solidFill>
+        <a:latin typeface="+mn-lt"/>
+        <a:ea typeface="+mn-ea"/>
+        <a:cs typeface="+mn-cs"/>
+      </a:defRPr>
+    </a:lvl6pPr>
+    <a:lvl7pPr marL="2743200" algn="l" defTabSz="914400" rtl="0" eaLnBrk="1" latinLnBrk="0" hangingPunct="1">
+      <a:defRPr sz="1200" kern="1200">
+        <a:solidFill>
+          <a:schemeClr val="tx1"/>
+        </a:solidFill>
+        <a:latin typeface="+mn-lt"/>
+        <a:ea typeface="+mn-ea"/>
+        <a:cs typeface="+mn-cs"/>
+      </a:defRPr>
+    </a:lvl7pPr>
+    <a:lvl8pPr marL="3200400" algn="l" defTabSz="914400" rtl="0" eaLnBrk="1" latinLnBrk="0" hangingPunct="1">
+      <a:defRPr sz="1200" kern="1200">
+        <a:solidFill>
+          <a:schemeClr val="tx1"/>
+        </a:solidFill>
+        <a:latin typeface="+mn-lt"/>
+        <a:ea typeface="+mn-ea"/>
+        <a:cs typeface="+mn-cs"/>
+      </a:defRPr>
+    </a:lvl8pPr>
+    <a:lvl9pPr marL="3657600" algn="l" defTabSz="914400" rtl="0" eaLnBrk="1" latinLnBrk="0" hangingPunct="1">
+      <a:defRPr sz="1200" kern="1200">
+        <a:solidFill>
+          <a:schemeClr val="tx1"/>
+        </a:solidFill>
+        <a:latin typeface="+mn-lt"/>
+        <a:ea typeface="+mn-ea"/>
+        <a:cs typeface="+mn-cs"/>
+      </a:defRPr>
+    </a:lvl9pPr>
+  </p:notesStyle>
+</p:notesMaster>
+</file>
+
 <file path=ppt/slideLayouts/slideLayout1.xml><?xml version="1.0" encoding="utf-8"?>
 <p:sldLayout xmlns:a="http://schemas.openxmlformats.org/drawingml/2006/main" xmlns:r="http://schemas.openxmlformats.org/officeDocument/2006/relationships" xmlns:p="http://schemas.openxmlformats.org/presentationml/2006/main" showMasterSp="0" type="title" preserve="1">
   <p:cSld name="Титульный слайд">
@@ -1317,10 +1670,9 @@
           <a:bodyPr/>
           <a:lstStyle/>
           <a:p>
-            <a:fld id="{B61BEF0D-F0BB-DE4B-95CE-6DB70DBA9567}" type="datetimeFigureOut">
-              <a:rPr lang="en-US" dirty="0"/>
-              <a:pPr/>
-              <a:t>12/10/2025</a:t>
+            <a:fld id="{EA98B94B-F3D2-4516-9840-90E5FF7F04B0}" type="datetime1">
+              <a:rPr lang="en-US" smtClean="0"/>
+              <a:t>12/11/2025</a:t>
             </a:fld>
             <a:endParaRPr lang="en-US" dirty="0"/>
           </a:p>
@@ -1565,10 +1917,9 @@
           <a:bodyPr/>
           <a:lstStyle/>
           <a:p>
-            <a:fld id="{B61BEF0D-F0BB-DE4B-95CE-6DB70DBA9567}" type="datetimeFigureOut">
-              <a:rPr lang="en-US" dirty="0"/>
-              <a:pPr/>
-              <a:t>12/10/2025</a:t>
+            <a:fld id="{EB3ED679-ADE9-4262-9FEA-30CB6023196F}" type="datetime1">
+              <a:rPr lang="en-US" smtClean="0"/>
+              <a:t>12/11/2025</a:t>
             </a:fld>
             <a:endParaRPr lang="en-US" dirty="0"/>
           </a:p>
@@ -1876,10 +2227,9 @@
           <a:bodyPr/>
           <a:lstStyle/>
           <a:p>
-            <a:fld id="{B61BEF0D-F0BB-DE4B-95CE-6DB70DBA9567}" type="datetimeFigureOut">
-              <a:rPr lang="en-US" dirty="0"/>
-              <a:pPr/>
-              <a:t>12/10/2025</a:t>
+            <a:fld id="{E350F9AC-8269-4BC9-8FD5-759F2A43DDE7}" type="datetime1">
+              <a:rPr lang="en-US" smtClean="0"/>
+              <a:t>12/11/2025</a:t>
             </a:fld>
             <a:endParaRPr lang="en-US" dirty="0"/>
           </a:p>
@@ -2214,10 +2564,9 @@
           <a:bodyPr/>
           <a:lstStyle/>
           <a:p>
-            <a:fld id="{B61BEF0D-F0BB-DE4B-95CE-6DB70DBA9567}" type="datetimeFigureOut">
-              <a:rPr lang="en-US" dirty="0"/>
-              <a:pPr/>
-              <a:t>12/10/2025</a:t>
+            <a:fld id="{E7DC5148-3CC8-4CE0-A35F-067ED596AED4}" type="datetime1">
+              <a:rPr lang="en-US" smtClean="0"/>
+              <a:t>12/11/2025</a:t>
             </a:fld>
             <a:endParaRPr lang="en-US" dirty="0"/>
           </a:p>
@@ -2525,10 +2874,9 @@
           <a:bodyPr/>
           <a:lstStyle/>
           <a:p>
-            <a:fld id="{B61BEF0D-F0BB-DE4B-95CE-6DB70DBA9567}" type="datetimeFigureOut">
-              <a:rPr lang="en-US" dirty="0"/>
-              <a:pPr/>
-              <a:t>12/10/2025</a:t>
+            <a:fld id="{E8B95F82-EC8C-4C81-9B8E-9DDF87DC6FE0}" type="datetime1">
+              <a:rPr lang="en-US" smtClean="0"/>
+              <a:t>12/11/2025</a:t>
             </a:fld>
             <a:endParaRPr lang="en-US" dirty="0"/>
           </a:p>
@@ -2915,10 +3263,9 @@
           <a:bodyPr/>
           <a:lstStyle/>
           <a:p>
-            <a:fld id="{B61BEF0D-F0BB-DE4B-95CE-6DB70DBA9567}" type="datetimeFigureOut">
-              <a:rPr lang="en-US" dirty="0"/>
-              <a:pPr/>
-              <a:t>12/10/2025</a:t>
+            <a:fld id="{64722517-38A8-46E4-A8ED-021741D48D51}" type="datetime1">
+              <a:rPr lang="en-US" smtClean="0"/>
+              <a:t>12/11/2025</a:t>
             </a:fld>
             <a:endParaRPr lang="en-US" dirty="0"/>
           </a:p>
@@ -3082,9 +3429,9 @@
           <a:bodyPr/>
           <a:lstStyle/>
           <a:p>
-            <a:fld id="{55C6B4A9-1611-4792-9094-5F34BCA07E0B}" type="datetimeFigureOut">
-              <a:rPr lang="en-US" dirty="0"/>
-              <a:t>12/10/2025</a:t>
+            <a:fld id="{5C3A0D51-3578-4410-A5CB-3701E38D1E40}" type="datetime1">
+              <a:rPr lang="en-US" smtClean="0"/>
+              <a:t>12/11/2025</a:t>
             </a:fld>
             <a:endParaRPr lang="en-US" dirty="0"/>
           </a:p>
@@ -3257,10 +3604,9 @@
           <a:bodyPr/>
           <a:lstStyle/>
           <a:p>
-            <a:fld id="{B61BEF0D-F0BB-DE4B-95CE-6DB70DBA9567}" type="datetimeFigureOut">
-              <a:rPr lang="en-US" dirty="0"/>
-              <a:pPr/>
-              <a:t>12/10/2025</a:t>
+            <a:fld id="{A22B7452-15C3-42D6-9184-46BFDDADBAA4}" type="datetime1">
+              <a:rPr lang="en-US" smtClean="0"/>
+              <a:t>12/11/2025</a:t>
             </a:fld>
             <a:endParaRPr lang="en-US" dirty="0"/>
           </a:p>
@@ -3430,10 +3776,9 @@
           <a:bodyPr/>
           <a:lstStyle/>
           <a:p>
-            <a:fld id="{B61BEF0D-F0BB-DE4B-95CE-6DB70DBA9567}" type="datetimeFigureOut">
-              <a:rPr lang="en-US" dirty="0"/>
-              <a:pPr/>
-              <a:t>12/10/2025</a:t>
+            <a:fld id="{221F9CD5-99D4-441A-BF8F-05F5F678F504}" type="datetime1">
+              <a:rPr lang="en-US" smtClean="0"/>
+              <a:t>12/11/2025</a:t>
             </a:fld>
             <a:endParaRPr lang="en-US" dirty="0"/>
           </a:p>
@@ -3674,10 +4019,9 @@
           <a:bodyPr/>
           <a:lstStyle/>
           <a:p>
-            <a:fld id="{B61BEF0D-F0BB-DE4B-95CE-6DB70DBA9567}" type="datetimeFigureOut">
-              <a:rPr lang="en-US" dirty="0"/>
-              <a:pPr/>
-              <a:t>12/10/2025</a:t>
+            <a:fld id="{95D2F825-36E7-409C-A86A-77D726B81562}" type="datetime1">
+              <a:rPr lang="en-US" smtClean="0"/>
+              <a:t>12/11/2025</a:t>
             </a:fld>
             <a:endParaRPr lang="en-US" dirty="0"/>
           </a:p>
@@ -3903,9 +4247,9 @@
           <a:bodyPr/>
           <a:lstStyle/>
           <a:p>
-            <a:fld id="{EB712588-04B1-427B-82EE-E8DB90309F08}" type="datetimeFigureOut">
-              <a:rPr lang="en-US" dirty="0"/>
-              <a:t>12/10/2025</a:t>
+            <a:fld id="{87F794B1-921F-4489-AC39-E71FB6588B99}" type="datetime1">
+              <a:rPr lang="en-US" smtClean="0"/>
+              <a:t>12/11/2025</a:t>
             </a:fld>
             <a:endParaRPr lang="en-US" dirty="0"/>
           </a:p>
@@ -4272,10 +4616,9 @@
           <a:bodyPr/>
           <a:lstStyle/>
           <a:p>
-            <a:fld id="{B61BEF0D-F0BB-DE4B-95CE-6DB70DBA9567}" type="datetimeFigureOut">
-              <a:rPr lang="en-US" dirty="0"/>
-              <a:pPr/>
-              <a:t>12/10/2025</a:t>
+            <a:fld id="{07BF343C-8758-45A5-9100-B72BA9CAF34D}" type="datetime1">
+              <a:rPr lang="en-US" smtClean="0"/>
+              <a:t>12/11/2025</a:t>
             </a:fld>
             <a:endParaRPr lang="en-US" dirty="0"/>
           </a:p>
@@ -4392,10 +4735,9 @@
           <a:bodyPr/>
           <a:lstStyle/>
           <a:p>
-            <a:fld id="{B61BEF0D-F0BB-DE4B-95CE-6DB70DBA9567}" type="datetimeFigureOut">
-              <a:rPr lang="en-US" dirty="0"/>
-              <a:pPr/>
-              <a:t>12/10/2025</a:t>
+            <a:fld id="{4A1D2734-E24F-4783-A950-E2D41AE4088F}" type="datetime1">
+              <a:rPr lang="en-US" smtClean="0"/>
+              <a:t>12/11/2025</a:t>
             </a:fld>
             <a:endParaRPr lang="en-US" dirty="0"/>
           </a:p>
@@ -4484,10 +4826,9 @@
           <a:bodyPr/>
           <a:lstStyle/>
           <a:p>
-            <a:fld id="{B61BEF0D-F0BB-DE4B-95CE-6DB70DBA9567}" type="datetimeFigureOut">
-              <a:rPr lang="en-US" dirty="0"/>
-              <a:pPr/>
-              <a:t>12/10/2025</a:t>
+            <a:fld id="{BE6FF859-9D52-4997-93C6-8AFF6AE82D6F}" type="datetime1">
+              <a:rPr lang="en-US" smtClean="0"/>
+              <a:t>12/11/2025</a:t>
             </a:fld>
             <a:endParaRPr lang="en-US" dirty="0"/>
           </a:p>
@@ -4736,9 +5077,9 @@
           <a:bodyPr/>
           <a:lstStyle/>
           <a:p>
-            <a:fld id="{42A54C80-263E-416B-A8E0-580EDEADCBDC}" type="datetimeFigureOut">
-              <a:rPr lang="en-US" dirty="0"/>
-              <a:t>12/10/2025</a:t>
+            <a:fld id="{7DC56F93-A3C8-48A1-9C4F-1DFE702DBDDE}" type="datetime1">
+              <a:rPr lang="en-US" smtClean="0"/>
+              <a:t>12/11/2025</a:t>
             </a:fld>
             <a:endParaRPr lang="en-US" dirty="0"/>
           </a:p>
@@ -4994,10 +5335,9 @@
           <a:bodyPr/>
           <a:lstStyle/>
           <a:p>
-            <a:fld id="{B61BEF0D-F0BB-DE4B-95CE-6DB70DBA9567}" type="datetimeFigureOut">
-              <a:rPr lang="en-US" dirty="0"/>
-              <a:pPr/>
-              <a:t>12/10/2025</a:t>
+            <a:fld id="{C2A30A6E-612F-41E7-87BB-5E9A7CD88502}" type="datetime1">
+              <a:rPr lang="en-US" smtClean="0"/>
+              <a:t>12/11/2025</a:t>
             </a:fld>
             <a:endParaRPr lang="en-US" dirty="0"/>
           </a:p>
@@ -5734,10 +6074,9 @@
             </a:lvl1pPr>
           </a:lstStyle>
           <a:p>
-            <a:fld id="{B61BEF0D-F0BB-DE4B-95CE-6DB70DBA9567}" type="datetimeFigureOut">
-              <a:rPr lang="en-US" dirty="0"/>
-              <a:pPr/>
-              <a:t>12/10/2025</a:t>
+            <a:fld id="{3AF4B0FE-E9E8-4BEA-A714-28B136199D4F}" type="datetime1">
+              <a:rPr lang="en-US" smtClean="0"/>
+              <a:t>12/11/2025</a:t>
             </a:fld>
             <a:endParaRPr lang="en-US" dirty="0"/>
           </a:p>
@@ -5841,6 +6180,7 @@
     <p:sldLayoutId id="2147483667" r:id="rId15"/>
     <p:sldLayoutId id="2147483659" r:id="rId16"/>
   </p:sldLayoutIdLst>
+  <p:hf hdr="0" ftr="0" dt="0"/>
   <p:txStyles>
     <p:titleStyle>
       <a:lvl1pPr algn="l" defTabSz="457200" rtl="0" eaLnBrk="1" latinLnBrk="0" hangingPunct="1">
@@ -6441,6 +6781,44 @@
           </a:p>
         </p:txBody>
       </p:sp>
+      <p:sp>
+        <p:nvSpPr>
+          <p:cNvPr id="3" name="Номер слайда 2">
+            <a:extLst>
+              <a:ext uri="{FF2B5EF4-FFF2-40B4-BE49-F238E27FC236}">
+                <a16:creationId xmlns:a16="http://schemas.microsoft.com/office/drawing/2014/main" id="{8338E716-4FD8-EFF6-3B74-2638A55E87D6}"/>
+              </a:ext>
+            </a:extLst>
+          </p:cNvPr>
+          <p:cNvSpPr>
+            <a:spLocks noGrp="1"/>
+          </p:cNvSpPr>
+          <p:nvPr>
+            <p:ph type="sldNum" sz="quarter" idx="12"/>
+          </p:nvPr>
+        </p:nvSpPr>
+        <p:spPr/>
+        <p:txBody>
+          <a:bodyPr/>
+          <a:lstStyle/>
+          <a:p>
+            <a:fld id="{D57F1E4F-1CFF-5643-939E-217C01CDF565}" type="slidenum">
+              <a:rPr lang="en-US" sz="1800" smtClean="0">
+                <a:solidFill>
+                  <a:schemeClr val="tx1"/>
+                </a:solidFill>
+              </a:rPr>
+              <a:pPr/>
+              <a:t>10</a:t>
+            </a:fld>
+            <a:endParaRPr lang="en-US" sz="1800" dirty="0">
+              <a:solidFill>
+                <a:schemeClr val="tx1"/>
+              </a:solidFill>
+            </a:endParaRPr>
+          </a:p>
+        </p:txBody>
+      </p:sp>
     </p:spTree>
     <p:extLst>
       <p:ext uri="{BB962C8B-B14F-4D97-AF65-F5344CB8AC3E}">
@@ -6561,6 +6939,49 @@
           </a:prstGeom>
         </p:spPr>
       </p:pic>
+      <p:sp>
+        <p:nvSpPr>
+          <p:cNvPr id="4" name="Номер слайда 3">
+            <a:extLst>
+              <a:ext uri="{FF2B5EF4-FFF2-40B4-BE49-F238E27FC236}">
+                <a16:creationId xmlns:a16="http://schemas.microsoft.com/office/drawing/2014/main" id="{725883DB-CC56-16A8-F18B-4139122CB7EB}"/>
+              </a:ext>
+            </a:extLst>
+          </p:cNvPr>
+          <p:cNvSpPr>
+            <a:spLocks noGrp="1"/>
+          </p:cNvSpPr>
+          <p:nvPr>
+            <p:ph type="sldNum" sz="quarter" idx="12"/>
+          </p:nvPr>
+        </p:nvSpPr>
+        <p:spPr>
+          <a:xfrm>
+            <a:off x="585653" y="6073446"/>
+            <a:ext cx="683339" cy="365125"/>
+          </a:xfrm>
+        </p:spPr>
+        <p:txBody>
+          <a:bodyPr/>
+          <a:lstStyle/>
+          <a:p>
+            <a:fld id="{D57F1E4F-1CFF-5643-939E-217C01CDF565}" type="slidenum">
+              <a:rPr lang="en-US" sz="1800" smtClean="0">
+                <a:solidFill>
+                  <a:schemeClr val="tx1"/>
+                </a:solidFill>
+              </a:rPr>
+              <a:pPr/>
+              <a:t>11</a:t>
+            </a:fld>
+            <a:endParaRPr lang="en-US" sz="1800" dirty="0">
+              <a:solidFill>
+                <a:schemeClr val="tx1"/>
+              </a:solidFill>
+            </a:endParaRPr>
+          </a:p>
+        </p:txBody>
+      </p:sp>
     </p:spTree>
     <p:extLst>
       <p:ext uri="{BB962C8B-B14F-4D97-AF65-F5344CB8AC3E}">
@@ -6868,6 +7289,49 @@
           </a:p>
         </p:txBody>
       </p:sp>
+      <p:sp>
+        <p:nvSpPr>
+          <p:cNvPr id="3" name="Номер слайда 2">
+            <a:extLst>
+              <a:ext uri="{FF2B5EF4-FFF2-40B4-BE49-F238E27FC236}">
+                <a16:creationId xmlns:a16="http://schemas.microsoft.com/office/drawing/2014/main" id="{CF677AF6-7038-6F59-F262-6E075C2BE51B}"/>
+              </a:ext>
+            </a:extLst>
+          </p:cNvPr>
+          <p:cNvSpPr>
+            <a:spLocks noGrp="1"/>
+          </p:cNvSpPr>
+          <p:nvPr>
+            <p:ph type="sldNum" sz="quarter" idx="12"/>
+          </p:nvPr>
+        </p:nvSpPr>
+        <p:spPr>
+          <a:xfrm>
+            <a:off x="10543032" y="6041362"/>
+            <a:ext cx="683339" cy="365125"/>
+          </a:xfrm>
+        </p:spPr>
+        <p:txBody>
+          <a:bodyPr/>
+          <a:lstStyle/>
+          <a:p>
+            <a:fld id="{D57F1E4F-1CFF-5643-939E-217C01CDF565}" type="slidenum">
+              <a:rPr lang="en-US" sz="1800" smtClean="0">
+                <a:solidFill>
+                  <a:schemeClr val="tx1"/>
+                </a:solidFill>
+              </a:rPr>
+              <a:pPr/>
+              <a:t>12</a:t>
+            </a:fld>
+            <a:endParaRPr lang="en-US" sz="1800" dirty="0">
+              <a:solidFill>
+                <a:schemeClr val="tx1"/>
+              </a:solidFill>
+            </a:endParaRPr>
+          </a:p>
+        </p:txBody>
+      </p:sp>
     </p:spTree>
     <p:extLst>
       <p:ext uri="{BB962C8B-B14F-4D97-AF65-F5344CB8AC3E}">
@@ -6996,6 +7460,44 @@
           </a:prstGeom>
         </p:spPr>
       </p:pic>
+      <p:sp>
+        <p:nvSpPr>
+          <p:cNvPr id="3" name="Номер слайда 2">
+            <a:extLst>
+              <a:ext uri="{FF2B5EF4-FFF2-40B4-BE49-F238E27FC236}">
+                <a16:creationId xmlns:a16="http://schemas.microsoft.com/office/drawing/2014/main" id="{21FFE80C-6D71-D2B5-8166-115F17ACC212}"/>
+              </a:ext>
+            </a:extLst>
+          </p:cNvPr>
+          <p:cNvSpPr>
+            <a:spLocks noGrp="1"/>
+          </p:cNvSpPr>
+          <p:nvPr>
+            <p:ph type="sldNum" sz="quarter" idx="12"/>
+          </p:nvPr>
+        </p:nvSpPr>
+        <p:spPr/>
+        <p:txBody>
+          <a:bodyPr/>
+          <a:lstStyle/>
+          <a:p>
+            <a:fld id="{D57F1E4F-1CFF-5643-939E-217C01CDF565}" type="slidenum">
+              <a:rPr lang="en-US" sz="1800" smtClean="0">
+                <a:solidFill>
+                  <a:schemeClr val="tx1"/>
+                </a:solidFill>
+              </a:rPr>
+              <a:pPr/>
+              <a:t>13</a:t>
+            </a:fld>
+            <a:endParaRPr lang="en-US" sz="1800" dirty="0">
+              <a:solidFill>
+                <a:schemeClr val="tx1"/>
+              </a:solidFill>
+            </a:endParaRPr>
+          </a:p>
+        </p:txBody>
+      </p:sp>
     </p:spTree>
     <p:extLst>
       <p:ext uri="{BB962C8B-B14F-4D97-AF65-F5344CB8AC3E}">
@@ -7116,6 +7618,44 @@
           </a:prstGeom>
         </p:spPr>
       </p:pic>
+      <p:sp>
+        <p:nvSpPr>
+          <p:cNvPr id="3" name="Номер слайда 2">
+            <a:extLst>
+              <a:ext uri="{FF2B5EF4-FFF2-40B4-BE49-F238E27FC236}">
+                <a16:creationId xmlns:a16="http://schemas.microsoft.com/office/drawing/2014/main" id="{CC244C6F-4A54-BD97-176B-1EFC4DDECD94}"/>
+              </a:ext>
+            </a:extLst>
+          </p:cNvPr>
+          <p:cNvSpPr>
+            <a:spLocks noGrp="1"/>
+          </p:cNvSpPr>
+          <p:nvPr>
+            <p:ph type="sldNum" sz="quarter" idx="12"/>
+          </p:nvPr>
+        </p:nvSpPr>
+        <p:spPr/>
+        <p:txBody>
+          <a:bodyPr/>
+          <a:lstStyle/>
+          <a:p>
+            <a:fld id="{D57F1E4F-1CFF-5643-939E-217C01CDF565}" type="slidenum">
+              <a:rPr lang="en-US" sz="1800" smtClean="0">
+                <a:solidFill>
+                  <a:schemeClr val="tx1"/>
+                </a:solidFill>
+              </a:rPr>
+              <a:pPr/>
+              <a:t>14</a:t>
+            </a:fld>
+            <a:endParaRPr lang="en-US" sz="1800" dirty="0">
+              <a:solidFill>
+                <a:schemeClr val="tx1"/>
+              </a:solidFill>
+            </a:endParaRPr>
+          </a:p>
+        </p:txBody>
+      </p:sp>
     </p:spTree>
     <p:extLst>
       <p:ext uri="{BB962C8B-B14F-4D97-AF65-F5344CB8AC3E}">
@@ -7236,6 +7776,44 @@
           </a:prstGeom>
         </p:spPr>
       </p:pic>
+      <p:sp>
+        <p:nvSpPr>
+          <p:cNvPr id="3" name="Номер слайда 2">
+            <a:extLst>
+              <a:ext uri="{FF2B5EF4-FFF2-40B4-BE49-F238E27FC236}">
+                <a16:creationId xmlns:a16="http://schemas.microsoft.com/office/drawing/2014/main" id="{04E63CA2-22DD-6442-DE70-8ABE612E5548}"/>
+              </a:ext>
+            </a:extLst>
+          </p:cNvPr>
+          <p:cNvSpPr>
+            <a:spLocks noGrp="1"/>
+          </p:cNvSpPr>
+          <p:nvPr>
+            <p:ph type="sldNum" sz="quarter" idx="12"/>
+          </p:nvPr>
+        </p:nvSpPr>
+        <p:spPr/>
+        <p:txBody>
+          <a:bodyPr/>
+          <a:lstStyle/>
+          <a:p>
+            <a:fld id="{D57F1E4F-1CFF-5643-939E-217C01CDF565}" type="slidenum">
+              <a:rPr lang="en-US" sz="1800" smtClean="0">
+                <a:solidFill>
+                  <a:schemeClr val="tx1"/>
+                </a:solidFill>
+              </a:rPr>
+              <a:pPr/>
+              <a:t>15</a:t>
+            </a:fld>
+            <a:endParaRPr lang="en-US" sz="1800" dirty="0">
+              <a:solidFill>
+                <a:schemeClr val="tx1"/>
+              </a:solidFill>
+            </a:endParaRPr>
+          </a:p>
+        </p:txBody>
+      </p:sp>
     </p:spTree>
     <p:extLst>
       <p:ext uri="{BB962C8B-B14F-4D97-AF65-F5344CB8AC3E}">
@@ -7250,6 +7828,240 @@
 </file>
 
 <file path=ppt/slides/slide16.xml><?xml version="1.0" encoding="utf-8"?>
+<p:sld xmlns:a="http://schemas.openxmlformats.org/drawingml/2006/main" xmlns:r="http://schemas.openxmlformats.org/officeDocument/2006/relationships" xmlns:p="http://schemas.openxmlformats.org/presentationml/2006/main">
+  <p:cSld>
+    <p:spTree>
+      <p:nvGrpSpPr>
+        <p:cNvPr id="1" name=""/>
+        <p:cNvGrpSpPr/>
+        <p:nvPr/>
+      </p:nvGrpSpPr>
+      <p:grpSpPr>
+        <a:xfrm>
+          <a:off x="0" y="0"/>
+          <a:ext cx="0" cy="0"/>
+          <a:chOff x="0" y="0"/>
+          <a:chExt cx="0" cy="0"/>
+        </a:xfrm>
+      </p:grpSpPr>
+      <p:sp>
+        <p:nvSpPr>
+          <p:cNvPr id="2" name="Заголовок 1">
+            <a:extLst>
+              <a:ext uri="{FF2B5EF4-FFF2-40B4-BE49-F238E27FC236}">
+                <a16:creationId xmlns:a16="http://schemas.microsoft.com/office/drawing/2014/main" id="{1A9F48DB-8F1E-E2F8-45E4-D39E659F4518}"/>
+              </a:ext>
+            </a:extLst>
+          </p:cNvPr>
+          <p:cNvSpPr>
+            <a:spLocks noGrp="1"/>
+          </p:cNvSpPr>
+          <p:nvPr>
+            <p:ph type="title"/>
+          </p:nvPr>
+        </p:nvSpPr>
+        <p:spPr/>
+        <p:txBody>
+          <a:bodyPr/>
+          <a:lstStyle/>
+          <a:p>
+            <a:r>
+              <a:rPr lang="ru-RU" dirty="0">
+                <a:solidFill>
+                  <a:schemeClr val="tx1"/>
+                </a:solidFill>
+              </a:rPr>
+              <a:t>Выводы по проделанной работе</a:t>
+            </a:r>
+          </a:p>
+        </p:txBody>
+      </p:sp>
+      <p:sp>
+        <p:nvSpPr>
+          <p:cNvPr id="3" name="Объект 2">
+            <a:extLst>
+              <a:ext uri="{FF2B5EF4-FFF2-40B4-BE49-F238E27FC236}">
+                <a16:creationId xmlns:a16="http://schemas.microsoft.com/office/drawing/2014/main" id="{975D89A5-1A8B-3447-2DCF-906684364622}"/>
+              </a:ext>
+            </a:extLst>
+          </p:cNvPr>
+          <p:cNvSpPr>
+            <a:spLocks noGrp="1"/>
+          </p:cNvSpPr>
+          <p:nvPr>
+            <p:ph idx="1"/>
+          </p:nvPr>
+        </p:nvSpPr>
+        <p:spPr/>
+        <p:txBody>
+          <a:bodyPr/>
+          <a:lstStyle/>
+          <a:p>
+            <a:pPr marL="0" indent="0">
+              <a:lnSpc>
+                <a:spcPct val="150000"/>
+              </a:lnSpc>
+              <a:buNone/>
+            </a:pPr>
+            <a:r>
+              <a:rPr lang="ru-RU" dirty="0">
+                <a:solidFill>
+                  <a:schemeClr val="tx1"/>
+                </a:solidFill>
+              </a:rPr>
+              <a:t>	Реализована веб-система онлайн-фильмотеки с разделением на </a:t>
+            </a:r>
+            <a:r>
+              <a:rPr lang="ru-RU" dirty="0" err="1">
+                <a:solidFill>
+                  <a:schemeClr val="tx1"/>
+                </a:solidFill>
+              </a:rPr>
+              <a:t>backend</a:t>
+            </a:r>
+            <a:r>
+              <a:rPr lang="ru-RU" dirty="0">
+                <a:solidFill>
+                  <a:schemeClr val="tx1"/>
+                </a:solidFill>
+              </a:rPr>
+              <a:t> (ASP.NET Core) и </a:t>
+            </a:r>
+            <a:r>
+              <a:rPr lang="ru-RU" dirty="0" err="1">
+                <a:solidFill>
+                  <a:schemeClr val="tx1"/>
+                </a:solidFill>
+              </a:rPr>
+              <a:t>frontend</a:t>
+            </a:r>
+            <a:r>
+              <a:rPr lang="ru-RU" dirty="0">
+                <a:solidFill>
+                  <a:schemeClr val="tx1"/>
+                </a:solidFill>
+              </a:rPr>
+              <a:t> (</a:t>
+            </a:r>
+            <a:r>
+              <a:rPr lang="ru-RU" dirty="0" err="1">
+                <a:solidFill>
+                  <a:schemeClr val="tx1"/>
+                </a:solidFill>
+              </a:rPr>
+              <a:t>React</a:t>
+            </a:r>
+            <a:r>
+              <a:rPr lang="ru-RU" dirty="0">
+                <a:solidFill>
+                  <a:schemeClr val="tx1"/>
+                </a:solidFill>
+              </a:rPr>
+              <a:t>). Система включает каталог фильмов с расширенной фильтрацией, персональные списки пользователей с оценками и комментариями, рекомендации на основе жанровых предпочтений, аутентификацию через JWT и административную панель для управления контентом и пользователями. Применены реляционная БД (MySQL), ролевая модель доступа (</a:t>
+            </a:r>
+            <a:r>
+              <a:rPr lang="ru-RU" dirty="0" err="1">
+                <a:solidFill>
+                  <a:schemeClr val="tx1"/>
+                </a:solidFill>
+              </a:rPr>
+              <a:t>user</a:t>
+            </a:r>
+            <a:r>
+              <a:rPr lang="ru-RU" dirty="0">
+                <a:solidFill>
+                  <a:schemeClr val="tx1"/>
+                </a:solidFill>
+              </a:rPr>
+              <a:t>/</a:t>
+            </a:r>
+            <a:r>
+              <a:rPr lang="ru-RU" dirty="0" err="1">
+                <a:solidFill>
+                  <a:schemeClr val="tx1"/>
+                </a:solidFill>
+              </a:rPr>
+              <a:t>admin</a:t>
+            </a:r>
+            <a:r>
+              <a:rPr lang="ru-RU" dirty="0">
+                <a:solidFill>
+                  <a:schemeClr val="tx1"/>
+                </a:solidFill>
+              </a:rPr>
+              <a:t>) и REST API. Проведены различные виды тестирования (Функциональные</a:t>
+            </a:r>
+            <a:r>
+              <a:rPr lang="en-US" dirty="0">
+                <a:solidFill>
+                  <a:schemeClr val="tx1"/>
+                </a:solidFill>
+              </a:rPr>
+              <a:t>,</a:t>
+            </a:r>
+            <a:r>
+              <a:rPr lang="ru-RU" dirty="0">
+                <a:solidFill>
+                  <a:schemeClr val="tx1"/>
+                </a:solidFill>
+              </a:rPr>
+              <a:t> нефункциональные)</a:t>
+            </a:r>
+          </a:p>
+        </p:txBody>
+      </p:sp>
+      <p:sp>
+        <p:nvSpPr>
+          <p:cNvPr id="4" name="Номер слайда 3">
+            <a:extLst>
+              <a:ext uri="{FF2B5EF4-FFF2-40B4-BE49-F238E27FC236}">
+                <a16:creationId xmlns:a16="http://schemas.microsoft.com/office/drawing/2014/main" id="{5A1A2715-70E4-65B7-5941-69DB1002F4A0}"/>
+              </a:ext>
+            </a:extLst>
+          </p:cNvPr>
+          <p:cNvSpPr>
+            <a:spLocks noGrp="1"/>
+          </p:cNvSpPr>
+          <p:nvPr>
+            <p:ph type="sldNum" sz="quarter" idx="12"/>
+          </p:nvPr>
+        </p:nvSpPr>
+        <p:spPr/>
+        <p:txBody>
+          <a:bodyPr/>
+          <a:lstStyle/>
+          <a:p>
+            <a:fld id="{D57F1E4F-1CFF-5643-939E-217C01CDF565}" type="slidenum">
+              <a:rPr lang="en-US" sz="1800" smtClean="0">
+                <a:solidFill>
+                  <a:schemeClr val="tx1"/>
+                </a:solidFill>
+              </a:rPr>
+              <a:pPr/>
+              <a:t>16</a:t>
+            </a:fld>
+            <a:endParaRPr lang="en-US" sz="1800" dirty="0">
+              <a:solidFill>
+                <a:schemeClr val="tx1"/>
+              </a:solidFill>
+            </a:endParaRPr>
+          </a:p>
+        </p:txBody>
+      </p:sp>
+    </p:spTree>
+    <p:extLst>
+      <p:ext uri="{BB962C8B-B14F-4D97-AF65-F5344CB8AC3E}">
+        <p14:creationId xmlns:p14="http://schemas.microsoft.com/office/powerpoint/2010/main" val="2413400640"/>
+      </p:ext>
+    </p:extLst>
+  </p:cSld>
+  <p:clrMapOvr>
+    <a:masterClrMapping/>
+  </p:clrMapOvr>
+</p:sld>
+</file>
+
+<file path=ppt/slides/slide17.xml><?xml version="1.0" encoding="utf-8"?>
 <p:sld xmlns:a="http://schemas.openxmlformats.org/drawingml/2006/main" xmlns:r="http://schemas.openxmlformats.org/officeDocument/2006/relationships" xmlns:p="http://schemas.openxmlformats.org/presentationml/2006/main">
   <p:cSld>
     <p:spTree>
@@ -7457,6 +8269,43 @@
           </a:extLst>
         </p:spPr>
       </p:pic>
+      <p:sp>
+        <p:nvSpPr>
+          <p:cNvPr id="4" name="Номер слайда 3">
+            <a:extLst>
+              <a:ext uri="{FF2B5EF4-FFF2-40B4-BE49-F238E27FC236}">
+                <a16:creationId xmlns:a16="http://schemas.microsoft.com/office/drawing/2014/main" id="{55DED1A9-AE7B-177F-3433-D8864342BF9D}"/>
+              </a:ext>
+            </a:extLst>
+          </p:cNvPr>
+          <p:cNvSpPr>
+            <a:spLocks noGrp="1"/>
+          </p:cNvSpPr>
+          <p:nvPr>
+            <p:ph type="sldNum" sz="quarter" idx="12"/>
+          </p:nvPr>
+        </p:nvSpPr>
+        <p:spPr/>
+        <p:txBody>
+          <a:bodyPr/>
+          <a:lstStyle/>
+          <a:p>
+            <a:fld id="{559BDC7B-6E84-4C5A-BEE6-E3119E0AF23E}" type="slidenum">
+              <a:rPr lang="en-US" sz="1800" smtClean="0">
+                <a:solidFill>
+                  <a:schemeClr val="tx1"/>
+                </a:solidFill>
+              </a:rPr>
+              <a:t>2</a:t>
+            </a:fld>
+            <a:endParaRPr lang="en-US" sz="1800" dirty="0">
+              <a:solidFill>
+                <a:schemeClr val="tx1"/>
+              </a:solidFill>
+            </a:endParaRPr>
+          </a:p>
+        </p:txBody>
+      </p:sp>
     </p:spTree>
     <p:extLst>
       <p:ext uri="{BB962C8B-B14F-4D97-AF65-F5344CB8AC3E}">
@@ -7636,6 +8485,44 @@
           </a:p>
         </p:txBody>
       </p:sp>
+      <p:sp>
+        <p:nvSpPr>
+          <p:cNvPr id="4" name="Номер слайда 3">
+            <a:extLst>
+              <a:ext uri="{FF2B5EF4-FFF2-40B4-BE49-F238E27FC236}">
+                <a16:creationId xmlns:a16="http://schemas.microsoft.com/office/drawing/2014/main" id="{3ADD0656-526E-2F2C-19C9-6C51CFE880EF}"/>
+              </a:ext>
+            </a:extLst>
+          </p:cNvPr>
+          <p:cNvSpPr>
+            <a:spLocks noGrp="1"/>
+          </p:cNvSpPr>
+          <p:nvPr>
+            <p:ph type="sldNum" sz="quarter" idx="12"/>
+          </p:nvPr>
+        </p:nvSpPr>
+        <p:spPr/>
+        <p:txBody>
+          <a:bodyPr/>
+          <a:lstStyle/>
+          <a:p>
+            <a:fld id="{D57F1E4F-1CFF-5643-939E-217C01CDF565}" type="slidenum">
+              <a:rPr lang="en-US" sz="1800" smtClean="0">
+                <a:solidFill>
+                  <a:schemeClr val="tx1"/>
+                </a:solidFill>
+              </a:rPr>
+              <a:pPr/>
+              <a:t>3</a:t>
+            </a:fld>
+            <a:endParaRPr lang="en-US" sz="1800" dirty="0">
+              <a:solidFill>
+                <a:schemeClr val="tx1"/>
+              </a:solidFill>
+            </a:endParaRPr>
+          </a:p>
+        </p:txBody>
+      </p:sp>
     </p:spTree>
     <p:extLst>
       <p:ext uri="{BB962C8B-B14F-4D97-AF65-F5344CB8AC3E}">
@@ -7905,6 +8792,44 @@
           </a:p>
         </p:txBody>
       </p:sp>
+      <p:sp>
+        <p:nvSpPr>
+          <p:cNvPr id="4" name="Номер слайда 3">
+            <a:extLst>
+              <a:ext uri="{FF2B5EF4-FFF2-40B4-BE49-F238E27FC236}">
+                <a16:creationId xmlns:a16="http://schemas.microsoft.com/office/drawing/2014/main" id="{901AF16E-EDB9-05FF-A2BE-131D3A2A663F}"/>
+              </a:ext>
+            </a:extLst>
+          </p:cNvPr>
+          <p:cNvSpPr>
+            <a:spLocks noGrp="1"/>
+          </p:cNvSpPr>
+          <p:nvPr>
+            <p:ph type="sldNum" sz="quarter" idx="12"/>
+          </p:nvPr>
+        </p:nvSpPr>
+        <p:spPr/>
+        <p:txBody>
+          <a:bodyPr/>
+          <a:lstStyle/>
+          <a:p>
+            <a:fld id="{D57F1E4F-1CFF-5643-939E-217C01CDF565}" type="slidenum">
+              <a:rPr lang="en-US" sz="1800" smtClean="0">
+                <a:solidFill>
+                  <a:schemeClr val="tx1"/>
+                </a:solidFill>
+              </a:rPr>
+              <a:pPr/>
+              <a:t>4</a:t>
+            </a:fld>
+            <a:endParaRPr lang="en-US" sz="1800" dirty="0">
+              <a:solidFill>
+                <a:schemeClr val="tx1"/>
+              </a:solidFill>
+            </a:endParaRPr>
+          </a:p>
+        </p:txBody>
+      </p:sp>
     </p:spTree>
     <p:extLst>
       <p:ext uri="{BB962C8B-B14F-4D97-AF65-F5344CB8AC3E}">
@@ -8249,6 +9174,44 @@
               </a:rPr>
               <a:t>Управление каталогом.</a:t>
             </a:r>
+          </a:p>
+        </p:txBody>
+      </p:sp>
+      <p:sp>
+        <p:nvSpPr>
+          <p:cNvPr id="4" name="Номер слайда 3">
+            <a:extLst>
+              <a:ext uri="{FF2B5EF4-FFF2-40B4-BE49-F238E27FC236}">
+                <a16:creationId xmlns:a16="http://schemas.microsoft.com/office/drawing/2014/main" id="{15556EA3-7935-CDC7-D864-5A6D15E08EE8}"/>
+              </a:ext>
+            </a:extLst>
+          </p:cNvPr>
+          <p:cNvSpPr>
+            <a:spLocks noGrp="1"/>
+          </p:cNvSpPr>
+          <p:nvPr>
+            <p:ph type="sldNum" sz="quarter" idx="12"/>
+          </p:nvPr>
+        </p:nvSpPr>
+        <p:spPr/>
+        <p:txBody>
+          <a:bodyPr/>
+          <a:lstStyle/>
+          <a:p>
+            <a:fld id="{D57F1E4F-1CFF-5643-939E-217C01CDF565}" type="slidenum">
+              <a:rPr lang="en-US" sz="1800" smtClean="0">
+                <a:solidFill>
+                  <a:schemeClr val="tx1"/>
+                </a:solidFill>
+              </a:rPr>
+              <a:pPr/>
+              <a:t>5</a:t>
+            </a:fld>
+            <a:endParaRPr lang="en-US" sz="1800" dirty="0">
+              <a:solidFill>
+                <a:schemeClr val="tx1"/>
+              </a:solidFill>
+            </a:endParaRPr>
           </a:p>
         </p:txBody>
       </p:sp>
@@ -8366,6 +9329,49 @@
           </a:p>
         </p:txBody>
       </p:sp>
+      <p:sp>
+        <p:nvSpPr>
+          <p:cNvPr id="3" name="Номер слайда 2">
+            <a:extLst>
+              <a:ext uri="{FF2B5EF4-FFF2-40B4-BE49-F238E27FC236}">
+                <a16:creationId xmlns:a16="http://schemas.microsoft.com/office/drawing/2014/main" id="{EF614AEA-7CBB-0F5A-001F-93D5D917442D}"/>
+              </a:ext>
+            </a:extLst>
+          </p:cNvPr>
+          <p:cNvSpPr>
+            <a:spLocks noGrp="1"/>
+          </p:cNvSpPr>
+          <p:nvPr>
+            <p:ph type="sldNum" sz="quarter" idx="12"/>
+          </p:nvPr>
+        </p:nvSpPr>
+        <p:spPr>
+          <a:xfrm>
+            <a:off x="537526" y="6329660"/>
+            <a:ext cx="683339" cy="365125"/>
+          </a:xfrm>
+        </p:spPr>
+        <p:txBody>
+          <a:bodyPr/>
+          <a:lstStyle/>
+          <a:p>
+            <a:fld id="{D57F1E4F-1CFF-5643-939E-217C01CDF565}" type="slidenum">
+              <a:rPr lang="en-US" sz="1800" smtClean="0">
+                <a:solidFill>
+                  <a:schemeClr val="tx1"/>
+                </a:solidFill>
+              </a:rPr>
+              <a:pPr/>
+              <a:t>6</a:t>
+            </a:fld>
+            <a:endParaRPr lang="en-US" sz="1800" dirty="0">
+              <a:solidFill>
+                <a:schemeClr val="tx1"/>
+              </a:solidFill>
+            </a:endParaRPr>
+          </a:p>
+        </p:txBody>
+      </p:sp>
     </p:spTree>
     <p:extLst>
       <p:ext uri="{BB962C8B-B14F-4D97-AF65-F5344CB8AC3E}">
@@ -8683,6 +9689,49 @@
           </a:p>
         </p:txBody>
       </p:sp>
+      <p:sp>
+        <p:nvSpPr>
+          <p:cNvPr id="4" name="Номер слайда 3">
+            <a:extLst>
+              <a:ext uri="{FF2B5EF4-FFF2-40B4-BE49-F238E27FC236}">
+                <a16:creationId xmlns:a16="http://schemas.microsoft.com/office/drawing/2014/main" id="{63E626DA-86A2-68BB-F232-C07376E3D0A6}"/>
+              </a:ext>
+            </a:extLst>
+          </p:cNvPr>
+          <p:cNvSpPr>
+            <a:spLocks noGrp="1"/>
+          </p:cNvSpPr>
+          <p:nvPr>
+            <p:ph type="sldNum" sz="quarter" idx="12"/>
+          </p:nvPr>
+        </p:nvSpPr>
+        <p:spPr>
+          <a:xfrm>
+            <a:off x="9825905" y="6097509"/>
+            <a:ext cx="683339" cy="365125"/>
+          </a:xfrm>
+        </p:spPr>
+        <p:txBody>
+          <a:bodyPr/>
+          <a:lstStyle/>
+          <a:p>
+            <a:fld id="{D57F1E4F-1CFF-5643-939E-217C01CDF565}" type="slidenum">
+              <a:rPr lang="en-US" sz="1800" smtClean="0">
+                <a:solidFill>
+                  <a:schemeClr val="tx1"/>
+                </a:solidFill>
+              </a:rPr>
+              <a:pPr/>
+              <a:t>7</a:t>
+            </a:fld>
+            <a:endParaRPr lang="en-US" sz="1800" dirty="0">
+              <a:solidFill>
+                <a:schemeClr val="tx1"/>
+              </a:solidFill>
+            </a:endParaRPr>
+          </a:p>
+        </p:txBody>
+      </p:sp>
     </p:spTree>
     <p:extLst>
       <p:ext uri="{BB962C8B-B14F-4D97-AF65-F5344CB8AC3E}">
@@ -8916,6 +9965,49 @@
           </a:p>
         </p:txBody>
       </p:sp>
+      <p:sp>
+        <p:nvSpPr>
+          <p:cNvPr id="4" name="Номер слайда 3">
+            <a:extLst>
+              <a:ext uri="{FF2B5EF4-FFF2-40B4-BE49-F238E27FC236}">
+                <a16:creationId xmlns:a16="http://schemas.microsoft.com/office/drawing/2014/main" id="{E529F4EE-474D-ED8F-756F-E1026897B145}"/>
+              </a:ext>
+            </a:extLst>
+          </p:cNvPr>
+          <p:cNvSpPr>
+            <a:spLocks noGrp="1"/>
+          </p:cNvSpPr>
+          <p:nvPr>
+            <p:ph type="sldNum" sz="quarter" idx="12"/>
+          </p:nvPr>
+        </p:nvSpPr>
+        <p:spPr>
+          <a:xfrm>
+            <a:off x="9809863" y="6025320"/>
+            <a:ext cx="683339" cy="365125"/>
+          </a:xfrm>
+        </p:spPr>
+        <p:txBody>
+          <a:bodyPr/>
+          <a:lstStyle/>
+          <a:p>
+            <a:fld id="{D57F1E4F-1CFF-5643-939E-217C01CDF565}" type="slidenum">
+              <a:rPr lang="en-US" sz="1800" smtClean="0">
+                <a:solidFill>
+                  <a:schemeClr val="tx1"/>
+                </a:solidFill>
+              </a:rPr>
+              <a:pPr/>
+              <a:t>8</a:t>
+            </a:fld>
+            <a:endParaRPr lang="en-US" sz="1800" dirty="0">
+              <a:solidFill>
+                <a:schemeClr val="tx1"/>
+              </a:solidFill>
+            </a:endParaRPr>
+          </a:p>
+        </p:txBody>
+      </p:sp>
     </p:spTree>
     <p:extLst>
       <p:ext uri="{BB962C8B-B14F-4D97-AF65-F5344CB8AC3E}">
@@ -9234,6 +10326,49 @@
               </a:rPr>
               <a:t> — преобразование оценки в процент (1.0→90%, 2.0→95%, 3.0→98%, далее до 99%) для более реалистичного отображения.</a:t>
             </a:r>
+          </a:p>
+        </p:txBody>
+      </p:sp>
+      <p:sp>
+        <p:nvSpPr>
+          <p:cNvPr id="4" name="Номер слайда 3">
+            <a:extLst>
+              <a:ext uri="{FF2B5EF4-FFF2-40B4-BE49-F238E27FC236}">
+                <a16:creationId xmlns:a16="http://schemas.microsoft.com/office/drawing/2014/main" id="{68B46C66-1D51-91E5-476E-82AE9D516D45}"/>
+              </a:ext>
+            </a:extLst>
+          </p:cNvPr>
+          <p:cNvSpPr>
+            <a:spLocks noGrp="1"/>
+          </p:cNvSpPr>
+          <p:nvPr>
+            <p:ph type="sldNum" sz="quarter" idx="12"/>
+          </p:nvPr>
+        </p:nvSpPr>
+        <p:spPr>
+          <a:xfrm>
+            <a:off x="9335346" y="6057404"/>
+            <a:ext cx="683339" cy="365125"/>
+          </a:xfrm>
+        </p:spPr>
+        <p:txBody>
+          <a:bodyPr/>
+          <a:lstStyle/>
+          <a:p>
+            <a:fld id="{D57F1E4F-1CFF-5643-939E-217C01CDF565}" type="slidenum">
+              <a:rPr lang="en-US" sz="1800" smtClean="0">
+                <a:solidFill>
+                  <a:schemeClr val="tx1"/>
+                </a:solidFill>
+              </a:rPr>
+              <a:pPr/>
+              <a:t>9</a:t>
+            </a:fld>
+            <a:endParaRPr lang="en-US" sz="1800" dirty="0">
+              <a:solidFill>
+                <a:schemeClr val="tx1"/>
+              </a:solidFill>
+            </a:endParaRPr>
           </a:p>
         </p:txBody>
       </p:sp>
@@ -9505,4 +10640,299 @@
     </a:ext>
   </a:extLst>
 </a:theme>
+</file>
+
+<file path=ppt/theme/theme2.xml><?xml version="1.0" encoding="utf-8"?>
+<a:theme xmlns:a="http://schemas.openxmlformats.org/drawingml/2006/main" name="Тема Office">
+  <a:themeElements>
+    <a:clrScheme name="Стандартная">
+      <a:dk1>
+        <a:sysClr val="windowText" lastClr="000000"/>
+      </a:dk1>
+      <a:lt1>
+        <a:sysClr val="window" lastClr="FFFFFF"/>
+      </a:lt1>
+      <a:dk2>
+        <a:srgbClr val="44546A"/>
+      </a:dk2>
+      <a:lt2>
+        <a:srgbClr val="E7E6E6"/>
+      </a:lt2>
+      <a:accent1>
+        <a:srgbClr val="4472C4"/>
+      </a:accent1>
+      <a:accent2>
+        <a:srgbClr val="ED7D31"/>
+      </a:accent2>
+      <a:accent3>
+        <a:srgbClr val="A5A5A5"/>
+      </a:accent3>
+      <a:accent4>
+        <a:srgbClr val="FFC000"/>
+      </a:accent4>
+      <a:accent5>
+        <a:srgbClr val="5B9BD5"/>
+      </a:accent5>
+      <a:accent6>
+        <a:srgbClr val="70AD47"/>
+      </a:accent6>
+      <a:hlink>
+        <a:srgbClr val="0563C1"/>
+      </a:hlink>
+      <a:folHlink>
+        <a:srgbClr val="954F72"/>
+      </a:folHlink>
+    </a:clrScheme>
+    <a:fontScheme name="Стандартная">
+      <a:majorFont>
+        <a:latin typeface="Calibri Light" panose="020F0302020204030204"/>
+        <a:ea typeface=""/>
+        <a:cs typeface=""/>
+        <a:font script="Jpan" typeface="游ゴシック Light"/>
+        <a:font script="Hang" typeface="맑은 고딕"/>
+        <a:font script="Hans" typeface="等线 Light"/>
+        <a:font script="Hant" typeface="新細明體"/>
+        <a:font script="Arab" typeface="Times New Roman"/>
+        <a:font script="Hebr" typeface="Times New Roman"/>
+        <a:font script="Thai" typeface="Angsana New"/>
+        <a:font script="Ethi" typeface="Nyala"/>
+        <a:font script="Beng" typeface="Vrinda"/>
+        <a:font script="Gujr" typeface="Shruti"/>
+        <a:font script="Khmr" typeface="MoolBoran"/>
+        <a:font script="Knda" typeface="Tunga"/>
+        <a:font script="Guru" typeface="Raavi"/>
+        <a:font script="Cans" typeface="Euphemia"/>
+        <a:font script="Cher" typeface="Plantagenet Cherokee"/>
+        <a:font script="Yiii" typeface="Microsoft Yi Baiti"/>
+        <a:font script="Tibt" typeface="Microsoft Himalaya"/>
+        <a:font script="Thaa" typeface="MV Boli"/>
+        <a:font script="Deva" typeface="Mangal"/>
+        <a:font script="Telu" typeface="Gautami"/>
+        <a:font script="Taml" typeface="Latha"/>
+        <a:font script="Syrc" typeface="Estrangelo Edessa"/>
+        <a:font script="Orya" typeface="Kalinga"/>
+        <a:font script="Mlym" typeface="Kartika"/>
+        <a:font script="Laoo" typeface="DokChampa"/>
+        <a:font script="Sinh" typeface="Iskoola Pota"/>
+        <a:font script="Mong" typeface="Mongolian Baiti"/>
+        <a:font script="Viet" typeface="Times New Roman"/>
+        <a:font script="Uigh" typeface="Microsoft Uighur"/>
+        <a:font script="Geor" typeface="Sylfaen"/>
+        <a:font script="Armn" typeface="Arial"/>
+        <a:font script="Bugi" typeface="Leelawadee UI"/>
+        <a:font script="Bopo" typeface="Microsoft JhengHei"/>
+        <a:font script="Java" typeface="Javanese Text"/>
+        <a:font script="Lisu" typeface="Segoe UI"/>
+        <a:font script="Mymr" typeface="Myanmar Text"/>
+        <a:font script="Nkoo" typeface="Ebrima"/>
+        <a:font script="Olck" typeface="Nirmala UI"/>
+        <a:font script="Osma" typeface="Ebrima"/>
+        <a:font script="Phag" typeface="Phagspa"/>
+        <a:font script="Syrn" typeface="Estrangelo Edessa"/>
+        <a:font script="Syrj" typeface="Estrangelo Edessa"/>
+        <a:font script="Syre" typeface="Estrangelo Edessa"/>
+        <a:font script="Sora" typeface="Nirmala UI"/>
+        <a:font script="Tale" typeface="Microsoft Tai Le"/>
+        <a:font script="Talu" typeface="Microsoft New Tai Lue"/>
+        <a:font script="Tfng" typeface="Ebrima"/>
+      </a:majorFont>
+      <a:minorFont>
+        <a:latin typeface="Calibri" panose="020F0502020204030204"/>
+        <a:ea typeface=""/>
+        <a:cs typeface=""/>
+        <a:font script="Jpan" typeface="游ゴシック"/>
+        <a:font script="Hang" typeface="맑은 고딕"/>
+        <a:font script="Hans" typeface="等线"/>
+        <a:font script="Hant" typeface="新細明體"/>
+        <a:font script="Arab" typeface="Arial"/>
+        <a:font script="Hebr" typeface="Arial"/>
+        <a:font script="Thai" typeface="Cordia New"/>
+        <a:font script="Ethi" typeface="Nyala"/>
+        <a:font script="Beng" typeface="Vrinda"/>
+        <a:font script="Gujr" typeface="Shruti"/>
+        <a:font script="Khmr" typeface="DaunPenh"/>
+        <a:font script="Knda" typeface="Tunga"/>
+        <a:font script="Guru" typeface="Raavi"/>
+        <a:font script="Cans" typeface="Euphemia"/>
+        <a:font script="Cher" typeface="Plantagenet Cherokee"/>
+        <a:font script="Yiii" typeface="Microsoft Yi Baiti"/>
+        <a:font script="Tibt" typeface="Microsoft Himalaya"/>
+        <a:font script="Thaa" typeface="MV Boli"/>
+        <a:font script="Deva" typeface="Mangal"/>
+        <a:font script="Telu" typeface="Gautami"/>
+        <a:font script="Taml" typeface="Latha"/>
+        <a:font script="Syrc" typeface="Estrangelo Edessa"/>
+        <a:font script="Orya" typeface="Kalinga"/>
+        <a:font script="Mlym" typeface="Kartika"/>
+        <a:font script="Laoo" typeface="DokChampa"/>
+        <a:font script="Sinh" typeface="Iskoola Pota"/>
+        <a:font script="Mong" typeface="Mongolian Baiti"/>
+        <a:font script="Viet" typeface="Arial"/>
+        <a:font script="Uigh" typeface="Microsoft Uighur"/>
+        <a:font script="Geor" typeface="Sylfaen"/>
+        <a:font script="Armn" typeface="Arial"/>
+        <a:font script="Bugi" typeface="Leelawadee UI"/>
+        <a:font script="Bopo" typeface="Microsoft JhengHei"/>
+        <a:font script="Java" typeface="Javanese Text"/>
+        <a:font script="Lisu" typeface="Segoe UI"/>
+        <a:font script="Mymr" typeface="Myanmar Text"/>
+        <a:font script="Nkoo" typeface="Ebrima"/>
+        <a:font script="Olck" typeface="Nirmala UI"/>
+        <a:font script="Osma" typeface="Ebrima"/>
+        <a:font script="Phag" typeface="Phagspa"/>
+        <a:font script="Syrn" typeface="Estrangelo Edessa"/>
+        <a:font script="Syrj" typeface="Estrangelo Edessa"/>
+        <a:font script="Syre" typeface="Estrangelo Edessa"/>
+        <a:font script="Sora" typeface="Nirmala UI"/>
+        <a:font script="Tale" typeface="Microsoft Tai Le"/>
+        <a:font script="Talu" typeface="Microsoft New Tai Lue"/>
+        <a:font script="Tfng" typeface="Ebrima"/>
+      </a:minorFont>
+    </a:fontScheme>
+    <a:fmtScheme name="Стандартная">
+      <a:fillStyleLst>
+        <a:solidFill>
+          <a:schemeClr val="phClr"/>
+        </a:solidFill>
+        <a:gradFill rotWithShape="1">
+          <a:gsLst>
+            <a:gs pos="0">
+              <a:schemeClr val="phClr">
+                <a:lumMod val="110000"/>
+                <a:satMod val="105000"/>
+                <a:tint val="67000"/>
+              </a:schemeClr>
+            </a:gs>
+            <a:gs pos="50000">
+              <a:schemeClr val="phClr">
+                <a:lumMod val="105000"/>
+                <a:satMod val="103000"/>
+                <a:tint val="73000"/>
+              </a:schemeClr>
+            </a:gs>
+            <a:gs pos="100000">
+              <a:schemeClr val="phClr">
+                <a:lumMod val="105000"/>
+                <a:satMod val="109000"/>
+                <a:tint val="81000"/>
+              </a:schemeClr>
+            </a:gs>
+          </a:gsLst>
+          <a:lin ang="5400000" scaled="0"/>
+        </a:gradFill>
+        <a:gradFill rotWithShape="1">
+          <a:gsLst>
+            <a:gs pos="0">
+              <a:schemeClr val="phClr">
+                <a:satMod val="103000"/>
+                <a:lumMod val="102000"/>
+                <a:tint val="94000"/>
+              </a:schemeClr>
+            </a:gs>
+            <a:gs pos="50000">
+              <a:schemeClr val="phClr">
+                <a:satMod val="110000"/>
+                <a:lumMod val="100000"/>
+                <a:shade val="100000"/>
+              </a:schemeClr>
+            </a:gs>
+            <a:gs pos="100000">
+              <a:schemeClr val="phClr">
+                <a:lumMod val="99000"/>
+                <a:satMod val="120000"/>
+                <a:shade val="78000"/>
+              </a:schemeClr>
+            </a:gs>
+          </a:gsLst>
+          <a:lin ang="5400000" scaled="0"/>
+        </a:gradFill>
+      </a:fillStyleLst>
+      <a:lnStyleLst>
+        <a:ln w="6350" cap="flat" cmpd="sng" algn="ctr">
+          <a:solidFill>
+            <a:schemeClr val="phClr"/>
+          </a:solidFill>
+          <a:prstDash val="solid"/>
+          <a:miter lim="800000"/>
+        </a:ln>
+        <a:ln w="12700" cap="flat" cmpd="sng" algn="ctr">
+          <a:solidFill>
+            <a:schemeClr val="phClr"/>
+          </a:solidFill>
+          <a:prstDash val="solid"/>
+          <a:miter lim="800000"/>
+        </a:ln>
+        <a:ln w="19050" cap="flat" cmpd="sng" algn="ctr">
+          <a:solidFill>
+            <a:schemeClr val="phClr"/>
+          </a:solidFill>
+          <a:prstDash val="solid"/>
+          <a:miter lim="800000"/>
+        </a:ln>
+      </a:lnStyleLst>
+      <a:effectStyleLst>
+        <a:effectStyle>
+          <a:effectLst/>
+        </a:effectStyle>
+        <a:effectStyle>
+          <a:effectLst/>
+        </a:effectStyle>
+        <a:effectStyle>
+          <a:effectLst>
+            <a:outerShdw blurRad="57150" dist="19050" dir="5400000" algn="ctr" rotWithShape="0">
+              <a:srgbClr val="000000">
+                <a:alpha val="63000"/>
+              </a:srgbClr>
+            </a:outerShdw>
+          </a:effectLst>
+        </a:effectStyle>
+      </a:effectStyleLst>
+      <a:bgFillStyleLst>
+        <a:solidFill>
+          <a:schemeClr val="phClr"/>
+        </a:solidFill>
+        <a:solidFill>
+          <a:schemeClr val="phClr">
+            <a:tint val="95000"/>
+            <a:satMod val="170000"/>
+          </a:schemeClr>
+        </a:solidFill>
+        <a:gradFill rotWithShape="1">
+          <a:gsLst>
+            <a:gs pos="0">
+              <a:schemeClr val="phClr">
+                <a:tint val="93000"/>
+                <a:satMod val="150000"/>
+                <a:shade val="98000"/>
+                <a:lumMod val="102000"/>
+              </a:schemeClr>
+            </a:gs>
+            <a:gs pos="50000">
+              <a:schemeClr val="phClr">
+                <a:tint val="98000"/>
+                <a:satMod val="130000"/>
+                <a:shade val="90000"/>
+                <a:lumMod val="103000"/>
+              </a:schemeClr>
+            </a:gs>
+            <a:gs pos="100000">
+              <a:schemeClr val="phClr">
+                <a:shade val="63000"/>
+                <a:satMod val="120000"/>
+              </a:schemeClr>
+            </a:gs>
+          </a:gsLst>
+          <a:lin ang="5400000" scaled="0"/>
+        </a:gradFill>
+      </a:bgFillStyleLst>
+    </a:fmtScheme>
+  </a:themeElements>
+  <a:objectDefaults/>
+  <a:extraClrSchemeLst/>
+  <a:extLst>
+    <a:ext uri="{05A4C25C-085E-4340-85A3-A5531E510DB2}">
+      <thm15:themeFamily xmlns:thm15="http://schemas.microsoft.com/office/thememl/2012/main" name="Office Theme" id="{62F939B6-93AF-4DB8-9C6B-D6C7DFDC589F}" vid="{4A3C46E8-61CC-4603-A589-7422A47A8E4A}"/>
+    </a:ext>
+  </a:extLst>
+</a:theme>
 </file>